--- a/ngram_model_khanh.pptx
+++ b/ngram_model_khanh.pptx
@@ -5,7 +5,7 @@
     <p:sldMasterId id="2147483648" r:id="rId1"/>
   </p:sldMasterIdLst>
   <p:notesMasterIdLst>
-    <p:notesMasterId r:id="rId40"/>
+    <p:notesMasterId r:id="rId39"/>
   </p:notesMasterIdLst>
   <p:sldIdLst>
     <p:sldId id="289" r:id="rId2"/>
@@ -19,33 +19,32 @@
     <p:sldId id="259" r:id="rId10"/>
     <p:sldId id="260" r:id="rId11"/>
     <p:sldId id="258" r:id="rId12"/>
-    <p:sldId id="261" r:id="rId13"/>
-    <p:sldId id="262" r:id="rId14"/>
-    <p:sldId id="274" r:id="rId15"/>
-    <p:sldId id="264" r:id="rId16"/>
-    <p:sldId id="265" r:id="rId17"/>
-    <p:sldId id="266" r:id="rId18"/>
-    <p:sldId id="283" r:id="rId19"/>
-    <p:sldId id="267" r:id="rId20"/>
-    <p:sldId id="271" r:id="rId21"/>
-    <p:sldId id="268" r:id="rId22"/>
-    <p:sldId id="296" r:id="rId23"/>
-    <p:sldId id="272" r:id="rId24"/>
-    <p:sldId id="275" r:id="rId25"/>
-    <p:sldId id="284" r:id="rId26"/>
-    <p:sldId id="285" r:id="rId27"/>
-    <p:sldId id="286" r:id="rId28"/>
-    <p:sldId id="276" r:id="rId29"/>
-    <p:sldId id="287" r:id="rId30"/>
-    <p:sldId id="288" r:id="rId31"/>
-    <p:sldId id="278" r:id="rId32"/>
-    <p:sldId id="279" r:id="rId33"/>
-    <p:sldId id="280" r:id="rId34"/>
-    <p:sldId id="291" r:id="rId35"/>
-    <p:sldId id="297" r:id="rId36"/>
-    <p:sldId id="290" r:id="rId37"/>
-    <p:sldId id="292" r:id="rId38"/>
-    <p:sldId id="293" r:id="rId39"/>
+    <p:sldId id="262" r:id="rId13"/>
+    <p:sldId id="274" r:id="rId14"/>
+    <p:sldId id="264" r:id="rId15"/>
+    <p:sldId id="265" r:id="rId16"/>
+    <p:sldId id="266" r:id="rId17"/>
+    <p:sldId id="283" r:id="rId18"/>
+    <p:sldId id="267" r:id="rId19"/>
+    <p:sldId id="271" r:id="rId20"/>
+    <p:sldId id="268" r:id="rId21"/>
+    <p:sldId id="296" r:id="rId22"/>
+    <p:sldId id="272" r:id="rId23"/>
+    <p:sldId id="275" r:id="rId24"/>
+    <p:sldId id="284" r:id="rId25"/>
+    <p:sldId id="285" r:id="rId26"/>
+    <p:sldId id="286" r:id="rId27"/>
+    <p:sldId id="276" r:id="rId28"/>
+    <p:sldId id="287" r:id="rId29"/>
+    <p:sldId id="288" r:id="rId30"/>
+    <p:sldId id="278" r:id="rId31"/>
+    <p:sldId id="279" r:id="rId32"/>
+    <p:sldId id="280" r:id="rId33"/>
+    <p:sldId id="291" r:id="rId34"/>
+    <p:sldId id="297" r:id="rId35"/>
+    <p:sldId id="290" r:id="rId36"/>
+    <p:sldId id="292" r:id="rId37"/>
+    <p:sldId id="293" r:id="rId38"/>
   </p:sldIdLst>
   <p:sldSz cx="12192000" cy="6858000"/>
   <p:notesSz cx="6858000" cy="9144000"/>
@@ -4261,8 +4260,8 @@
         </p:nvSpPr>
         <p:spPr>
           <a:xfrm>
-            <a:off x="2504526" y="3111407"/>
-            <a:ext cx="3440559" cy="646331"/>
+            <a:off x="2530819" y="2820823"/>
+            <a:ext cx="3440559" cy="923330"/>
           </a:xfrm>
           <a:prstGeom prst="rect">
             <a:avLst/>
@@ -4281,23 +4280,7 @@
                   <a:srgbClr val="C00000"/>
                 </a:solidFill>
               </a:rPr>
-              <a:t>Interpolating with </a:t>
-            </a:r>
-            <a:r>
-              <a:rPr lang="en-US" smtClean="0">
-                <a:solidFill>
-                  <a:srgbClr val="C00000"/>
-                </a:solidFill>
-              </a:rPr>
-              <a:t>uniform model improves </a:t>
-            </a:r>
-            <a:r>
-              <a:rPr lang="en-US" dirty="0" smtClean="0">
-                <a:solidFill>
-                  <a:srgbClr val="C00000"/>
-                </a:solidFill>
-              </a:rPr>
-              <a:t>the model performance!</a:t>
+              <a:t>Interpolating with uniform model improves the model performance on the test set !</a:t>
             </a:r>
             <a:endParaRPr lang="en-US" dirty="0">
               <a:solidFill>
@@ -4715,14 +4698,14 @@
       </p:pic>
       <p:sp>
         <p:nvSpPr>
-          <p:cNvPr id="10" name="TextBox 9"/>
+          <p:cNvPr id="15" name="TextBox 14"/>
           <p:cNvSpPr txBox="1"/>
           <p:nvPr/>
         </p:nvSpPr>
         <p:spPr>
           <a:xfrm>
-            <a:off x="5025111" y="1690688"/>
-            <a:ext cx="4127810" cy="369332"/>
+            <a:off x="5350013" y="5653640"/>
+            <a:ext cx="3852744" cy="923330"/>
           </a:xfrm>
           <a:prstGeom prst="rect">
             <a:avLst/>
@@ -4741,113 +4724,7 @@
                   <a:srgbClr val="C00000"/>
                 </a:solidFill>
               </a:rPr>
-              <a:t>The higher </a:t>
-            </a:r>
-            <a:r>
-              <a:rPr lang="en-US" dirty="0" err="1" smtClean="0">
-                <a:solidFill>
-                  <a:srgbClr val="C00000"/>
-                </a:solidFill>
-              </a:rPr>
-              <a:t>ngram</a:t>
-            </a:r>
-            <a:r>
-              <a:rPr lang="en-US" dirty="0" smtClean="0">
-                <a:solidFill>
-                  <a:srgbClr val="C00000"/>
-                </a:solidFill>
-              </a:rPr>
-              <a:t>, the better the model</a:t>
-            </a:r>
-            <a:endParaRPr lang="en-US" dirty="0">
-              <a:solidFill>
-                <a:srgbClr val="C00000"/>
-              </a:solidFill>
-            </a:endParaRPr>
-          </a:p>
-        </p:txBody>
-      </p:sp>
-      <p:cxnSp>
-        <p:nvCxnSpPr>
-          <p:cNvPr id="11" name="Straight Arrow Connector 10"/>
-          <p:cNvCxnSpPr/>
-          <p:nvPr/>
-        </p:nvCxnSpPr>
-        <p:spPr>
-          <a:xfrm flipV="1">
-            <a:off x="5025111" y="2060020"/>
-            <a:ext cx="349529" cy="621733"/>
-          </a:xfrm>
-          <a:prstGeom prst="straightConnector1">
-            <a:avLst/>
-          </a:prstGeom>
-          <a:ln>
-            <a:solidFill>
-              <a:srgbClr val="C00000"/>
-            </a:solidFill>
-            <a:tailEnd type="triangle"/>
-          </a:ln>
-        </p:spPr>
-        <p:style>
-          <a:lnRef idx="1">
-            <a:schemeClr val="accent1"/>
-          </a:lnRef>
-          <a:fillRef idx="0">
-            <a:schemeClr val="accent1"/>
-          </a:fillRef>
-          <a:effectRef idx="0">
-            <a:schemeClr val="accent1"/>
-          </a:effectRef>
-          <a:fontRef idx="minor">
-            <a:schemeClr val="tx1"/>
-          </a:fontRef>
-        </p:style>
-      </p:cxnSp>
-      <p:sp>
-        <p:nvSpPr>
-          <p:cNvPr id="15" name="TextBox 14"/>
-          <p:cNvSpPr txBox="1"/>
-          <p:nvPr/>
-        </p:nvSpPr>
-        <p:spPr>
-          <a:xfrm>
-            <a:off x="5350013" y="5653640"/>
-            <a:ext cx="3852744" cy="923330"/>
-          </a:xfrm>
-          <a:prstGeom prst="rect">
-            <a:avLst/>
-          </a:prstGeom>
-          <a:noFill/>
-        </p:spPr>
-        <p:txBody>
-          <a:bodyPr wrap="square" rtlCol="0">
-            <a:spAutoFit/>
-          </a:bodyPr>
-          <a:lstStyle/>
-          <a:p>
-            <a:r>
-              <a:rPr lang="en-US" dirty="0" smtClean="0">
-                <a:solidFill>
-                  <a:srgbClr val="C00000"/>
-                </a:solidFill>
-              </a:rPr>
-              <a:t>The more interpolation with uniform (lower fraction of </a:t>
-            </a:r>
-            <a:r>
-              <a:rPr lang="en-US" dirty="0" err="1" smtClean="0">
-                <a:solidFill>
-                  <a:srgbClr val="C00000"/>
-                </a:solidFill>
-              </a:rPr>
-              <a:t>ngram</a:t>
-            </a:r>
-            <a:r>
-              <a:rPr lang="en-US" dirty="0" smtClean="0">
-                <a:solidFill>
-                  <a:srgbClr val="C00000"/>
-                </a:solidFill>
-              </a:rPr>
-              <a:t> model), the worse the model gets</a:t>
+              <a:t>The more interpolation with uniform, the worse the model is on the training set</a:t>
             </a:r>
             <a:endParaRPr lang="en-US" dirty="0">
               <a:solidFill>
@@ -5192,9 +5069,6 @@
                     <p:cTn id="3" fill="hold">
                       <p:stCondLst>
                         <p:cond delay="indefinite"/>
-                        <p:cond evt="onBegin" delay="0">
-                          <p:tn val="2"/>
-                        </p:cond>
                       </p:stCondLst>
                       <p:childTnLst>
                         <p:par>
@@ -5204,7 +5078,7 @@
                             </p:stCondLst>
                             <p:childTnLst>
                               <p:par>
-                                <p:cTn id="5" presetID="1" presetClass="entr" presetSubtype="0" fill="hold" grpId="0" nodeType="withEffect">
+                                <p:cTn id="5" presetID="1" presetClass="entr" presetSubtype="0" fill="hold" nodeType="clickEffect">
                                   <p:stCondLst>
                                     <p:cond delay="0"/>
                                   </p:stCondLst>
@@ -5212,96 +5086,6 @@
                                     <p:set>
                                       <p:cBhvr>
                                         <p:cTn id="6" dur="1" fill="hold">
-                                          <p:stCondLst>
-                                            <p:cond delay="0"/>
-                                          </p:stCondLst>
-                                        </p:cTn>
-                                        <p:tgtEl>
-                                          <p:spTgt spid="10"/>
-                                        </p:tgtEl>
-                                        <p:attrNameLst>
-                                          <p:attrName>style.visibility</p:attrName>
-                                        </p:attrNameLst>
-                                      </p:cBhvr>
-                                      <p:to>
-                                        <p:strVal val="visible"/>
-                                      </p:to>
-                                    </p:set>
-                                  </p:childTnLst>
-                                </p:cTn>
-                              </p:par>
-                            </p:childTnLst>
-                          </p:cTn>
-                        </p:par>
-                      </p:childTnLst>
-                    </p:cTn>
-                  </p:par>
-                  <p:par>
-                    <p:cTn id="7" fill="hold">
-                      <p:stCondLst>
-                        <p:cond delay="indefinite"/>
-                      </p:stCondLst>
-                      <p:childTnLst>
-                        <p:par>
-                          <p:cTn id="8" fill="hold">
-                            <p:stCondLst>
-                              <p:cond delay="0"/>
-                            </p:stCondLst>
-                            <p:childTnLst>
-                              <p:par>
-                                <p:cTn id="9" presetID="1" presetClass="entr" presetSubtype="0" fill="hold" nodeType="clickEffect">
-                                  <p:stCondLst>
-                                    <p:cond delay="0"/>
-                                  </p:stCondLst>
-                                  <p:childTnLst>
-                                    <p:set>
-                                      <p:cBhvr>
-                                        <p:cTn id="10" dur="1" fill="hold">
-                                          <p:stCondLst>
-                                            <p:cond delay="0"/>
-                                          </p:stCondLst>
-                                        </p:cTn>
-                                        <p:tgtEl>
-                                          <p:spTgt spid="11"/>
-                                        </p:tgtEl>
-                                        <p:attrNameLst>
-                                          <p:attrName>style.visibility</p:attrName>
-                                        </p:attrNameLst>
-                                      </p:cBhvr>
-                                      <p:to>
-                                        <p:strVal val="visible"/>
-                                      </p:to>
-                                    </p:set>
-                                  </p:childTnLst>
-                                </p:cTn>
-                              </p:par>
-                            </p:childTnLst>
-                          </p:cTn>
-                        </p:par>
-                      </p:childTnLst>
-                    </p:cTn>
-                  </p:par>
-                  <p:par>
-                    <p:cTn id="11" fill="hold">
-                      <p:stCondLst>
-                        <p:cond delay="indefinite"/>
-                      </p:stCondLst>
-                      <p:childTnLst>
-                        <p:par>
-                          <p:cTn id="12" fill="hold">
-                            <p:stCondLst>
-                              <p:cond delay="0"/>
-                            </p:stCondLst>
-                            <p:childTnLst>
-                              <p:par>
-                                <p:cTn id="13" presetID="1" presetClass="entr" presetSubtype="0" fill="hold" nodeType="clickEffect">
-                                  <p:stCondLst>
-                                    <p:cond delay="0"/>
-                                  </p:stCondLst>
-                                  <p:childTnLst>
-                                    <p:set>
-                                      <p:cBhvr>
-                                        <p:cTn id="14" dur="1" fill="hold">
                                           <p:stCondLst>
                                             <p:cond delay="0"/>
                                           </p:stCondLst>
@@ -5321,14 +5105,14 @@
                                 </p:cTn>
                               </p:par>
                               <p:par>
-                                <p:cTn id="15" presetID="1" presetClass="entr" presetSubtype="0" fill="hold" grpId="0" nodeType="withEffect">
+                                <p:cTn id="7" presetID="1" presetClass="entr" presetSubtype="0" fill="hold" grpId="0" nodeType="withEffect">
                                   <p:stCondLst>
                                     <p:cond delay="0"/>
                                   </p:stCondLst>
                                   <p:childTnLst>
                                     <p:set>
                                       <p:cBhvr>
-                                        <p:cTn id="16" dur="1" fill="hold">
+                                        <p:cTn id="8" dur="1" fill="hold">
                                           <p:stCondLst>
                                             <p:cond delay="0"/>
                                           </p:stCondLst>
@@ -5375,7 +5159,6 @@
       </p:par>
     </p:tnLst>
     <p:bldLst>
-      <p:bldP spid="10" grpId="0"/>
       <p:bldP spid="15" grpId="0"/>
     </p:bldLst>
   </p:timing>
@@ -5415,1902 +5198,6 @@
           <a:lstStyle/>
           <a:p>
             <a:r>
-              <a:rPr lang="en-US" dirty="0" smtClean="0"/>
-              <a:t>Why are higher </a:t>
-            </a:r>
-            <a:r>
-              <a:rPr lang="en-US" dirty="0" err="1" smtClean="0"/>
-              <a:t>ngram</a:t>
-            </a:r>
-            <a:r>
-              <a:rPr lang="en-US" dirty="0" smtClean="0"/>
-              <a:t> models better?</a:t>
-            </a:r>
-            <a:endParaRPr lang="en-US" dirty="0"/>
-          </a:p>
-        </p:txBody>
-      </p:sp>
-      <p:graphicFrame>
-        <p:nvGraphicFramePr>
-          <p:cNvPr id="13" name="Table 12"/>
-          <p:cNvGraphicFramePr>
-            <a:graphicFrameLocks noGrp="1"/>
-          </p:cNvGraphicFramePr>
-          <p:nvPr>
-            <p:extLst>
-              <p:ext uri="{D42A27DB-BD31-4B8C-83A1-F6EECF244321}">
-                <p14:modId xmlns:p14="http://schemas.microsoft.com/office/powerpoint/2010/main" val="1940522655"/>
-              </p:ext>
-            </p:extLst>
-          </p:nvPr>
-        </p:nvGraphicFramePr>
-        <p:xfrm>
-          <a:off x="890270" y="2156314"/>
-          <a:ext cx="9227820" cy="2494280"/>
-        </p:xfrm>
-        <a:graphic>
-          <a:graphicData uri="http://schemas.openxmlformats.org/drawingml/2006/table">
-            <a:tbl>
-              <a:tblPr firstRow="1" bandRow="1">
-                <a:tableStyleId>{2D5ABB26-0587-4C30-8999-92F81FD0307C}</a:tableStyleId>
-              </a:tblPr>
-              <a:tblGrid>
-                <a:gridCol w="1643548"/>
-                <a:gridCol w="3113872"/>
-                <a:gridCol w="4470400"/>
-              </a:tblGrid>
-              <a:tr h="370840">
-                <a:tc>
-                  <a:txBody>
-                    <a:bodyPr/>
-                    <a:lstStyle/>
-                    <a:p>
-                      <a:pPr marL="0" marR="0" indent="0" algn="l" defTabSz="914400" rtl="0" eaLnBrk="1" fontAlgn="auto" latinLnBrk="0" hangingPunct="1">
-                        <a:lnSpc>
-                          <a:spcPct val="100000"/>
-                        </a:lnSpc>
-                        <a:spcBef>
-                          <a:spcPts val="0"/>
-                        </a:spcBef>
-                        <a:spcAft>
-                          <a:spcPts val="0"/>
-                        </a:spcAft>
-                        <a:buClrTx/>
-                        <a:buSzTx/>
-                        <a:buFontTx/>
-                        <a:buNone/>
-                        <a:tabLst/>
-                        <a:defRPr/>
-                      </a:pPr>
-                      <a:r>
-                        <a:rPr lang="en-US" sz="1800" b="1" dirty="0" smtClean="0">
-                          <a:solidFill>
-                            <a:schemeClr val="bg2">
-                              <a:lumMod val="25000"/>
-                            </a:schemeClr>
-                          </a:solidFill>
-                        </a:rPr>
-                        <a:t>Model</a:t>
-                      </a:r>
-                    </a:p>
-                  </a:txBody>
-                  <a:tcPr>
-                    <a:lnL w="12700" cap="flat" cmpd="sng" algn="ctr">
-                      <a:solidFill>
-                        <a:schemeClr val="tx1"/>
-                      </a:solidFill>
-                      <a:prstDash val="solid"/>
-                      <a:round/>
-                      <a:headEnd type="none" w="med" len="med"/>
-                      <a:tailEnd type="none" w="med" len="med"/>
-                    </a:lnL>
-                    <a:lnR w="12700" cap="flat" cmpd="sng" algn="ctr">
-                      <a:solidFill>
-                        <a:schemeClr val="tx1"/>
-                      </a:solidFill>
-                      <a:prstDash val="solid"/>
-                      <a:round/>
-                      <a:headEnd type="none" w="med" len="med"/>
-                      <a:tailEnd type="none" w="med" len="med"/>
-                    </a:lnR>
-                    <a:lnT w="12700" cap="flat" cmpd="sng" algn="ctr">
-                      <a:solidFill>
-                        <a:schemeClr val="tx1"/>
-                      </a:solidFill>
-                      <a:prstDash val="solid"/>
-                      <a:round/>
-                      <a:headEnd type="none" w="med" len="med"/>
-                      <a:tailEnd type="none" w="med" len="med"/>
-                    </a:lnT>
-                    <a:lnB w="12700" cap="flat" cmpd="sng" algn="ctr">
-                      <a:solidFill>
-                        <a:schemeClr val="tx1"/>
-                      </a:solidFill>
-                      <a:prstDash val="solid"/>
-                      <a:round/>
-                      <a:headEnd type="none" w="med" len="med"/>
-                      <a:tailEnd type="none" w="med" len="med"/>
-                    </a:lnB>
-                    <a:lnTlToBr w="12700" cmpd="sng">
-                      <a:noFill/>
-                      <a:prstDash val="solid"/>
-                    </a:lnTlToBr>
-                    <a:lnBlToTr w="12700" cmpd="sng">
-                      <a:noFill/>
-                      <a:prstDash val="solid"/>
-                    </a:lnBlToTr>
-                  </a:tcPr>
-                </a:tc>
-                <a:tc>
-                  <a:txBody>
-                    <a:bodyPr/>
-                    <a:lstStyle/>
-                    <a:p>
-                      <a:pPr marL="0" marR="0" indent="0" algn="l" defTabSz="914400" rtl="0" eaLnBrk="1" fontAlgn="auto" latinLnBrk="0" hangingPunct="1">
-                        <a:lnSpc>
-                          <a:spcPct val="100000"/>
-                        </a:lnSpc>
-                        <a:spcBef>
-                          <a:spcPts val="0"/>
-                        </a:spcBef>
-                        <a:spcAft>
-                          <a:spcPts val="0"/>
-                        </a:spcAft>
-                        <a:buClrTx/>
-                        <a:buSzTx/>
-                        <a:buFontTx/>
-                        <a:buNone/>
-                        <a:tabLst/>
-                        <a:defRPr/>
-                      </a:pPr>
-                      <a:r>
-                        <a:rPr lang="en-US" sz="1800" b="1" dirty="0" smtClean="0">
-                          <a:solidFill>
-                            <a:schemeClr val="bg2">
-                              <a:lumMod val="25000"/>
-                            </a:schemeClr>
-                          </a:solidFill>
-                        </a:rPr>
-                        <a:t>Estimated probability</a:t>
-                      </a:r>
-                    </a:p>
-                  </a:txBody>
-                  <a:tcPr>
-                    <a:lnL w="12700" cap="flat" cmpd="sng" algn="ctr">
-                      <a:solidFill>
-                        <a:schemeClr val="tx1"/>
-                      </a:solidFill>
-                      <a:prstDash val="solid"/>
-                      <a:round/>
-                      <a:headEnd type="none" w="med" len="med"/>
-                      <a:tailEnd type="none" w="med" len="med"/>
-                    </a:lnL>
-                    <a:lnR w="12700" cap="flat" cmpd="sng" algn="ctr">
-                      <a:solidFill>
-                        <a:schemeClr val="tx1"/>
-                      </a:solidFill>
-                      <a:prstDash val="solid"/>
-                      <a:round/>
-                      <a:headEnd type="none" w="med" len="med"/>
-                      <a:tailEnd type="none" w="med" len="med"/>
-                    </a:lnR>
-                    <a:lnT w="12700" cap="flat" cmpd="sng" algn="ctr">
-                      <a:solidFill>
-                        <a:schemeClr val="tx1"/>
-                      </a:solidFill>
-                      <a:prstDash val="solid"/>
-                      <a:round/>
-                      <a:headEnd type="none" w="med" len="med"/>
-                      <a:tailEnd type="none" w="med" len="med"/>
-                    </a:lnT>
-                    <a:lnB w="12700" cap="flat" cmpd="sng" algn="ctr">
-                      <a:solidFill>
-                        <a:schemeClr val="tx1"/>
-                      </a:solidFill>
-                      <a:prstDash val="solid"/>
-                      <a:round/>
-                      <a:headEnd type="none" w="med" len="med"/>
-                      <a:tailEnd type="none" w="med" len="med"/>
-                    </a:lnB>
-                    <a:lnTlToBr w="12700" cmpd="sng">
-                      <a:noFill/>
-                      <a:prstDash val="solid"/>
-                    </a:lnTlToBr>
-                    <a:lnBlToTr w="12700" cmpd="sng">
-                      <a:noFill/>
-                      <a:prstDash val="solid"/>
-                    </a:lnBlToTr>
-                  </a:tcPr>
-                </a:tc>
-                <a:tc>
-                  <a:txBody>
-                    <a:bodyPr/>
-                    <a:lstStyle/>
-                    <a:p>
-                      <a:pPr marL="0" marR="0" indent="0" algn="l" defTabSz="914400" rtl="0" eaLnBrk="1" fontAlgn="auto" latinLnBrk="0" hangingPunct="1">
-                        <a:lnSpc>
-                          <a:spcPct val="100000"/>
-                        </a:lnSpc>
-                        <a:spcBef>
-                          <a:spcPts val="0"/>
-                        </a:spcBef>
-                        <a:spcAft>
-                          <a:spcPts val="0"/>
-                        </a:spcAft>
-                        <a:buClrTx/>
-                        <a:buSzTx/>
-                        <a:buFontTx/>
-                        <a:buNone/>
-                        <a:tabLst/>
-                        <a:defRPr/>
-                      </a:pPr>
-                      <a:r>
-                        <a:rPr lang="en-US" sz="1800" b="1" dirty="0" smtClean="0">
-                          <a:solidFill>
-                            <a:schemeClr val="bg2">
-                              <a:lumMod val="25000"/>
-                            </a:schemeClr>
-                          </a:solidFill>
-                        </a:rPr>
-                        <a:t>Other </a:t>
-                      </a:r>
-                      <a:r>
-                        <a:rPr lang="en-US" sz="1800" b="1" dirty="0" err="1" smtClean="0">
-                          <a:solidFill>
-                            <a:schemeClr val="bg2">
-                              <a:lumMod val="25000"/>
-                            </a:schemeClr>
-                          </a:solidFill>
-                        </a:rPr>
-                        <a:t>ngrams</a:t>
-                      </a:r>
-                      <a:r>
-                        <a:rPr lang="en-US" sz="1800" b="1" dirty="0" smtClean="0">
-                          <a:solidFill>
-                            <a:schemeClr val="bg2">
-                              <a:lumMod val="25000"/>
-                            </a:schemeClr>
-                          </a:solidFill>
-                        </a:rPr>
-                        <a:t> with same history</a:t>
-                      </a:r>
-                    </a:p>
-                  </a:txBody>
-                  <a:tcPr>
-                    <a:lnL w="12700" cap="flat" cmpd="sng" algn="ctr">
-                      <a:solidFill>
-                        <a:schemeClr val="tx1"/>
-                      </a:solidFill>
-                      <a:prstDash val="solid"/>
-                      <a:round/>
-                      <a:headEnd type="none" w="med" len="med"/>
-                      <a:tailEnd type="none" w="med" len="med"/>
-                    </a:lnL>
-                    <a:lnR w="12700" cap="flat" cmpd="sng" algn="ctr">
-                      <a:solidFill>
-                        <a:schemeClr val="tx1"/>
-                      </a:solidFill>
-                      <a:prstDash val="solid"/>
-                      <a:round/>
-                      <a:headEnd type="none" w="med" len="med"/>
-                      <a:tailEnd type="none" w="med" len="med"/>
-                    </a:lnR>
-                    <a:lnT w="12700" cap="flat" cmpd="sng" algn="ctr">
-                      <a:solidFill>
-                        <a:schemeClr val="tx1"/>
-                      </a:solidFill>
-                      <a:prstDash val="solid"/>
-                      <a:round/>
-                      <a:headEnd type="none" w="med" len="med"/>
-                      <a:tailEnd type="none" w="med" len="med"/>
-                    </a:lnT>
-                    <a:lnB w="12700" cap="flat" cmpd="sng" algn="ctr">
-                      <a:solidFill>
-                        <a:schemeClr val="tx1"/>
-                      </a:solidFill>
-                      <a:prstDash val="solid"/>
-                      <a:round/>
-                      <a:headEnd type="none" w="med" len="med"/>
-                      <a:tailEnd type="none" w="med" len="med"/>
-                    </a:lnB>
-                    <a:lnTlToBr w="12700" cmpd="sng">
-                      <a:noFill/>
-                      <a:prstDash val="solid"/>
-                    </a:lnTlToBr>
-                    <a:lnBlToTr w="12700" cmpd="sng">
-                      <a:noFill/>
-                      <a:prstDash val="solid"/>
-                    </a:lnBlToTr>
-                  </a:tcPr>
-                </a:tc>
-              </a:tr>
-              <a:tr h="370840">
-                <a:tc>
-                  <a:txBody>
-                    <a:bodyPr/>
-                    <a:lstStyle/>
-                    <a:p>
-                      <a:pPr marL="0" marR="0" indent="0" algn="l" defTabSz="914400" rtl="0" eaLnBrk="1" fontAlgn="auto" latinLnBrk="0" hangingPunct="1">
-                        <a:lnSpc>
-                          <a:spcPct val="100000"/>
-                        </a:lnSpc>
-                        <a:spcBef>
-                          <a:spcPts val="0"/>
-                        </a:spcBef>
-                        <a:spcAft>
-                          <a:spcPts val="0"/>
-                        </a:spcAft>
-                        <a:buClrTx/>
-                        <a:buSzTx/>
-                        <a:buFontTx/>
-                        <a:buNone/>
-                        <a:tabLst/>
-                        <a:defRPr/>
-                      </a:pPr>
-                      <a:r>
-                        <a:rPr lang="en-US" sz="1800" dirty="0" smtClean="0">
-                          <a:solidFill>
-                            <a:schemeClr val="bg2">
-                              <a:lumMod val="25000"/>
-                            </a:schemeClr>
-                          </a:solidFill>
-                        </a:rPr>
-                        <a:t>Unigram</a:t>
-                      </a:r>
-                    </a:p>
-                  </a:txBody>
-                  <a:tcPr>
-                    <a:lnL w="12700" cap="flat" cmpd="sng" algn="ctr">
-                      <a:solidFill>
-                        <a:schemeClr val="tx1"/>
-                      </a:solidFill>
-                      <a:prstDash val="solid"/>
-                      <a:round/>
-                      <a:headEnd type="none" w="med" len="med"/>
-                      <a:tailEnd type="none" w="med" len="med"/>
-                    </a:lnL>
-                    <a:lnR w="12700" cap="flat" cmpd="sng" algn="ctr">
-                      <a:solidFill>
-                        <a:schemeClr val="tx1"/>
-                      </a:solidFill>
-                      <a:prstDash val="solid"/>
-                      <a:round/>
-                      <a:headEnd type="none" w="med" len="med"/>
-                      <a:tailEnd type="none" w="med" len="med"/>
-                    </a:lnR>
-                    <a:lnT w="12700" cap="flat" cmpd="sng" algn="ctr">
-                      <a:solidFill>
-                        <a:schemeClr val="tx1"/>
-                      </a:solidFill>
-                      <a:prstDash val="solid"/>
-                      <a:round/>
-                      <a:headEnd type="none" w="med" len="med"/>
-                      <a:tailEnd type="none" w="med" len="med"/>
-                    </a:lnT>
-                    <a:lnB w="12700" cap="flat" cmpd="sng" algn="ctr">
-                      <a:solidFill>
-                        <a:schemeClr val="tx1"/>
-                      </a:solidFill>
-                      <a:prstDash val="solid"/>
-                      <a:round/>
-                      <a:headEnd type="none" w="med" len="med"/>
-                      <a:tailEnd type="none" w="med" len="med"/>
-                    </a:lnB>
-                    <a:lnTlToBr w="12700" cmpd="sng">
-                      <a:noFill/>
-                      <a:prstDash val="solid"/>
-                    </a:lnTlToBr>
-                    <a:lnBlToTr w="12700" cmpd="sng">
-                      <a:noFill/>
-                      <a:prstDash val="solid"/>
-                    </a:lnBlToTr>
-                  </a:tcPr>
-                </a:tc>
-                <a:tc>
-                  <a:txBody>
-                    <a:bodyPr/>
-                    <a:lstStyle/>
-                    <a:p>
-                      <a:pPr marL="0" marR="0" indent="0" algn="l" defTabSz="914400" rtl="0" eaLnBrk="1" fontAlgn="auto" latinLnBrk="0" hangingPunct="1">
-                        <a:lnSpc>
-                          <a:spcPct val="100000"/>
-                        </a:lnSpc>
-                        <a:spcBef>
-                          <a:spcPts val="0"/>
-                        </a:spcBef>
-                        <a:spcAft>
-                          <a:spcPts val="0"/>
-                        </a:spcAft>
-                        <a:buClrTx/>
-                        <a:buSzTx/>
-                        <a:buFontTx/>
-                        <a:buNone/>
-                        <a:tabLst/>
-                        <a:defRPr/>
-                      </a:pPr>
-                      <a:r>
-                        <a:rPr lang="en-US" sz="1800" dirty="0" smtClean="0">
-                          <a:solidFill>
-                            <a:schemeClr val="bg2">
-                              <a:lumMod val="25000"/>
-                            </a:schemeClr>
-                          </a:solidFill>
-                        </a:rPr>
-                        <a:t>P(and) = 0.028</a:t>
-                      </a:r>
-                    </a:p>
-                  </a:txBody>
-                  <a:tcPr>
-                    <a:lnL w="12700" cap="flat" cmpd="sng" algn="ctr">
-                      <a:solidFill>
-                        <a:schemeClr val="tx1"/>
-                      </a:solidFill>
-                      <a:prstDash val="solid"/>
-                      <a:round/>
-                      <a:headEnd type="none" w="med" len="med"/>
-                      <a:tailEnd type="none" w="med" len="med"/>
-                    </a:lnL>
-                    <a:lnR w="12700" cap="flat" cmpd="sng" algn="ctr">
-                      <a:solidFill>
-                        <a:schemeClr val="tx1"/>
-                      </a:solidFill>
-                      <a:prstDash val="solid"/>
-                      <a:round/>
-                      <a:headEnd type="none" w="med" len="med"/>
-                      <a:tailEnd type="none" w="med" len="med"/>
-                    </a:lnR>
-                    <a:lnT w="12700" cap="flat" cmpd="sng" algn="ctr">
-                      <a:solidFill>
-                        <a:schemeClr val="tx1"/>
-                      </a:solidFill>
-                      <a:prstDash val="solid"/>
-                      <a:round/>
-                      <a:headEnd type="none" w="med" len="med"/>
-                      <a:tailEnd type="none" w="med" len="med"/>
-                    </a:lnT>
-                    <a:lnB w="12700" cap="flat" cmpd="sng" algn="ctr">
-                      <a:solidFill>
-                        <a:schemeClr val="tx1"/>
-                      </a:solidFill>
-                      <a:prstDash val="solid"/>
-                      <a:round/>
-                      <a:headEnd type="none" w="med" len="med"/>
-                      <a:tailEnd type="none" w="med" len="med"/>
-                    </a:lnB>
-                    <a:lnTlToBr w="12700" cmpd="sng">
-                      <a:noFill/>
-                      <a:prstDash val="solid"/>
-                    </a:lnTlToBr>
-                    <a:lnBlToTr w="12700" cmpd="sng">
-                      <a:noFill/>
-                      <a:prstDash val="solid"/>
-                    </a:lnBlToTr>
-                  </a:tcPr>
-                </a:tc>
-                <a:tc>
-                  <a:txBody>
-                    <a:bodyPr/>
-                    <a:lstStyle/>
-                    <a:p>
-                      <a:pPr marL="0" marR="0" indent="0" algn="l" defTabSz="914400" rtl="0" eaLnBrk="1" fontAlgn="auto" latinLnBrk="0" hangingPunct="1">
-                        <a:lnSpc>
-                          <a:spcPct val="100000"/>
-                        </a:lnSpc>
-                        <a:spcBef>
-                          <a:spcPts val="0"/>
-                        </a:spcBef>
-                        <a:spcAft>
-                          <a:spcPts val="0"/>
-                        </a:spcAft>
-                        <a:buClrTx/>
-                        <a:buSzTx/>
-                        <a:buFontTx/>
-                        <a:buNone/>
-                        <a:tabLst/>
-                        <a:defRPr/>
-                      </a:pPr>
-                      <a:r>
-                        <a:rPr lang="en-US" sz="1800" dirty="0" smtClean="0">
-                          <a:solidFill>
-                            <a:schemeClr val="bg2">
-                              <a:lumMod val="25000"/>
-                            </a:schemeClr>
-                          </a:solidFill>
-                        </a:rPr>
-                        <a:t>Many</a:t>
-                      </a:r>
-                      <a:r>
-                        <a:rPr lang="en-US" sz="1800" baseline="0" dirty="0" smtClean="0">
-                          <a:solidFill>
-                            <a:schemeClr val="bg2">
-                              <a:lumMod val="25000"/>
-                            </a:schemeClr>
-                          </a:solidFill>
-                        </a:rPr>
-                        <a:t> others!</a:t>
-                      </a:r>
-                      <a:endParaRPr lang="en-US" sz="1800" dirty="0" smtClean="0">
-                        <a:solidFill>
-                          <a:schemeClr val="bg2">
-                            <a:lumMod val="25000"/>
-                          </a:schemeClr>
-                        </a:solidFill>
-                      </a:endParaRPr>
-                    </a:p>
-                  </a:txBody>
-                  <a:tcPr>
-                    <a:lnL w="12700" cap="flat" cmpd="sng" algn="ctr">
-                      <a:solidFill>
-                        <a:schemeClr val="tx1"/>
-                      </a:solidFill>
-                      <a:prstDash val="solid"/>
-                      <a:round/>
-                      <a:headEnd type="none" w="med" len="med"/>
-                      <a:tailEnd type="none" w="med" len="med"/>
-                    </a:lnL>
-                    <a:lnR w="12700" cap="flat" cmpd="sng" algn="ctr">
-                      <a:solidFill>
-                        <a:schemeClr val="tx1"/>
-                      </a:solidFill>
-                      <a:prstDash val="solid"/>
-                      <a:round/>
-                      <a:headEnd type="none" w="med" len="med"/>
-                      <a:tailEnd type="none" w="med" len="med"/>
-                    </a:lnR>
-                    <a:lnT w="12700" cap="flat" cmpd="sng" algn="ctr">
-                      <a:solidFill>
-                        <a:schemeClr val="tx1"/>
-                      </a:solidFill>
-                      <a:prstDash val="solid"/>
-                      <a:round/>
-                      <a:headEnd type="none" w="med" len="med"/>
-                      <a:tailEnd type="none" w="med" len="med"/>
-                    </a:lnT>
-                    <a:lnB w="12700" cap="flat" cmpd="sng" algn="ctr">
-                      <a:solidFill>
-                        <a:schemeClr val="tx1"/>
-                      </a:solidFill>
-                      <a:prstDash val="solid"/>
-                      <a:round/>
-                      <a:headEnd type="none" w="med" len="med"/>
-                      <a:tailEnd type="none" w="med" len="med"/>
-                    </a:lnB>
-                    <a:lnTlToBr w="12700" cmpd="sng">
-                      <a:noFill/>
-                      <a:prstDash val="solid"/>
-                    </a:lnTlToBr>
-                    <a:lnBlToTr w="12700" cmpd="sng">
-                      <a:noFill/>
-                      <a:prstDash val="solid"/>
-                    </a:lnBlToTr>
-                  </a:tcPr>
-                </a:tc>
-              </a:tr>
-              <a:tr h="370840">
-                <a:tc>
-                  <a:txBody>
-                    <a:bodyPr/>
-                    <a:lstStyle/>
-                    <a:p>
-                      <a:r>
-                        <a:rPr lang="en-US" sz="1800" dirty="0" smtClean="0"/>
-                        <a:t>Bigram</a:t>
-                      </a:r>
-                      <a:endParaRPr lang="en-US" sz="1800" dirty="0"/>
-                    </a:p>
-                  </a:txBody>
-                  <a:tcPr>
-                    <a:lnL w="12700" cap="flat" cmpd="sng" algn="ctr">
-                      <a:solidFill>
-                        <a:schemeClr val="tx1"/>
-                      </a:solidFill>
-                      <a:prstDash val="solid"/>
-                      <a:round/>
-                      <a:headEnd type="none" w="med" len="med"/>
-                      <a:tailEnd type="none" w="med" len="med"/>
-                    </a:lnL>
-                    <a:lnR w="12700" cap="flat" cmpd="sng" algn="ctr">
-                      <a:solidFill>
-                        <a:schemeClr val="tx1"/>
-                      </a:solidFill>
-                      <a:prstDash val="solid"/>
-                      <a:round/>
-                      <a:headEnd type="none" w="med" len="med"/>
-                      <a:tailEnd type="none" w="med" len="med"/>
-                    </a:lnR>
-                    <a:lnT w="12700" cap="flat" cmpd="sng" algn="ctr">
-                      <a:solidFill>
-                        <a:schemeClr val="tx1"/>
-                      </a:solidFill>
-                      <a:prstDash val="solid"/>
-                      <a:round/>
-                      <a:headEnd type="none" w="med" len="med"/>
-                      <a:tailEnd type="none" w="med" len="med"/>
-                    </a:lnT>
-                    <a:lnB w="12700" cap="flat" cmpd="sng" algn="ctr">
-                      <a:solidFill>
-                        <a:schemeClr val="tx1"/>
-                      </a:solidFill>
-                      <a:prstDash val="solid"/>
-                      <a:round/>
-                      <a:headEnd type="none" w="med" len="med"/>
-                      <a:tailEnd type="none" w="med" len="med"/>
-                    </a:lnB>
-                    <a:lnTlToBr w="12700" cmpd="sng">
-                      <a:noFill/>
-                      <a:prstDash val="solid"/>
-                    </a:lnTlToBr>
-                    <a:lnBlToTr w="12700" cmpd="sng">
-                      <a:noFill/>
-                      <a:prstDash val="solid"/>
-                    </a:lnBlToTr>
-                  </a:tcPr>
-                </a:tc>
-                <a:tc>
-                  <a:txBody>
-                    <a:bodyPr/>
-                    <a:lstStyle/>
-                    <a:p>
-                      <a:pPr marL="0" marR="0" indent="0" algn="l" defTabSz="914400" rtl="0" eaLnBrk="1" fontAlgn="auto" latinLnBrk="0" hangingPunct="1">
-                        <a:lnSpc>
-                          <a:spcPct val="100000"/>
-                        </a:lnSpc>
-                        <a:spcBef>
-                          <a:spcPts val="0"/>
-                        </a:spcBef>
-                        <a:spcAft>
-                          <a:spcPts val="0"/>
-                        </a:spcAft>
-                        <a:buClrTx/>
-                        <a:buSzTx/>
-                        <a:buFontTx/>
-                        <a:buNone/>
-                        <a:tabLst/>
-                        <a:defRPr/>
-                      </a:pPr>
-                      <a:r>
-                        <a:rPr lang="en-US" sz="1800" dirty="0" smtClean="0">
-                          <a:solidFill>
-                            <a:schemeClr val="bg2">
-                              <a:lumMod val="25000"/>
-                            </a:schemeClr>
-                          </a:solidFill>
-                        </a:rPr>
-                        <a:t>P(</a:t>
-                      </a:r>
-                      <a:r>
-                        <a:rPr lang="en-US" sz="1800" dirty="0" err="1" smtClean="0">
-                          <a:solidFill>
-                            <a:schemeClr val="bg2">
-                              <a:lumMod val="25000"/>
-                            </a:schemeClr>
-                          </a:solidFill>
-                        </a:rPr>
-                        <a:t>and|grey</a:t>
-                      </a:r>
-                      <a:r>
-                        <a:rPr lang="en-US" sz="1800" dirty="0" smtClean="0">
-                          <a:solidFill>
-                            <a:schemeClr val="bg2">
-                              <a:lumMod val="25000"/>
-                            </a:schemeClr>
-                          </a:solidFill>
-                        </a:rPr>
-                        <a:t>) = </a:t>
-                      </a:r>
-                      <a:r>
-                        <a:rPr lang="hr-HR" sz="1800" dirty="0" smtClean="0"/>
-                        <a:t>0.13</a:t>
-                      </a:r>
-                    </a:p>
-                  </a:txBody>
-                  <a:tcPr>
-                    <a:lnL w="12700" cap="flat" cmpd="sng" algn="ctr">
-                      <a:solidFill>
-                        <a:schemeClr val="tx1"/>
-                      </a:solidFill>
-                      <a:prstDash val="solid"/>
-                      <a:round/>
-                      <a:headEnd type="none" w="med" len="med"/>
-                      <a:tailEnd type="none" w="med" len="med"/>
-                    </a:lnL>
-                    <a:lnR w="12700" cap="flat" cmpd="sng" algn="ctr">
-                      <a:solidFill>
-                        <a:schemeClr val="tx1"/>
-                      </a:solidFill>
-                      <a:prstDash val="solid"/>
-                      <a:round/>
-                      <a:headEnd type="none" w="med" len="med"/>
-                      <a:tailEnd type="none" w="med" len="med"/>
-                    </a:lnR>
-                    <a:lnT w="12700" cap="flat" cmpd="sng" algn="ctr">
-                      <a:solidFill>
-                        <a:schemeClr val="tx1"/>
-                      </a:solidFill>
-                      <a:prstDash val="solid"/>
-                      <a:round/>
-                      <a:headEnd type="none" w="med" len="med"/>
-                      <a:tailEnd type="none" w="med" len="med"/>
-                    </a:lnT>
-                    <a:lnB w="12700" cap="flat" cmpd="sng" algn="ctr">
-                      <a:solidFill>
-                        <a:schemeClr val="tx1"/>
-                      </a:solidFill>
-                      <a:prstDash val="solid"/>
-                      <a:round/>
-                      <a:headEnd type="none" w="med" len="med"/>
-                      <a:tailEnd type="none" w="med" len="med"/>
-                    </a:lnB>
-                    <a:lnTlToBr w="12700" cmpd="sng">
-                      <a:noFill/>
-                      <a:prstDash val="solid"/>
-                    </a:lnTlToBr>
-                    <a:lnBlToTr w="12700" cmpd="sng">
-                      <a:noFill/>
-                      <a:prstDash val="solid"/>
-                    </a:lnBlToTr>
-                  </a:tcPr>
-                </a:tc>
-                <a:tc>
-                  <a:txBody>
-                    <a:bodyPr/>
-                    <a:lstStyle/>
-                    <a:p>
-                      <a:pPr marL="0" marR="0" indent="0" algn="l" defTabSz="914400" rtl="0" eaLnBrk="1" fontAlgn="auto" latinLnBrk="0" hangingPunct="1">
-                        <a:lnSpc>
-                          <a:spcPct val="100000"/>
-                        </a:lnSpc>
-                        <a:spcBef>
-                          <a:spcPts val="0"/>
-                        </a:spcBef>
-                        <a:spcAft>
-                          <a:spcPts val="0"/>
-                        </a:spcAft>
-                        <a:buClrTx/>
-                        <a:buSzTx/>
-                        <a:buFontTx/>
-                        <a:buNone/>
-                        <a:tabLst/>
-                        <a:defRPr/>
-                      </a:pPr>
-                      <a:r>
-                        <a:rPr lang="hr-HR" sz="1800" dirty="0" smtClean="0"/>
-                        <a:t>“</a:t>
-                      </a:r>
-                      <a:r>
-                        <a:rPr lang="en-US" sz="1800" i="1" dirty="0" smtClean="0"/>
-                        <a:t>grey goose</a:t>
-                      </a:r>
-                      <a:r>
-                        <a:rPr lang="en-US" sz="1800" dirty="0" smtClean="0"/>
-                        <a:t> feathers”, “</a:t>
-                      </a:r>
-                      <a:r>
-                        <a:rPr lang="en-US" sz="1800" i="1" dirty="0" smtClean="0"/>
-                        <a:t>cold grey</a:t>
-                      </a:r>
-                      <a:r>
-                        <a:rPr lang="en-US" sz="1800" dirty="0" smtClean="0"/>
-                        <a:t> downpour”</a:t>
-                      </a:r>
-                      <a:endParaRPr lang="hr-HR" sz="1800" dirty="0" smtClean="0"/>
-                    </a:p>
-                  </a:txBody>
-                  <a:tcPr>
-                    <a:lnL w="12700" cap="flat" cmpd="sng" algn="ctr">
-                      <a:solidFill>
-                        <a:schemeClr val="tx1"/>
-                      </a:solidFill>
-                      <a:prstDash val="solid"/>
-                      <a:round/>
-                      <a:headEnd type="none" w="med" len="med"/>
-                      <a:tailEnd type="none" w="med" len="med"/>
-                    </a:lnL>
-                    <a:lnR w="12700" cap="flat" cmpd="sng" algn="ctr">
-                      <a:solidFill>
-                        <a:schemeClr val="tx1"/>
-                      </a:solidFill>
-                      <a:prstDash val="solid"/>
-                      <a:round/>
-                      <a:headEnd type="none" w="med" len="med"/>
-                      <a:tailEnd type="none" w="med" len="med"/>
-                    </a:lnR>
-                    <a:lnT w="12700" cap="flat" cmpd="sng" algn="ctr">
-                      <a:solidFill>
-                        <a:schemeClr val="tx1"/>
-                      </a:solidFill>
-                      <a:prstDash val="solid"/>
-                      <a:round/>
-                      <a:headEnd type="none" w="med" len="med"/>
-                      <a:tailEnd type="none" w="med" len="med"/>
-                    </a:lnT>
-                    <a:lnB w="12700" cap="flat" cmpd="sng" algn="ctr">
-                      <a:solidFill>
-                        <a:schemeClr val="tx1"/>
-                      </a:solidFill>
-                      <a:prstDash val="solid"/>
-                      <a:round/>
-                      <a:headEnd type="none" w="med" len="med"/>
-                      <a:tailEnd type="none" w="med" len="med"/>
-                    </a:lnB>
-                    <a:lnTlToBr w="12700" cmpd="sng">
-                      <a:noFill/>
-                      <a:prstDash val="solid"/>
-                    </a:lnTlToBr>
-                    <a:lnBlToTr w="12700" cmpd="sng">
-                      <a:noFill/>
-                      <a:prstDash val="solid"/>
-                    </a:lnBlToTr>
-                  </a:tcPr>
-                </a:tc>
-              </a:tr>
-              <a:tr h="370840">
-                <a:tc>
-                  <a:txBody>
-                    <a:bodyPr/>
-                    <a:lstStyle/>
-                    <a:p>
-                      <a:r>
-                        <a:rPr lang="en-US" sz="1800" dirty="0" smtClean="0"/>
-                        <a:t>Trigram</a:t>
-                      </a:r>
-                      <a:endParaRPr lang="en-US" sz="1800" dirty="0"/>
-                    </a:p>
-                  </a:txBody>
-                  <a:tcPr>
-                    <a:lnL w="12700" cap="flat" cmpd="sng" algn="ctr">
-                      <a:solidFill>
-                        <a:schemeClr val="tx1"/>
-                      </a:solidFill>
-                      <a:prstDash val="solid"/>
-                      <a:round/>
-                      <a:headEnd type="none" w="med" len="med"/>
-                      <a:tailEnd type="none" w="med" len="med"/>
-                    </a:lnL>
-                    <a:lnR w="12700" cap="flat" cmpd="sng" algn="ctr">
-                      <a:solidFill>
-                        <a:schemeClr val="tx1"/>
-                      </a:solidFill>
-                      <a:prstDash val="solid"/>
-                      <a:round/>
-                      <a:headEnd type="none" w="med" len="med"/>
-                      <a:tailEnd type="none" w="med" len="med"/>
-                    </a:lnR>
-                    <a:lnT w="12700" cap="flat" cmpd="sng" algn="ctr">
-                      <a:solidFill>
-                        <a:schemeClr val="tx1"/>
-                      </a:solidFill>
-                      <a:prstDash val="solid"/>
-                      <a:round/>
-                      <a:headEnd type="none" w="med" len="med"/>
-                      <a:tailEnd type="none" w="med" len="med"/>
-                    </a:lnT>
-                    <a:lnB w="12700" cap="flat" cmpd="sng" algn="ctr">
-                      <a:solidFill>
-                        <a:schemeClr val="tx1"/>
-                      </a:solidFill>
-                      <a:prstDash val="solid"/>
-                      <a:round/>
-                      <a:headEnd type="none" w="med" len="med"/>
-                      <a:tailEnd type="none" w="med" len="med"/>
-                    </a:lnB>
-                    <a:lnTlToBr w="12700" cmpd="sng">
-                      <a:noFill/>
-                      <a:prstDash val="solid"/>
-                    </a:lnTlToBr>
-                    <a:lnBlToTr w="12700" cmpd="sng">
-                      <a:noFill/>
-                      <a:prstDash val="solid"/>
-                    </a:lnBlToTr>
-                  </a:tcPr>
-                </a:tc>
-                <a:tc>
-                  <a:txBody>
-                    <a:bodyPr/>
-                    <a:lstStyle/>
-                    <a:p>
-                      <a:pPr marL="0" marR="0" indent="0" algn="l" defTabSz="914400" rtl="0" eaLnBrk="1" fontAlgn="auto" latinLnBrk="0" hangingPunct="1">
-                        <a:lnSpc>
-                          <a:spcPct val="100000"/>
-                        </a:lnSpc>
-                        <a:spcBef>
-                          <a:spcPts val="0"/>
-                        </a:spcBef>
-                        <a:spcAft>
-                          <a:spcPts val="0"/>
-                        </a:spcAft>
-                        <a:buClrTx/>
-                        <a:buSzTx/>
-                        <a:buFontTx/>
-                        <a:buNone/>
-                        <a:tabLst/>
-                        <a:defRPr/>
-                      </a:pPr>
-                      <a:r>
-                        <a:rPr lang="hr-HR" sz="1800" dirty="0" smtClean="0">
-                          <a:solidFill>
-                            <a:schemeClr val="bg2">
-                              <a:lumMod val="25000"/>
-                            </a:schemeClr>
-                          </a:solidFill>
-                        </a:rPr>
-                        <a:t>P(</a:t>
-                      </a:r>
-                      <a:r>
-                        <a:rPr lang="hr-HR" sz="1800" dirty="0" err="1" smtClean="0">
-                          <a:solidFill>
-                            <a:schemeClr val="bg2">
-                              <a:lumMod val="25000"/>
-                            </a:schemeClr>
-                          </a:solidFill>
-                        </a:rPr>
-                        <a:t>and|was</a:t>
-                      </a:r>
-                      <a:r>
-                        <a:rPr lang="hr-HR" sz="1800" dirty="0" smtClean="0">
-                          <a:solidFill>
-                            <a:schemeClr val="bg2">
-                              <a:lumMod val="25000"/>
-                            </a:schemeClr>
-                          </a:solidFill>
-                        </a:rPr>
-                        <a:t> </a:t>
-                      </a:r>
-                      <a:r>
-                        <a:rPr lang="hr-HR" sz="1800" dirty="0" err="1" smtClean="0">
-                          <a:solidFill>
-                            <a:schemeClr val="bg2">
-                              <a:lumMod val="25000"/>
-                            </a:schemeClr>
-                          </a:solidFill>
-                        </a:rPr>
-                        <a:t>gray</a:t>
-                      </a:r>
-                      <a:r>
-                        <a:rPr lang="hr-HR" sz="1800" dirty="0" smtClean="0">
-                          <a:solidFill>
-                            <a:schemeClr val="bg2">
-                              <a:lumMod val="25000"/>
-                            </a:schemeClr>
-                          </a:solidFill>
-                        </a:rPr>
-                        <a:t>) = 0.80</a:t>
-                      </a:r>
-                    </a:p>
-                  </a:txBody>
-                  <a:tcPr>
-                    <a:lnL w="12700" cap="flat" cmpd="sng" algn="ctr">
-                      <a:solidFill>
-                        <a:schemeClr val="tx1"/>
-                      </a:solidFill>
-                      <a:prstDash val="solid"/>
-                      <a:round/>
-                      <a:headEnd type="none" w="med" len="med"/>
-                      <a:tailEnd type="none" w="med" len="med"/>
-                    </a:lnL>
-                    <a:lnR w="12700" cap="flat" cmpd="sng" algn="ctr">
-                      <a:solidFill>
-                        <a:schemeClr val="tx1"/>
-                      </a:solidFill>
-                      <a:prstDash val="solid"/>
-                      <a:round/>
-                      <a:headEnd type="none" w="med" len="med"/>
-                      <a:tailEnd type="none" w="med" len="med"/>
-                    </a:lnR>
-                    <a:lnT w="12700" cap="flat" cmpd="sng" algn="ctr">
-                      <a:solidFill>
-                        <a:schemeClr val="tx1"/>
-                      </a:solidFill>
-                      <a:prstDash val="solid"/>
-                      <a:round/>
-                      <a:headEnd type="none" w="med" len="med"/>
-                      <a:tailEnd type="none" w="med" len="med"/>
-                    </a:lnT>
-                    <a:lnB w="12700" cap="flat" cmpd="sng" algn="ctr">
-                      <a:solidFill>
-                        <a:schemeClr val="tx1"/>
-                      </a:solidFill>
-                      <a:prstDash val="solid"/>
-                      <a:round/>
-                      <a:headEnd type="none" w="med" len="med"/>
-                      <a:tailEnd type="none" w="med" len="med"/>
-                    </a:lnB>
-                    <a:lnTlToBr w="12700" cmpd="sng">
-                      <a:noFill/>
-                      <a:prstDash val="solid"/>
-                    </a:lnTlToBr>
-                    <a:lnBlToTr w="12700" cmpd="sng">
-                      <a:noFill/>
-                      <a:prstDash val="solid"/>
-                    </a:lnBlToTr>
-                  </a:tcPr>
-                </a:tc>
-                <a:tc>
-                  <a:txBody>
-                    <a:bodyPr/>
-                    <a:lstStyle/>
-                    <a:p>
-                      <a:r>
-                        <a:rPr lang="en-US" sz="1800" dirty="0" smtClean="0"/>
-                        <a:t>“The world </a:t>
-                      </a:r>
-                      <a:r>
-                        <a:rPr lang="en-US" sz="1800" i="1" dirty="0" smtClean="0"/>
-                        <a:t>was grey darkness</a:t>
-                      </a:r>
-                      <a:r>
-                        <a:rPr lang="en-US" sz="1800" dirty="0" smtClean="0"/>
-                        <a:t>, </a:t>
-                      </a:r>
-                      <a:r>
-                        <a:rPr lang="mr-IN" sz="1800" dirty="0" smtClean="0"/>
-                        <a:t>…</a:t>
-                      </a:r>
-                      <a:r>
-                        <a:rPr lang="en-US" sz="1800" dirty="0" smtClean="0"/>
-                        <a:t>”</a:t>
-                      </a:r>
-                    </a:p>
-                    <a:p>
-                      <a:r>
-                        <a:rPr lang="en-US" sz="1800" dirty="0" smtClean="0"/>
-                        <a:t>“The lower story </a:t>
-                      </a:r>
-                      <a:r>
-                        <a:rPr lang="en-US" sz="1800" i="1" dirty="0" smtClean="0"/>
-                        <a:t>was grey stone</a:t>
-                      </a:r>
-                      <a:r>
-                        <a:rPr lang="en-US" sz="1800" dirty="0" smtClean="0"/>
-                        <a:t>, </a:t>
-                      </a:r>
-                      <a:r>
-                        <a:rPr lang="mr-IN" sz="1800" dirty="0" smtClean="0"/>
-                        <a:t>…</a:t>
-                      </a:r>
-                      <a:r>
-                        <a:rPr lang="en-US" sz="1800" dirty="0" smtClean="0"/>
-                        <a:t>”</a:t>
-                      </a:r>
-                    </a:p>
-                  </a:txBody>
-                  <a:tcPr>
-                    <a:lnL w="12700" cap="flat" cmpd="sng" algn="ctr">
-                      <a:solidFill>
-                        <a:schemeClr val="tx1"/>
-                      </a:solidFill>
-                      <a:prstDash val="solid"/>
-                      <a:round/>
-                      <a:headEnd type="none" w="med" len="med"/>
-                      <a:tailEnd type="none" w="med" len="med"/>
-                    </a:lnL>
-                    <a:lnR w="12700" cap="flat" cmpd="sng" algn="ctr">
-                      <a:solidFill>
-                        <a:schemeClr val="tx1"/>
-                      </a:solidFill>
-                      <a:prstDash val="solid"/>
-                      <a:round/>
-                      <a:headEnd type="none" w="med" len="med"/>
-                      <a:tailEnd type="none" w="med" len="med"/>
-                    </a:lnR>
-                    <a:lnT w="12700" cap="flat" cmpd="sng" algn="ctr">
-                      <a:solidFill>
-                        <a:schemeClr val="tx1"/>
-                      </a:solidFill>
-                      <a:prstDash val="solid"/>
-                      <a:round/>
-                      <a:headEnd type="none" w="med" len="med"/>
-                      <a:tailEnd type="none" w="med" len="med"/>
-                    </a:lnT>
-                    <a:lnB w="12700" cap="flat" cmpd="sng" algn="ctr">
-                      <a:solidFill>
-                        <a:schemeClr val="tx1"/>
-                      </a:solidFill>
-                      <a:prstDash val="solid"/>
-                      <a:round/>
-                      <a:headEnd type="none" w="med" len="med"/>
-                      <a:tailEnd type="none" w="med" len="med"/>
-                    </a:lnB>
-                    <a:lnTlToBr w="12700" cmpd="sng">
-                      <a:noFill/>
-                      <a:prstDash val="solid"/>
-                    </a:lnTlToBr>
-                    <a:lnBlToTr w="12700" cmpd="sng">
-                      <a:noFill/>
-                      <a:prstDash val="solid"/>
-                    </a:lnBlToTr>
-                  </a:tcPr>
-                </a:tc>
-              </a:tr>
-              <a:tr h="370840">
-                <a:tc>
-                  <a:txBody>
-                    <a:bodyPr/>
-                    <a:lstStyle/>
-                    <a:p>
-                      <a:r>
-                        <a:rPr lang="en-US" sz="1800" dirty="0" smtClean="0"/>
-                        <a:t>4-gram</a:t>
-                      </a:r>
-                      <a:endParaRPr lang="en-US" sz="1800" dirty="0"/>
-                    </a:p>
-                  </a:txBody>
-                  <a:tcPr>
-                    <a:lnL w="12700" cap="flat" cmpd="sng" algn="ctr">
-                      <a:solidFill>
-                        <a:schemeClr val="tx1"/>
-                      </a:solidFill>
-                      <a:prstDash val="solid"/>
-                      <a:round/>
-                      <a:headEnd type="none" w="med" len="med"/>
-                      <a:tailEnd type="none" w="med" len="med"/>
-                    </a:lnL>
-                    <a:lnR w="12700" cap="flat" cmpd="sng" algn="ctr">
-                      <a:solidFill>
-                        <a:schemeClr val="tx1"/>
-                      </a:solidFill>
-                      <a:prstDash val="solid"/>
-                      <a:round/>
-                      <a:headEnd type="none" w="med" len="med"/>
-                      <a:tailEnd type="none" w="med" len="med"/>
-                    </a:lnR>
-                    <a:lnT w="12700" cap="flat" cmpd="sng" algn="ctr">
-                      <a:solidFill>
-                        <a:schemeClr val="tx1"/>
-                      </a:solidFill>
-                      <a:prstDash val="solid"/>
-                      <a:round/>
-                      <a:headEnd type="none" w="med" len="med"/>
-                      <a:tailEnd type="none" w="med" len="med"/>
-                    </a:lnT>
-                    <a:lnB w="12700" cap="flat" cmpd="sng" algn="ctr">
-                      <a:solidFill>
-                        <a:schemeClr val="tx1"/>
-                      </a:solidFill>
-                      <a:prstDash val="solid"/>
-                      <a:round/>
-                      <a:headEnd type="none" w="med" len="med"/>
-                      <a:tailEnd type="none" w="med" len="med"/>
-                    </a:lnB>
-                    <a:lnTlToBr w="12700" cmpd="sng">
-                      <a:noFill/>
-                      <a:prstDash val="solid"/>
-                    </a:lnTlToBr>
-                    <a:lnBlToTr w="12700" cmpd="sng">
-                      <a:noFill/>
-                      <a:prstDash val="solid"/>
-                    </a:lnBlToTr>
-                  </a:tcPr>
-                </a:tc>
-                <a:tc>
-                  <a:txBody>
-                    <a:bodyPr/>
-                    <a:lstStyle/>
-                    <a:p>
-                      <a:pPr marL="0" marR="0" indent="0" algn="l" defTabSz="914400" rtl="0" eaLnBrk="1" fontAlgn="auto" latinLnBrk="0" hangingPunct="1">
-                        <a:lnSpc>
-                          <a:spcPct val="100000"/>
-                        </a:lnSpc>
-                        <a:spcBef>
-                          <a:spcPts val="0"/>
-                        </a:spcBef>
-                        <a:spcAft>
-                          <a:spcPts val="0"/>
-                        </a:spcAft>
-                        <a:buClrTx/>
-                        <a:buSzTx/>
-                        <a:buFontTx/>
-                        <a:buNone/>
-                        <a:tabLst/>
-                        <a:defRPr/>
-                      </a:pPr>
-                      <a:r>
-                        <a:rPr lang="hr-HR" sz="1800" dirty="0" smtClean="0">
-                          <a:solidFill>
-                            <a:schemeClr val="bg2">
-                              <a:lumMod val="25000"/>
-                            </a:schemeClr>
-                          </a:solidFill>
-                        </a:rPr>
-                        <a:t>P(</a:t>
-                      </a:r>
-                      <a:r>
-                        <a:rPr lang="hr-HR" sz="1800" dirty="0" err="1" smtClean="0">
-                          <a:solidFill>
-                            <a:schemeClr val="bg2">
-                              <a:lumMod val="25000"/>
-                            </a:schemeClr>
-                          </a:solidFill>
-                        </a:rPr>
-                        <a:t>and|day</a:t>
-                      </a:r>
-                      <a:r>
-                        <a:rPr lang="hr-HR" sz="1800" dirty="0" smtClean="0">
-                          <a:solidFill>
-                            <a:schemeClr val="bg2">
-                              <a:lumMod val="25000"/>
-                            </a:schemeClr>
-                          </a:solidFill>
-                        </a:rPr>
-                        <a:t> </a:t>
-                      </a:r>
-                      <a:r>
-                        <a:rPr lang="hr-HR" sz="1800" dirty="0" err="1" smtClean="0">
-                          <a:solidFill>
-                            <a:schemeClr val="bg2">
-                              <a:lumMod val="25000"/>
-                            </a:schemeClr>
-                          </a:solidFill>
-                        </a:rPr>
-                        <a:t>was</a:t>
-                      </a:r>
-                      <a:r>
-                        <a:rPr lang="hr-HR" sz="1800" dirty="0" smtClean="0">
-                          <a:solidFill>
-                            <a:schemeClr val="bg2">
-                              <a:lumMod val="25000"/>
-                            </a:schemeClr>
-                          </a:solidFill>
-                        </a:rPr>
-                        <a:t> </a:t>
-                      </a:r>
-                      <a:r>
-                        <a:rPr lang="hr-HR" sz="1800" dirty="0" err="1" smtClean="0">
-                          <a:solidFill>
-                            <a:schemeClr val="bg2">
-                              <a:lumMod val="25000"/>
-                            </a:schemeClr>
-                          </a:solidFill>
-                        </a:rPr>
-                        <a:t>grey</a:t>
-                      </a:r>
-                      <a:r>
-                        <a:rPr lang="hr-HR" sz="1800" dirty="0" smtClean="0">
-                          <a:solidFill>
-                            <a:schemeClr val="bg2">
-                              <a:lumMod val="25000"/>
-                            </a:schemeClr>
-                          </a:solidFill>
-                        </a:rPr>
-                        <a:t>) </a:t>
-                      </a:r>
-                      <a:r>
-                        <a:rPr lang="en-US" sz="1800" dirty="0" smtClean="0">
-                          <a:solidFill>
-                            <a:schemeClr val="tx1"/>
-                          </a:solidFill>
-                        </a:rPr>
-                        <a:t>=</a:t>
-                      </a:r>
-                      <a:r>
-                        <a:rPr lang="en-US" sz="1800" baseline="0" dirty="0" smtClean="0">
-                          <a:solidFill>
-                            <a:schemeClr val="tx1"/>
-                          </a:solidFill>
-                        </a:rPr>
-                        <a:t> 1</a:t>
-                      </a:r>
-                      <a:endParaRPr lang="en-US" sz="1800" dirty="0" smtClean="0">
-                        <a:solidFill>
-                          <a:schemeClr val="bg2">
-                            <a:lumMod val="25000"/>
-                          </a:schemeClr>
-                        </a:solidFill>
-                      </a:endParaRPr>
-                    </a:p>
-                  </a:txBody>
-                  <a:tcPr>
-                    <a:lnL w="12700" cap="flat" cmpd="sng" algn="ctr">
-                      <a:solidFill>
-                        <a:schemeClr val="tx1"/>
-                      </a:solidFill>
-                      <a:prstDash val="solid"/>
-                      <a:round/>
-                      <a:headEnd type="none" w="med" len="med"/>
-                      <a:tailEnd type="none" w="med" len="med"/>
-                    </a:lnL>
-                    <a:lnR w="12700" cap="flat" cmpd="sng" algn="ctr">
-                      <a:solidFill>
-                        <a:schemeClr val="tx1"/>
-                      </a:solidFill>
-                      <a:prstDash val="solid"/>
-                      <a:round/>
-                      <a:headEnd type="none" w="med" len="med"/>
-                      <a:tailEnd type="none" w="med" len="med"/>
-                    </a:lnR>
-                    <a:lnT w="12700" cap="flat" cmpd="sng" algn="ctr">
-                      <a:solidFill>
-                        <a:schemeClr val="tx1"/>
-                      </a:solidFill>
-                      <a:prstDash val="solid"/>
-                      <a:round/>
-                      <a:headEnd type="none" w="med" len="med"/>
-                      <a:tailEnd type="none" w="med" len="med"/>
-                    </a:lnT>
-                    <a:lnB w="12700" cap="flat" cmpd="sng" algn="ctr">
-                      <a:solidFill>
-                        <a:schemeClr val="tx1"/>
-                      </a:solidFill>
-                      <a:prstDash val="solid"/>
-                      <a:round/>
-                      <a:headEnd type="none" w="med" len="med"/>
-                      <a:tailEnd type="none" w="med" len="med"/>
-                    </a:lnB>
-                    <a:lnTlToBr w="12700" cmpd="sng">
-                      <a:noFill/>
-                      <a:prstDash val="solid"/>
-                    </a:lnTlToBr>
-                    <a:lnBlToTr w="12700" cmpd="sng">
-                      <a:noFill/>
-                      <a:prstDash val="solid"/>
-                    </a:lnBlToTr>
-                  </a:tcPr>
-                </a:tc>
-                <a:tc>
-                  <a:txBody>
-                    <a:bodyPr/>
-                    <a:lstStyle/>
-                    <a:p>
-                      <a:pPr marL="0" marR="0" indent="0" algn="l" defTabSz="914400" rtl="0" eaLnBrk="1" fontAlgn="auto" latinLnBrk="0" hangingPunct="1">
-                        <a:lnSpc>
-                          <a:spcPct val="100000"/>
-                        </a:lnSpc>
-                        <a:spcBef>
-                          <a:spcPts val="0"/>
-                        </a:spcBef>
-                        <a:spcAft>
-                          <a:spcPts val="0"/>
-                        </a:spcAft>
-                        <a:buClrTx/>
-                        <a:buSzTx/>
-                        <a:buFontTx/>
-                        <a:buNone/>
-                        <a:tabLst/>
-                        <a:defRPr/>
-                      </a:pPr>
-                      <a:r>
-                        <a:rPr lang="en-US" sz="1800" dirty="0" smtClean="0">
-                          <a:solidFill>
-                            <a:schemeClr val="bg2">
-                              <a:lumMod val="25000"/>
-                            </a:schemeClr>
-                          </a:solidFill>
-                        </a:rPr>
-                        <a:t>None</a:t>
-                      </a:r>
-                    </a:p>
-                  </a:txBody>
-                  <a:tcPr>
-                    <a:lnL w="12700" cap="flat" cmpd="sng" algn="ctr">
-                      <a:solidFill>
-                        <a:schemeClr val="tx1"/>
-                      </a:solidFill>
-                      <a:prstDash val="solid"/>
-                      <a:round/>
-                      <a:headEnd type="none" w="med" len="med"/>
-                      <a:tailEnd type="none" w="med" len="med"/>
-                    </a:lnL>
-                    <a:lnR w="12700" cap="flat" cmpd="sng" algn="ctr">
-                      <a:solidFill>
-                        <a:schemeClr val="tx1"/>
-                      </a:solidFill>
-                      <a:prstDash val="solid"/>
-                      <a:round/>
-                      <a:headEnd type="none" w="med" len="med"/>
-                      <a:tailEnd type="none" w="med" len="med"/>
-                    </a:lnR>
-                    <a:lnT w="12700" cap="flat" cmpd="sng" algn="ctr">
-                      <a:solidFill>
-                        <a:schemeClr val="tx1"/>
-                      </a:solidFill>
-                      <a:prstDash val="solid"/>
-                      <a:round/>
-                      <a:headEnd type="none" w="med" len="med"/>
-                      <a:tailEnd type="none" w="med" len="med"/>
-                    </a:lnT>
-                    <a:lnB w="12700" cap="flat" cmpd="sng" algn="ctr">
-                      <a:solidFill>
-                        <a:schemeClr val="tx1"/>
-                      </a:solidFill>
-                      <a:prstDash val="solid"/>
-                      <a:round/>
-                      <a:headEnd type="none" w="med" len="med"/>
-                      <a:tailEnd type="none" w="med" len="med"/>
-                    </a:lnB>
-                    <a:lnTlToBr w="12700" cmpd="sng">
-                      <a:noFill/>
-                      <a:prstDash val="solid"/>
-                    </a:lnTlToBr>
-                    <a:lnBlToTr w="12700" cmpd="sng">
-                      <a:noFill/>
-                      <a:prstDash val="solid"/>
-                    </a:lnBlToTr>
-                  </a:tcPr>
-                </a:tc>
-              </a:tr>
-              <a:tr h="370840">
-                <a:tc>
-                  <a:txBody>
-                    <a:bodyPr/>
-                    <a:lstStyle/>
-                    <a:p>
-                      <a:r>
-                        <a:rPr lang="en-US" sz="1800" dirty="0" smtClean="0"/>
-                        <a:t>5-gram</a:t>
-                      </a:r>
-                      <a:endParaRPr lang="en-US" sz="1800" dirty="0"/>
-                    </a:p>
-                  </a:txBody>
-                  <a:tcPr>
-                    <a:lnL w="12700" cap="flat" cmpd="sng" algn="ctr">
-                      <a:solidFill>
-                        <a:schemeClr val="tx1"/>
-                      </a:solidFill>
-                      <a:prstDash val="solid"/>
-                      <a:round/>
-                      <a:headEnd type="none" w="med" len="med"/>
-                      <a:tailEnd type="none" w="med" len="med"/>
-                    </a:lnL>
-                    <a:lnR w="12700" cap="flat" cmpd="sng" algn="ctr">
-                      <a:solidFill>
-                        <a:schemeClr val="tx1"/>
-                      </a:solidFill>
-                      <a:prstDash val="solid"/>
-                      <a:round/>
-                      <a:headEnd type="none" w="med" len="med"/>
-                      <a:tailEnd type="none" w="med" len="med"/>
-                    </a:lnR>
-                    <a:lnT w="12700" cap="flat" cmpd="sng" algn="ctr">
-                      <a:solidFill>
-                        <a:schemeClr val="tx1"/>
-                      </a:solidFill>
-                      <a:prstDash val="solid"/>
-                      <a:round/>
-                      <a:headEnd type="none" w="med" len="med"/>
-                      <a:tailEnd type="none" w="med" len="med"/>
-                    </a:lnT>
-                    <a:lnB w="12700" cap="flat" cmpd="sng" algn="ctr">
-                      <a:solidFill>
-                        <a:schemeClr val="tx1"/>
-                      </a:solidFill>
-                      <a:prstDash val="solid"/>
-                      <a:round/>
-                      <a:headEnd type="none" w="med" len="med"/>
-                      <a:tailEnd type="none" w="med" len="med"/>
-                    </a:lnB>
-                    <a:lnTlToBr w="12700" cmpd="sng">
-                      <a:noFill/>
-                      <a:prstDash val="solid"/>
-                    </a:lnTlToBr>
-                    <a:lnBlToTr w="12700" cmpd="sng">
-                      <a:noFill/>
-                      <a:prstDash val="solid"/>
-                    </a:lnBlToTr>
-                  </a:tcPr>
-                </a:tc>
-                <a:tc>
-                  <a:txBody>
-                    <a:bodyPr/>
-                    <a:lstStyle/>
-                    <a:p>
-                      <a:r>
-                        <a:rPr lang="en-US" sz="1800" dirty="0" smtClean="0"/>
-                        <a:t>P(</a:t>
-                      </a:r>
-                      <a:r>
-                        <a:rPr lang="en-US" sz="1800" dirty="0" err="1" smtClean="0"/>
-                        <a:t>and|the</a:t>
-                      </a:r>
-                      <a:r>
-                        <a:rPr lang="en-US" sz="1800" baseline="0" dirty="0" smtClean="0"/>
-                        <a:t> day was grey) = 1</a:t>
-                      </a:r>
-                      <a:endParaRPr lang="en-US" sz="1800" dirty="0"/>
-                    </a:p>
-                  </a:txBody>
-                  <a:tcPr>
-                    <a:lnL w="12700" cap="flat" cmpd="sng" algn="ctr">
-                      <a:solidFill>
-                        <a:schemeClr val="tx1"/>
-                      </a:solidFill>
-                      <a:prstDash val="solid"/>
-                      <a:round/>
-                      <a:headEnd type="none" w="med" len="med"/>
-                      <a:tailEnd type="none" w="med" len="med"/>
-                    </a:lnL>
-                    <a:lnR w="12700" cap="flat" cmpd="sng" algn="ctr">
-                      <a:solidFill>
-                        <a:schemeClr val="tx1"/>
-                      </a:solidFill>
-                      <a:prstDash val="solid"/>
-                      <a:round/>
-                      <a:headEnd type="none" w="med" len="med"/>
-                      <a:tailEnd type="none" w="med" len="med"/>
-                    </a:lnR>
-                    <a:lnT w="12700" cap="flat" cmpd="sng" algn="ctr">
-                      <a:solidFill>
-                        <a:schemeClr val="tx1"/>
-                      </a:solidFill>
-                      <a:prstDash val="solid"/>
-                      <a:round/>
-                      <a:headEnd type="none" w="med" len="med"/>
-                      <a:tailEnd type="none" w="med" len="med"/>
-                    </a:lnT>
-                    <a:lnB w="12700" cap="flat" cmpd="sng" algn="ctr">
-                      <a:solidFill>
-                        <a:schemeClr val="tx1"/>
-                      </a:solidFill>
-                      <a:prstDash val="solid"/>
-                      <a:round/>
-                      <a:headEnd type="none" w="med" len="med"/>
-                      <a:tailEnd type="none" w="med" len="med"/>
-                    </a:lnB>
-                    <a:lnTlToBr w="12700" cmpd="sng">
-                      <a:noFill/>
-                      <a:prstDash val="solid"/>
-                    </a:lnTlToBr>
-                    <a:lnBlToTr w="12700" cmpd="sng">
-                      <a:noFill/>
-                      <a:prstDash val="solid"/>
-                    </a:lnBlToTr>
-                  </a:tcPr>
-                </a:tc>
-                <a:tc>
-                  <a:txBody>
-                    <a:bodyPr/>
-                    <a:lstStyle/>
-                    <a:p>
-                      <a:r>
-                        <a:rPr lang="en-US" sz="1800" dirty="0" smtClean="0"/>
-                        <a:t>None</a:t>
-                      </a:r>
-                      <a:endParaRPr lang="en-US" sz="1800" dirty="0"/>
-                    </a:p>
-                  </a:txBody>
-                  <a:tcPr>
-                    <a:lnL w="12700" cap="flat" cmpd="sng" algn="ctr">
-                      <a:solidFill>
-                        <a:schemeClr val="tx1"/>
-                      </a:solidFill>
-                      <a:prstDash val="solid"/>
-                      <a:round/>
-                      <a:headEnd type="none" w="med" len="med"/>
-                      <a:tailEnd type="none" w="med" len="med"/>
-                    </a:lnL>
-                    <a:lnR w="12700" cap="flat" cmpd="sng" algn="ctr">
-                      <a:solidFill>
-                        <a:schemeClr val="tx1"/>
-                      </a:solidFill>
-                      <a:prstDash val="solid"/>
-                      <a:round/>
-                      <a:headEnd type="none" w="med" len="med"/>
-                      <a:tailEnd type="none" w="med" len="med"/>
-                    </a:lnR>
-                    <a:lnT w="12700" cap="flat" cmpd="sng" algn="ctr">
-                      <a:solidFill>
-                        <a:schemeClr val="tx1"/>
-                      </a:solidFill>
-                      <a:prstDash val="solid"/>
-                      <a:round/>
-                      <a:headEnd type="none" w="med" len="med"/>
-                      <a:tailEnd type="none" w="med" len="med"/>
-                    </a:lnT>
-                    <a:lnB w="12700" cap="flat" cmpd="sng" algn="ctr">
-                      <a:solidFill>
-                        <a:schemeClr val="tx1"/>
-                      </a:solidFill>
-                      <a:prstDash val="solid"/>
-                      <a:round/>
-                      <a:headEnd type="none" w="med" len="med"/>
-                      <a:tailEnd type="none" w="med" len="med"/>
-                    </a:lnB>
-                    <a:lnTlToBr w="12700" cmpd="sng">
-                      <a:noFill/>
-                      <a:prstDash val="solid"/>
-                    </a:lnTlToBr>
-                    <a:lnBlToTr w="12700" cmpd="sng">
-                      <a:noFill/>
-                      <a:prstDash val="solid"/>
-                    </a:lnBlToTr>
-                  </a:tcPr>
-                </a:tc>
-              </a:tr>
-            </a:tbl>
-          </a:graphicData>
-        </a:graphic>
-      </p:graphicFrame>
-      <p:sp>
-        <p:nvSpPr>
-          <p:cNvPr id="3" name="Rectangle 2"/>
-          <p:cNvSpPr/>
-          <p:nvPr/>
-        </p:nvSpPr>
-        <p:spPr>
-          <a:xfrm>
-            <a:off x="890270" y="1690688"/>
-            <a:ext cx="4740721" cy="369332"/>
-          </a:xfrm>
-          <a:prstGeom prst="rect">
-            <a:avLst/>
-          </a:prstGeom>
-        </p:spPr>
-        <p:txBody>
-          <a:bodyPr wrap="none">
-            <a:spAutoFit/>
-          </a:bodyPr>
-          <a:lstStyle/>
-          <a:p>
-            <a:pPr>
-              <a:defRPr/>
-            </a:pPr>
-            <a:r>
-              <a:rPr lang="en-US" b="1" dirty="0" smtClean="0">
-                <a:solidFill>
-                  <a:schemeClr val="bg2">
-                    <a:lumMod val="25000"/>
-                  </a:schemeClr>
-                </a:solidFill>
-              </a:rPr>
-              <a:t>Goal</a:t>
-            </a:r>
-            <a:r>
-              <a:rPr lang="en-US" dirty="0" smtClean="0">
-                <a:solidFill>
-                  <a:schemeClr val="bg2">
-                    <a:lumMod val="25000"/>
-                  </a:schemeClr>
-                </a:solidFill>
-              </a:rPr>
-              <a:t>: estimate the probability of the word “</a:t>
-            </a:r>
-            <a:r>
-              <a:rPr lang="en-US" i="1" dirty="0" smtClean="0">
-                <a:solidFill>
-                  <a:schemeClr val="bg2">
-                    <a:lumMod val="25000"/>
-                  </a:schemeClr>
-                </a:solidFill>
-              </a:rPr>
-              <a:t>and</a:t>
-            </a:r>
-            <a:r>
-              <a:rPr lang="en-US" dirty="0" smtClean="0">
-                <a:solidFill>
-                  <a:schemeClr val="bg2">
-                    <a:lumMod val="25000"/>
-                  </a:schemeClr>
-                </a:solidFill>
-              </a:rPr>
-              <a:t>”</a:t>
-            </a:r>
-            <a:endParaRPr lang="en-US" dirty="0">
-              <a:solidFill>
-                <a:schemeClr val="bg2">
-                  <a:lumMod val="25000"/>
-                </a:schemeClr>
-              </a:solidFill>
-            </a:endParaRPr>
-          </a:p>
-        </p:txBody>
-      </p:sp>
-      <p:sp>
-        <p:nvSpPr>
-          <p:cNvPr id="4" name="Rectangle 3"/>
-          <p:cNvSpPr/>
-          <p:nvPr/>
-        </p:nvSpPr>
-        <p:spPr>
-          <a:xfrm>
-            <a:off x="838200" y="4843634"/>
-            <a:ext cx="7230826" cy="1477328"/>
-          </a:xfrm>
-          <a:prstGeom prst="rect">
-            <a:avLst/>
-          </a:prstGeom>
-        </p:spPr>
-        <p:txBody>
-          <a:bodyPr wrap="none">
-            <a:spAutoFit/>
-          </a:bodyPr>
-          <a:lstStyle/>
-          <a:p>
-            <a:r>
-              <a:rPr lang="en-US" b="1" dirty="0" smtClean="0">
-                <a:solidFill>
-                  <a:schemeClr val="bg2">
-                    <a:lumMod val="25000"/>
-                  </a:schemeClr>
-                </a:solidFill>
-              </a:rPr>
-              <a:t>Why doesn’t 5-gram model have perfect performance (log likelihood = 0)?</a:t>
-            </a:r>
-          </a:p>
-          <a:p>
-            <a:r>
-              <a:rPr lang="en-US" u="sng" dirty="0" smtClean="0">
-                <a:solidFill>
-                  <a:schemeClr val="bg2">
-                    <a:lumMod val="25000"/>
-                  </a:schemeClr>
-                </a:solidFill>
-              </a:rPr>
-              <a:t>Author still repeats some 4-gram</a:t>
-            </a:r>
-            <a:r>
-              <a:rPr lang="en-US" dirty="0" smtClean="0">
-                <a:solidFill>
-                  <a:schemeClr val="bg2">
-                    <a:lumMod val="25000"/>
-                  </a:schemeClr>
-                </a:solidFill>
-              </a:rPr>
-              <a:t>:</a:t>
-            </a:r>
-          </a:p>
-          <a:p>
-            <a:pPr marL="742950" lvl="1" indent="-285750">
-              <a:buFont typeface="Arial" charset="0"/>
-              <a:buChar char="•"/>
-            </a:pPr>
-            <a:r>
-              <a:rPr lang="en-US" dirty="0" smtClean="0">
-                <a:solidFill>
-                  <a:schemeClr val="bg2">
-                    <a:lumMod val="25000"/>
-                  </a:schemeClr>
-                </a:solidFill>
-              </a:rPr>
-              <a:t>“day was grey and </a:t>
-            </a:r>
-            <a:r>
-              <a:rPr lang="en-US" i="1" dirty="0" smtClean="0">
-                <a:solidFill>
-                  <a:schemeClr val="bg2">
-                    <a:lumMod val="25000"/>
-                  </a:schemeClr>
-                </a:solidFill>
-              </a:rPr>
-              <a:t>bitter</a:t>
-            </a:r>
-            <a:r>
-              <a:rPr lang="en-US" dirty="0" smtClean="0">
-                <a:solidFill>
-                  <a:schemeClr val="bg2">
-                    <a:lumMod val="25000"/>
-                  </a:schemeClr>
-                </a:solidFill>
-              </a:rPr>
-              <a:t>”</a:t>
-            </a:r>
-          </a:p>
-          <a:p>
-            <a:pPr marL="742950" lvl="1" indent="-285750">
-              <a:buFont typeface="Arial" charset="0"/>
-              <a:buChar char="•"/>
-            </a:pPr>
-            <a:r>
-              <a:rPr lang="en-US" dirty="0" smtClean="0">
-                <a:solidFill>
-                  <a:schemeClr val="bg2">
-                    <a:lumMod val="25000"/>
-                  </a:schemeClr>
-                </a:solidFill>
-              </a:rPr>
-              <a:t>“day was grey and </a:t>
-            </a:r>
-            <a:r>
-              <a:rPr lang="en-US" i="1" dirty="0" smtClean="0">
-                <a:solidFill>
-                  <a:schemeClr val="bg2">
-                    <a:lumMod val="25000"/>
-                  </a:schemeClr>
-                </a:solidFill>
-              </a:rPr>
-              <a:t>overcast</a:t>
-            </a:r>
-            <a:r>
-              <a:rPr lang="en-US" dirty="0" smtClean="0">
-                <a:solidFill>
-                  <a:schemeClr val="bg2">
-                    <a:lumMod val="25000"/>
-                  </a:schemeClr>
-                </a:solidFill>
-              </a:rPr>
-              <a:t>”</a:t>
-            </a:r>
-          </a:p>
-          <a:p>
-            <a:pPr marL="742950" lvl="1" indent="-285750">
-              <a:buFont typeface="Arial" charset="0"/>
-              <a:buChar char="•"/>
-            </a:pPr>
-            <a:r>
-              <a:rPr lang="en-US" dirty="0" smtClean="0">
-                <a:solidFill>
-                  <a:schemeClr val="bg2">
-                    <a:lumMod val="25000"/>
-                  </a:schemeClr>
-                </a:solidFill>
-              </a:rPr>
-              <a:t>“day was grey and </a:t>
-            </a:r>
-            <a:r>
-              <a:rPr lang="en-US" i="1" dirty="0" smtClean="0">
-                <a:solidFill>
-                  <a:schemeClr val="bg2">
-                    <a:lumMod val="25000"/>
-                  </a:schemeClr>
-                </a:solidFill>
-              </a:rPr>
-              <a:t>rainy</a:t>
-            </a:r>
-            <a:r>
-              <a:rPr lang="en-US" dirty="0" smtClean="0">
-                <a:solidFill>
-                  <a:schemeClr val="bg2">
-                    <a:lumMod val="25000"/>
-                  </a:schemeClr>
-                </a:solidFill>
-              </a:rPr>
-              <a:t>”</a:t>
-            </a:r>
-            <a:endParaRPr lang="en-US" dirty="0"/>
-          </a:p>
-        </p:txBody>
-      </p:sp>
-    </p:spTree>
-    <p:extLst>
-      <p:ext uri="{BB962C8B-B14F-4D97-AF65-F5344CB8AC3E}">
-        <p14:creationId xmlns:p14="http://schemas.microsoft.com/office/powerpoint/2010/main" val="969850726"/>
-      </p:ext>
-    </p:extLst>
-  </p:cSld>
-  <p:clrMapOvr>
-    <a:masterClrMapping/>
-  </p:clrMapOvr>
-  <p:timing>
-    <p:tnLst>
-      <p:par>
-        <p:cTn id="1" dur="indefinite" restart="never" nodeType="tmRoot"/>
-      </p:par>
-    </p:tnLst>
-  </p:timing>
-</p:sld>
-</file>
-
-<file path=ppt/slides/slide13.xml><?xml version="1.0" encoding="utf-8"?>
-<p:sld xmlns:a="http://schemas.openxmlformats.org/drawingml/2006/main" xmlns:r="http://schemas.openxmlformats.org/officeDocument/2006/relationships" xmlns:p="http://schemas.openxmlformats.org/presentationml/2006/main">
-  <p:cSld>
-    <p:spTree>
-      <p:nvGrpSpPr>
-        <p:cNvPr id="1" name=""/>
-        <p:cNvGrpSpPr/>
-        <p:nvPr/>
-      </p:nvGrpSpPr>
-      <p:grpSpPr>
-        <a:xfrm>
-          <a:off x="0" y="0"/>
-          <a:ext cx="0" cy="0"/>
-          <a:chOff x="0" y="0"/>
-          <a:chExt cx="0" cy="0"/>
-        </a:xfrm>
-      </p:grpSpPr>
-      <p:sp>
-        <p:nvSpPr>
-          <p:cNvPr id="2" name="Title 1"/>
-          <p:cNvSpPr>
-            <a:spLocks noGrp="1"/>
-          </p:cNvSpPr>
-          <p:nvPr>
-            <p:ph type="title"/>
-          </p:nvPr>
-        </p:nvSpPr>
-        <p:spPr/>
-        <p:txBody>
-          <a:bodyPr/>
-          <a:lstStyle/>
-          <a:p>
-            <a:r>
               <a:rPr lang="en-US" dirty="0" err="1" smtClean="0"/>
               <a:t>trainT</a:t>
             </a:r>
@@ -8174,8 +6061,8 @@
         </p:nvSpPr>
         <p:spPr>
           <a:xfrm>
-            <a:off x="2407920" y="2615400"/>
-            <a:ext cx="3440559" cy="646331"/>
+            <a:off x="2407920" y="2394663"/>
+            <a:ext cx="3440559" cy="923330"/>
           </a:xfrm>
           <a:prstGeom prst="rect">
             <a:avLst/>
@@ -8194,7 +6081,7 @@
                   <a:srgbClr val="C00000"/>
                 </a:solidFill>
               </a:rPr>
-              <a:t>Interpolating with uniform model improves the model performance</a:t>
+              <a:t>Interpolating with uniform model improves the model performance on the test set !</a:t>
             </a:r>
             <a:endParaRPr lang="en-US" dirty="0">
               <a:solidFill>
@@ -8681,7 +6568,7 @@
 </p:sld>
 </file>
 
-<file path=ppt/slides/slide14.xml><?xml version="1.0" encoding="utf-8"?>
+<file path=ppt/slides/slide13.xml><?xml version="1.0" encoding="utf-8"?>
 <p:sld xmlns:a="http://schemas.openxmlformats.org/drawingml/2006/main" xmlns:r="http://schemas.openxmlformats.org/officeDocument/2006/relationships" xmlns:p="http://schemas.openxmlformats.org/presentationml/2006/main">
   <p:cSld>
     <p:spTree>
@@ -9521,7 +7408,7 @@
 </p:sld>
 </file>
 
-<file path=ppt/slides/slide15.xml><?xml version="1.0" encoding="utf-8"?>
+<file path=ppt/slides/slide14.xml><?xml version="1.0" encoding="utf-8"?>
 <p:sld xmlns:a="http://schemas.openxmlformats.org/drawingml/2006/main" xmlns:r="http://schemas.openxmlformats.org/officeDocument/2006/relationships" xmlns:p="http://schemas.openxmlformats.org/presentationml/2006/main">
   <p:cSld>
     <p:spTree>
@@ -9959,7 +7846,7 @@
 </p:sld>
 </file>
 
-<file path=ppt/slides/slide16.xml><?xml version="1.0" encoding="utf-8"?>
+<file path=ppt/slides/slide15.xml><?xml version="1.0" encoding="utf-8"?>
 <p:sld xmlns:a="http://schemas.openxmlformats.org/drawingml/2006/main" xmlns:r="http://schemas.openxmlformats.org/officeDocument/2006/relationships" xmlns:p="http://schemas.openxmlformats.org/presentationml/2006/main">
   <p:cSld>
     <p:spTree>
@@ -10664,7 +8551,7 @@
 </p:sld>
 </file>
 
-<file path=ppt/slides/slide17.xml><?xml version="1.0" encoding="utf-8"?>
+<file path=ppt/slides/slide16.xml><?xml version="1.0" encoding="utf-8"?>
 <p:sld xmlns:a="http://schemas.openxmlformats.org/drawingml/2006/main" xmlns:r="http://schemas.openxmlformats.org/officeDocument/2006/relationships" xmlns:p="http://schemas.openxmlformats.org/presentationml/2006/main">
   <p:cSld>
     <p:spTree>
@@ -11047,7 +8934,7 @@
 </p:sld>
 </file>
 
-<file path=ppt/slides/slide18.xml><?xml version="1.0" encoding="utf-8"?>
+<file path=ppt/slides/slide17.xml><?xml version="1.0" encoding="utf-8"?>
 <p:sld xmlns:a="http://schemas.openxmlformats.org/drawingml/2006/main" xmlns:r="http://schemas.openxmlformats.org/officeDocument/2006/relationships" xmlns:p="http://schemas.openxmlformats.org/presentationml/2006/main">
   <p:cSld>
     <p:spTree>
@@ -11074,12 +8961,7 @@
             <p:ph type="title"/>
           </p:nvPr>
         </p:nvSpPr>
-        <p:spPr>
-          <a:xfrm>
-            <a:off x="838200" y="365125"/>
-            <a:ext cx="10612120" cy="1325563"/>
-          </a:xfrm>
-        </p:spPr>
+        <p:spPr/>
         <p:txBody>
           <a:bodyPr/>
           <a:lstStyle/>
@@ -11087,6 +8969,58 @@
             <a:r>
               <a:rPr lang="en-US" dirty="0" smtClean="0"/>
               <a:t>Why is model worse on test2 than test1 ?</a:t>
+            </a:r>
+            <a:endParaRPr lang="en-US" dirty="0"/>
+          </a:p>
+        </p:txBody>
+      </p:sp>
+      <p:sp>
+        <p:nvSpPr>
+          <p:cNvPr id="4" name="Content Placeholder 3"/>
+          <p:cNvSpPr>
+            <a:spLocks noGrp="1"/>
+          </p:cNvSpPr>
+          <p:nvPr>
+            <p:ph idx="1"/>
+          </p:nvPr>
+        </p:nvSpPr>
+        <p:spPr>
+          <a:xfrm>
+            <a:off x="838200" y="1825625"/>
+            <a:ext cx="10515600" cy="1141095"/>
+          </a:xfrm>
+        </p:spPr>
+        <p:txBody>
+          <a:bodyPr/>
+          <a:lstStyle/>
+          <a:p>
+            <a:r>
+              <a:rPr lang="en-US" b="1" dirty="0" err="1" smtClean="0"/>
+              <a:t>Ngram</a:t>
+            </a:r>
+            <a:r>
+              <a:rPr lang="en-US" b="1" dirty="0" smtClean="0"/>
+              <a:t> distribution different effect:</a:t>
+            </a:r>
+            <a:r>
+              <a:rPr lang="en-US" dirty="0" smtClean="0"/>
+              <a:t> test2 has different </a:t>
+            </a:r>
+            <a:r>
+              <a:rPr lang="en-US" dirty="0" err="1" smtClean="0"/>
+              <a:t>ngram</a:t>
+            </a:r>
+            <a:r>
+              <a:rPr lang="en-US" dirty="0" smtClean="0"/>
+              <a:t> distribution to </a:t>
+            </a:r>
+            <a:r>
+              <a:rPr lang="en-US" dirty="0" err="1" smtClean="0"/>
+              <a:t>trainT</a:t>
+            </a:r>
+            <a:r>
+              <a:rPr lang="en-US" dirty="0" smtClean="0"/>
+              <a:t> than train1</a:t>
             </a:r>
             <a:endParaRPr lang="en-US" dirty="0"/>
           </a:p>
@@ -11114,7 +9048,7 @@
         </p:blipFill>
         <p:spPr>
           <a:xfrm>
-            <a:off x="0" y="1397000"/>
+            <a:off x="0" y="2656840"/>
             <a:ext cx="12192000" cy="4064000"/>
           </a:xfrm>
           <a:prstGeom prst="rect">
@@ -11142,7 +9076,7 @@
 </p:sld>
 </file>
 
-<file path=ppt/slides/slide19.xml><?xml version="1.0" encoding="utf-8"?>
+<file path=ppt/slides/slide18.xml><?xml version="1.0" encoding="utf-8"?>
 <p:sld xmlns:a="http://schemas.openxmlformats.org/drawingml/2006/main" xmlns:r="http://schemas.openxmlformats.org/officeDocument/2006/relationships" xmlns:p="http://schemas.openxmlformats.org/presentationml/2006/main">
   <p:cSld>
     <p:spTree>
@@ -11191,13 +9125,13 @@
           <p:nvPr>
             <p:extLst>
               <p:ext uri="{D42A27DB-BD31-4B8C-83A1-F6EECF244321}">
-                <p14:modId xmlns:p14="http://schemas.microsoft.com/office/powerpoint/2010/main" val="709508374"/>
+                <p14:modId xmlns:p14="http://schemas.microsoft.com/office/powerpoint/2010/main" val="1859799614"/>
               </p:ext>
             </p:extLst>
           </p:nvPr>
         </p:nvGraphicFramePr>
         <p:xfrm>
-          <a:off x="2509520" y="2178368"/>
+          <a:off x="2570480" y="3560128"/>
           <a:ext cx="6385560" cy="2494280"/>
         </p:xfrm>
         <a:graphic>
@@ -12180,10 +10114,576 @@
           </a:graphicData>
         </a:graphic>
       </p:graphicFrame>
+      <p:sp>
+        <p:nvSpPr>
+          <p:cNvPr id="11" name="Content Placeholder 3"/>
+          <p:cNvSpPr txBox="1">
+            <a:spLocks/>
+          </p:cNvSpPr>
+          <p:nvPr/>
+        </p:nvSpPr>
+        <p:spPr>
+          <a:xfrm>
+            <a:off x="838200" y="1825625"/>
+            <a:ext cx="10515600" cy="1141095"/>
+          </a:xfrm>
+          <a:prstGeom prst="rect">
+            <a:avLst/>
+          </a:prstGeom>
+        </p:spPr>
+        <p:txBody>
+          <a:bodyPr/>
+          <a:lstStyle>
+            <a:lvl1pPr marL="228600" indent="-228600" algn="l" defTabSz="914400" rtl="0" eaLnBrk="1" latinLnBrk="0" hangingPunct="1">
+              <a:lnSpc>
+                <a:spcPct val="90000"/>
+              </a:lnSpc>
+              <a:spcBef>
+                <a:spcPts val="1000"/>
+              </a:spcBef>
+              <a:buFont typeface="Arial"/>
+              <a:buChar char="•"/>
+              <a:defRPr sz="2800" kern="1200">
+                <a:solidFill>
+                  <a:schemeClr val="tx1"/>
+                </a:solidFill>
+                <a:latin typeface="+mn-lt"/>
+                <a:ea typeface="+mn-ea"/>
+                <a:cs typeface="+mn-cs"/>
+              </a:defRPr>
+            </a:lvl1pPr>
+            <a:lvl2pPr marL="685800" indent="-228600" algn="l" defTabSz="914400" rtl="0" eaLnBrk="1" latinLnBrk="0" hangingPunct="1">
+              <a:lnSpc>
+                <a:spcPct val="90000"/>
+              </a:lnSpc>
+              <a:spcBef>
+                <a:spcPts val="500"/>
+              </a:spcBef>
+              <a:buFont typeface="Arial"/>
+              <a:buChar char="•"/>
+              <a:defRPr sz="2400" kern="1200">
+                <a:solidFill>
+                  <a:schemeClr val="tx1"/>
+                </a:solidFill>
+                <a:latin typeface="+mn-lt"/>
+                <a:ea typeface="+mn-ea"/>
+                <a:cs typeface="+mn-cs"/>
+              </a:defRPr>
+            </a:lvl2pPr>
+            <a:lvl3pPr marL="1143000" indent="-228600" algn="l" defTabSz="914400" rtl="0" eaLnBrk="1" latinLnBrk="0" hangingPunct="1">
+              <a:lnSpc>
+                <a:spcPct val="90000"/>
+              </a:lnSpc>
+              <a:spcBef>
+                <a:spcPts val="500"/>
+              </a:spcBef>
+              <a:buFont typeface="Arial"/>
+              <a:buChar char="•"/>
+              <a:defRPr sz="2000" kern="1200">
+                <a:solidFill>
+                  <a:schemeClr val="tx1"/>
+                </a:solidFill>
+                <a:latin typeface="+mn-lt"/>
+                <a:ea typeface="+mn-ea"/>
+                <a:cs typeface="+mn-cs"/>
+              </a:defRPr>
+            </a:lvl3pPr>
+            <a:lvl4pPr marL="1600200" indent="-228600" algn="l" defTabSz="914400" rtl="0" eaLnBrk="1" latinLnBrk="0" hangingPunct="1">
+              <a:lnSpc>
+                <a:spcPct val="90000"/>
+              </a:lnSpc>
+              <a:spcBef>
+                <a:spcPts val="500"/>
+              </a:spcBef>
+              <a:buFont typeface="Arial"/>
+              <a:buChar char="•"/>
+              <a:defRPr sz="1800" kern="1200">
+                <a:solidFill>
+                  <a:schemeClr val="tx1"/>
+                </a:solidFill>
+                <a:latin typeface="+mn-lt"/>
+                <a:ea typeface="+mn-ea"/>
+                <a:cs typeface="+mn-cs"/>
+              </a:defRPr>
+            </a:lvl4pPr>
+            <a:lvl5pPr marL="2057400" indent="-228600" algn="l" defTabSz="914400" rtl="0" eaLnBrk="1" latinLnBrk="0" hangingPunct="1">
+              <a:lnSpc>
+                <a:spcPct val="90000"/>
+              </a:lnSpc>
+              <a:spcBef>
+                <a:spcPts val="500"/>
+              </a:spcBef>
+              <a:buFont typeface="Arial"/>
+              <a:buChar char="•"/>
+              <a:defRPr sz="1800" kern="1200">
+                <a:solidFill>
+                  <a:schemeClr val="tx1"/>
+                </a:solidFill>
+                <a:latin typeface="+mn-lt"/>
+                <a:ea typeface="+mn-ea"/>
+                <a:cs typeface="+mn-cs"/>
+              </a:defRPr>
+            </a:lvl5pPr>
+            <a:lvl6pPr marL="2514600" indent="-228600" algn="l" defTabSz="914400" rtl="0" eaLnBrk="1" latinLnBrk="0" hangingPunct="1">
+              <a:lnSpc>
+                <a:spcPct val="90000"/>
+              </a:lnSpc>
+              <a:spcBef>
+                <a:spcPts val="500"/>
+              </a:spcBef>
+              <a:buFont typeface="Arial"/>
+              <a:buChar char="•"/>
+              <a:defRPr sz="1800" kern="1200">
+                <a:solidFill>
+                  <a:schemeClr val="tx1"/>
+                </a:solidFill>
+                <a:latin typeface="+mn-lt"/>
+                <a:ea typeface="+mn-ea"/>
+                <a:cs typeface="+mn-cs"/>
+              </a:defRPr>
+            </a:lvl6pPr>
+            <a:lvl7pPr marL="2971800" indent="-228600" algn="l" defTabSz="914400" rtl="0" eaLnBrk="1" latinLnBrk="0" hangingPunct="1">
+              <a:lnSpc>
+                <a:spcPct val="90000"/>
+              </a:lnSpc>
+              <a:spcBef>
+                <a:spcPts val="500"/>
+              </a:spcBef>
+              <a:buFont typeface="Arial"/>
+              <a:buChar char="•"/>
+              <a:defRPr sz="1800" kern="1200">
+                <a:solidFill>
+                  <a:schemeClr val="tx1"/>
+                </a:solidFill>
+                <a:latin typeface="+mn-lt"/>
+                <a:ea typeface="+mn-ea"/>
+                <a:cs typeface="+mn-cs"/>
+              </a:defRPr>
+            </a:lvl7pPr>
+            <a:lvl8pPr marL="3429000" indent="-228600" algn="l" defTabSz="914400" rtl="0" eaLnBrk="1" latinLnBrk="0" hangingPunct="1">
+              <a:lnSpc>
+                <a:spcPct val="90000"/>
+              </a:lnSpc>
+              <a:spcBef>
+                <a:spcPts val="500"/>
+              </a:spcBef>
+              <a:buFont typeface="Arial"/>
+              <a:buChar char="•"/>
+              <a:defRPr sz="1800" kern="1200">
+                <a:solidFill>
+                  <a:schemeClr val="tx1"/>
+                </a:solidFill>
+                <a:latin typeface="+mn-lt"/>
+                <a:ea typeface="+mn-ea"/>
+                <a:cs typeface="+mn-cs"/>
+              </a:defRPr>
+            </a:lvl8pPr>
+            <a:lvl9pPr marL="3886200" indent="-228600" algn="l" defTabSz="914400" rtl="0" eaLnBrk="1" latinLnBrk="0" hangingPunct="1">
+              <a:lnSpc>
+                <a:spcPct val="90000"/>
+              </a:lnSpc>
+              <a:spcBef>
+                <a:spcPts val="500"/>
+              </a:spcBef>
+              <a:buFont typeface="Arial"/>
+              <a:buChar char="•"/>
+              <a:defRPr sz="1800" kern="1200">
+                <a:solidFill>
+                  <a:schemeClr val="tx1"/>
+                </a:solidFill>
+                <a:latin typeface="+mn-lt"/>
+                <a:ea typeface="+mn-ea"/>
+                <a:cs typeface="+mn-cs"/>
+              </a:defRPr>
+            </a:lvl9pPr>
+          </a:lstStyle>
+          <a:p>
+            <a:r>
+              <a:rPr lang="en-US" b="1" dirty="0" smtClean="0"/>
+              <a:t>Unknown </a:t>
+            </a:r>
+            <a:r>
+              <a:rPr lang="en-US" b="1" dirty="0" err="1" smtClean="0"/>
+              <a:t>ngram</a:t>
+            </a:r>
+            <a:r>
+              <a:rPr lang="en-US" b="1" dirty="0" smtClean="0"/>
+              <a:t> effect:</a:t>
+            </a:r>
+            <a:r>
+              <a:rPr lang="en-US" dirty="0" smtClean="0"/>
+              <a:t> test2 has much more new </a:t>
+            </a:r>
+            <a:r>
+              <a:rPr lang="en-US" dirty="0" err="1" smtClean="0"/>
+              <a:t>ngrams</a:t>
+            </a:r>
+            <a:r>
+              <a:rPr lang="en-US" dirty="0" smtClean="0"/>
+              <a:t> than train1</a:t>
+            </a:r>
+            <a:endParaRPr lang="en-US" dirty="0"/>
+          </a:p>
+        </p:txBody>
+      </p:sp>
     </p:spTree>
     <p:extLst>
       <p:ext uri="{BB962C8B-B14F-4D97-AF65-F5344CB8AC3E}">
         <p14:creationId xmlns:p14="http://schemas.microsoft.com/office/powerpoint/2010/main" val="1466937921"/>
+      </p:ext>
+    </p:extLst>
+  </p:cSld>
+  <p:clrMapOvr>
+    <a:masterClrMapping/>
+  </p:clrMapOvr>
+  <p:timing>
+    <p:tnLst>
+      <p:par>
+        <p:cTn id="1" dur="indefinite" restart="never" nodeType="tmRoot"/>
+      </p:par>
+    </p:tnLst>
+  </p:timing>
+</p:sld>
+</file>
+
+<file path=ppt/slides/slide19.xml><?xml version="1.0" encoding="utf-8"?>
+<p:sld xmlns:a="http://schemas.openxmlformats.org/drawingml/2006/main" xmlns:r="http://schemas.openxmlformats.org/officeDocument/2006/relationships" xmlns:p="http://schemas.openxmlformats.org/presentationml/2006/main">
+  <p:cSld>
+    <p:spTree>
+      <p:nvGrpSpPr>
+        <p:cNvPr id="1" name=""/>
+        <p:cNvGrpSpPr/>
+        <p:nvPr/>
+      </p:nvGrpSpPr>
+      <p:grpSpPr>
+        <a:xfrm>
+          <a:off x="0" y="0"/>
+          <a:ext cx="0" cy="0"/>
+          <a:chOff x="0" y="0"/>
+          <a:chExt cx="0" cy="0"/>
+        </a:xfrm>
+      </p:grpSpPr>
+      <p:pic>
+        <p:nvPicPr>
+          <p:cNvPr id="13" name="Picture 12"/>
+          <p:cNvPicPr>
+            <a:picLocks noChangeAspect="1"/>
+          </p:cNvPicPr>
+          <p:nvPr/>
+        </p:nvPicPr>
+        <p:blipFill>
+          <a:blip r:embed="rId2">
+            <a:extLst>
+              <a:ext uri="{28A0092B-C50C-407E-A947-70E740481C1C}">
+                <a14:useLocalDpi xmlns:a14="http://schemas.microsoft.com/office/drawing/2010/main" val="0"/>
+              </a:ext>
+            </a:extLst>
+          </a:blip>
+          <a:stretch>
+            <a:fillRect/>
+          </a:stretch>
+        </p:blipFill>
+        <p:spPr>
+          <a:xfrm>
+            <a:off x="3860800" y="1371600"/>
+            <a:ext cx="4470400" cy="4102100"/>
+          </a:xfrm>
+          <a:prstGeom prst="rect">
+            <a:avLst/>
+          </a:prstGeom>
+        </p:spPr>
+      </p:pic>
+      <p:sp>
+        <p:nvSpPr>
+          <p:cNvPr id="2" name="Title 1"/>
+          <p:cNvSpPr>
+            <a:spLocks noGrp="1"/>
+          </p:cNvSpPr>
+          <p:nvPr>
+            <p:ph type="title"/>
+          </p:nvPr>
+        </p:nvSpPr>
+        <p:spPr/>
+        <p:txBody>
+          <a:bodyPr/>
+          <a:lstStyle/>
+          <a:p>
+            <a:r>
+              <a:rPr lang="en-US" dirty="0" smtClean="0"/>
+              <a:t>Why is model worse on test2 than test1 ?</a:t>
+            </a:r>
+            <a:endParaRPr lang="en-US" dirty="0"/>
+          </a:p>
+        </p:txBody>
+      </p:sp>
+      <p:sp>
+        <p:nvSpPr>
+          <p:cNvPr id="3" name="TextBox 2"/>
+          <p:cNvSpPr txBox="1"/>
+          <p:nvPr/>
+        </p:nvSpPr>
+        <p:spPr>
+          <a:xfrm>
+            <a:off x="1815465" y="5788486"/>
+            <a:ext cx="8561070" cy="553998"/>
+          </a:xfrm>
+          <a:prstGeom prst="rect">
+            <a:avLst/>
+          </a:prstGeom>
+        </p:spPr>
+        <p:style>
+          <a:lnRef idx="0">
+            <a:schemeClr val="accent1"/>
+          </a:lnRef>
+          <a:fillRef idx="3">
+            <a:schemeClr val="accent1"/>
+          </a:fillRef>
+          <a:effectRef idx="3">
+            <a:schemeClr val="accent1"/>
+          </a:effectRef>
+          <a:fontRef idx="minor">
+            <a:schemeClr val="lt1"/>
+          </a:fontRef>
+        </p:style>
+        <p:txBody>
+          <a:bodyPr wrap="square" rtlCol="0">
+            <a:spAutoFit/>
+          </a:bodyPr>
+          <a:lstStyle/>
+          <a:p>
+            <a:pPr algn="ctr"/>
+            <a:r>
+              <a:rPr lang="en-US" sz="3000" dirty="0" smtClean="0"/>
+              <a:t>Choose training sets that are similar to your NLP task</a:t>
+            </a:r>
+            <a:endParaRPr lang="en-US" sz="3000" dirty="0"/>
+          </a:p>
+        </p:txBody>
+      </p:sp>
+      <p:sp>
+        <p:nvSpPr>
+          <p:cNvPr id="6" name="TextBox 5"/>
+          <p:cNvSpPr txBox="1"/>
+          <p:nvPr/>
+        </p:nvSpPr>
+        <p:spPr>
+          <a:xfrm>
+            <a:off x="1420679" y="1507808"/>
+            <a:ext cx="2236922" cy="1200329"/>
+          </a:xfrm>
+          <a:prstGeom prst="rect">
+            <a:avLst/>
+          </a:prstGeom>
+          <a:noFill/>
+        </p:spPr>
+        <p:txBody>
+          <a:bodyPr wrap="square" rtlCol="0">
+            <a:spAutoFit/>
+          </a:bodyPr>
+          <a:lstStyle/>
+          <a:p>
+            <a:r>
+              <a:rPr lang="en-US" b="1" dirty="0" err="1" smtClean="0">
+                <a:solidFill>
+                  <a:srgbClr val="C00000"/>
+                </a:solidFill>
+              </a:rPr>
+              <a:t>Ngram</a:t>
+            </a:r>
+            <a:r>
+              <a:rPr lang="en-US" b="1" dirty="0" smtClean="0">
+                <a:solidFill>
+                  <a:srgbClr val="C00000"/>
+                </a:solidFill>
+              </a:rPr>
+              <a:t> distribution difference effect </a:t>
+            </a:r>
+            <a:r>
+              <a:rPr lang="en-US" dirty="0" smtClean="0">
+                <a:solidFill>
+                  <a:srgbClr val="C00000"/>
+                </a:solidFill>
+              </a:rPr>
+              <a:t>dominates for lower </a:t>
+            </a:r>
+            <a:r>
+              <a:rPr lang="en-US" dirty="0" err="1" smtClean="0">
+                <a:solidFill>
+                  <a:srgbClr val="C00000"/>
+                </a:solidFill>
+              </a:rPr>
+              <a:t>ngram</a:t>
+            </a:r>
+            <a:r>
+              <a:rPr lang="en-US" dirty="0" smtClean="0">
+                <a:solidFill>
+                  <a:srgbClr val="C00000"/>
+                </a:solidFill>
+              </a:rPr>
+              <a:t> models</a:t>
+            </a:r>
+            <a:endParaRPr lang="en-US" dirty="0">
+              <a:solidFill>
+                <a:srgbClr val="C00000"/>
+              </a:solidFill>
+            </a:endParaRPr>
+          </a:p>
+        </p:txBody>
+      </p:sp>
+      <p:sp>
+        <p:nvSpPr>
+          <p:cNvPr id="7" name="TextBox 6"/>
+          <p:cNvSpPr txBox="1"/>
+          <p:nvPr/>
+        </p:nvSpPr>
+        <p:spPr>
+          <a:xfrm>
+            <a:off x="8534399" y="4066858"/>
+            <a:ext cx="2236922" cy="923330"/>
+          </a:xfrm>
+          <a:prstGeom prst="rect">
+            <a:avLst/>
+          </a:prstGeom>
+          <a:noFill/>
+        </p:spPr>
+        <p:txBody>
+          <a:bodyPr wrap="square" rtlCol="0">
+            <a:spAutoFit/>
+          </a:bodyPr>
+          <a:lstStyle/>
+          <a:p>
+            <a:r>
+              <a:rPr lang="en-US" b="1" dirty="0" smtClean="0">
+                <a:solidFill>
+                  <a:srgbClr val="C00000"/>
+                </a:solidFill>
+              </a:rPr>
+              <a:t>Unknown </a:t>
+            </a:r>
+            <a:r>
+              <a:rPr lang="en-US" b="1" dirty="0" err="1" smtClean="0">
+                <a:solidFill>
+                  <a:srgbClr val="C00000"/>
+                </a:solidFill>
+              </a:rPr>
+              <a:t>ngram</a:t>
+            </a:r>
+            <a:r>
+              <a:rPr lang="en-US" b="1" dirty="0" smtClean="0">
+                <a:solidFill>
+                  <a:srgbClr val="C00000"/>
+                </a:solidFill>
+              </a:rPr>
+              <a:t> effect </a:t>
+            </a:r>
+            <a:r>
+              <a:rPr lang="en-US" dirty="0" smtClean="0">
+                <a:solidFill>
+                  <a:srgbClr val="C00000"/>
+                </a:solidFill>
+              </a:rPr>
+              <a:t>dominates for higher </a:t>
+            </a:r>
+            <a:r>
+              <a:rPr lang="en-US" dirty="0" err="1" smtClean="0">
+                <a:solidFill>
+                  <a:srgbClr val="C00000"/>
+                </a:solidFill>
+              </a:rPr>
+              <a:t>ngram</a:t>
+            </a:r>
+            <a:r>
+              <a:rPr lang="en-US" dirty="0" smtClean="0">
+                <a:solidFill>
+                  <a:srgbClr val="C00000"/>
+                </a:solidFill>
+              </a:rPr>
+              <a:t> models</a:t>
+            </a:r>
+            <a:endParaRPr lang="en-US" dirty="0">
+              <a:solidFill>
+                <a:srgbClr val="C00000"/>
+              </a:solidFill>
+            </a:endParaRPr>
+          </a:p>
+        </p:txBody>
+      </p:sp>
+      <p:cxnSp>
+        <p:nvCxnSpPr>
+          <p:cNvPr id="8" name="Straight Arrow Connector 7"/>
+          <p:cNvCxnSpPr/>
+          <p:nvPr/>
+        </p:nvCxnSpPr>
+        <p:spPr>
+          <a:xfrm>
+            <a:off x="7432781" y="4186789"/>
+            <a:ext cx="1101618" cy="131211"/>
+          </a:xfrm>
+          <a:prstGeom prst="straightConnector1">
+            <a:avLst/>
+          </a:prstGeom>
+          <a:ln>
+            <a:solidFill>
+              <a:srgbClr val="C00000"/>
+            </a:solidFill>
+            <a:tailEnd type="triangle"/>
+          </a:ln>
+        </p:spPr>
+        <p:style>
+          <a:lnRef idx="1">
+            <a:schemeClr val="accent1"/>
+          </a:lnRef>
+          <a:fillRef idx="0">
+            <a:schemeClr val="accent1"/>
+          </a:fillRef>
+          <a:effectRef idx="0">
+            <a:schemeClr val="accent1"/>
+          </a:effectRef>
+          <a:fontRef idx="minor">
+            <a:schemeClr val="tx1"/>
+          </a:fontRef>
+        </p:style>
+      </p:cxnSp>
+      <p:cxnSp>
+        <p:nvCxnSpPr>
+          <p:cNvPr id="10" name="Straight Arrow Connector 9"/>
+          <p:cNvCxnSpPr/>
+          <p:nvPr/>
+        </p:nvCxnSpPr>
+        <p:spPr>
+          <a:xfrm flipH="1">
+            <a:off x="3129280" y="1790646"/>
+            <a:ext cx="1357101" cy="214828"/>
+          </a:xfrm>
+          <a:prstGeom prst="straightConnector1">
+            <a:avLst/>
+          </a:prstGeom>
+          <a:ln>
+            <a:solidFill>
+              <a:srgbClr val="C00000"/>
+            </a:solidFill>
+            <a:tailEnd type="triangle"/>
+          </a:ln>
+        </p:spPr>
+        <p:style>
+          <a:lnRef idx="1">
+            <a:schemeClr val="accent1"/>
+          </a:lnRef>
+          <a:fillRef idx="0">
+            <a:schemeClr val="accent1"/>
+          </a:fillRef>
+          <a:effectRef idx="0">
+            <a:schemeClr val="accent1"/>
+          </a:effectRef>
+          <a:fontRef idx="minor">
+            <a:schemeClr val="tx1"/>
+          </a:fontRef>
+        </p:style>
+      </p:cxnSp>
+    </p:spTree>
+    <p:extLst>
+      <p:ext uri="{BB962C8B-B14F-4D97-AF65-F5344CB8AC3E}">
+        <p14:creationId xmlns:p14="http://schemas.microsoft.com/office/powerpoint/2010/main" val="215196614"/>
       </p:ext>
     </p:extLst>
   </p:cSld>
@@ -12383,72 +10883,35 @@
             <p:ph type="title"/>
           </p:nvPr>
         </p:nvSpPr>
-        <p:spPr/>
-        <p:txBody>
-          <a:bodyPr/>
-          <a:lstStyle/>
-          <a:p>
-            <a:r>
-              <a:rPr lang="en-US" dirty="0" smtClean="0"/>
-              <a:t>Why is model worse on test2 than test1 ?</a:t>
-            </a:r>
-            <a:endParaRPr lang="en-US" dirty="0"/>
-          </a:p>
-        </p:txBody>
-      </p:sp>
-      <p:sp>
-        <p:nvSpPr>
-          <p:cNvPr id="3" name="TextBox 2"/>
-          <p:cNvSpPr txBox="1"/>
-          <p:nvPr/>
-        </p:nvSpPr>
         <p:spPr>
           <a:xfrm>
-            <a:off x="1815465" y="5788486"/>
-            <a:ext cx="8561070" cy="553998"/>
-          </a:xfrm>
-          <a:prstGeom prst="rect">
-            <a:avLst/>
-          </a:prstGeom>
-        </p:spPr>
-        <p:style>
-          <a:lnRef idx="0">
-            <a:schemeClr val="accent1"/>
-          </a:lnRef>
-          <a:fillRef idx="3">
-            <a:schemeClr val="accent1"/>
-          </a:fillRef>
-          <a:effectRef idx="3">
-            <a:schemeClr val="accent1"/>
-          </a:effectRef>
-          <a:fontRef idx="minor">
-            <a:schemeClr val="lt1"/>
-          </a:fontRef>
-        </p:style>
-        <p:txBody>
-          <a:bodyPr wrap="square" rtlCol="0">
-            <a:spAutoFit/>
+            <a:off x="838200" y="365125"/>
+            <a:ext cx="11109960" cy="1325563"/>
+          </a:xfrm>
+        </p:spPr>
+        <p:txBody>
+          <a:bodyPr>
+            <a:normAutofit fontScale="90000"/>
           </a:bodyPr>
           <a:lstStyle/>
           <a:p>
-            <a:pPr algn="ctr"/>
-            <a:r>
-              <a:rPr lang="en-US" sz="3000" dirty="0" smtClean="0"/>
-              <a:t>Choose training sets that are similar to your NLP task</a:t>
-            </a:r>
-            <a:endParaRPr lang="en-US" sz="3000" dirty="0"/>
+            <a:r>
+              <a:rPr lang="en-US" dirty="0" smtClean="0"/>
+              <a:t>In most cases, interpolating with the uniform model improves the model performance on test set !</a:t>
+            </a:r>
+            <a:endParaRPr lang="en-US" dirty="0"/>
           </a:p>
         </p:txBody>
       </p:sp>
       <p:pic>
         <p:nvPicPr>
-          <p:cNvPr id="4" name="Picture 3"/>
+          <p:cNvPr id="5" name="Picture 4"/>
           <p:cNvPicPr>
             <a:picLocks noChangeAspect="1"/>
           </p:cNvPicPr>
           <p:nvPr/>
         </p:nvPicPr>
-        <p:blipFill>
+        <p:blipFill rotWithShape="1">
           <a:blip r:embed="rId2">
             <a:extLst>
               <a:ext uri="{28A0092B-C50C-407E-A947-70E740481C1C}">
@@ -12456,14 +10919,42 @@
               </a:ext>
             </a:extLst>
           </a:blip>
-          <a:stretch>
-            <a:fillRect/>
-          </a:stretch>
+          <a:srcRect t="7227" r="6876"/>
+          <a:stretch/>
         </p:blipFill>
         <p:spPr>
           <a:xfrm>
-            <a:off x="3616960" y="1493520"/>
-            <a:ext cx="4470400" cy="4102100"/>
+            <a:off x="1654220" y="4229765"/>
+            <a:ext cx="7338628" cy="2436974"/>
+          </a:xfrm>
+          <a:prstGeom prst="rect">
+            <a:avLst/>
+          </a:prstGeom>
+        </p:spPr>
+      </p:pic>
+      <p:pic>
+        <p:nvPicPr>
+          <p:cNvPr id="7" name="Picture 6"/>
+          <p:cNvPicPr>
+            <a:picLocks noChangeAspect="1"/>
+          </p:cNvPicPr>
+          <p:nvPr/>
+        </p:nvPicPr>
+        <p:blipFill rotWithShape="1">
+          <a:blip r:embed="rId3">
+            <a:extLst>
+              <a:ext uri="{28A0092B-C50C-407E-A947-70E740481C1C}">
+                <a14:useLocalDpi xmlns:a14="http://schemas.microsoft.com/office/drawing/2010/main" val="0"/>
+              </a:ext>
+            </a:extLst>
+          </a:blip>
+          <a:srcRect t="6125" r="6500"/>
+          <a:stretch/>
+        </p:blipFill>
+        <p:spPr>
+          <a:xfrm>
+            <a:off x="1725990" y="1690688"/>
+            <a:ext cx="7266858" cy="2432001"/>
           </a:xfrm>
           <a:prstGeom prst="rect">
             <a:avLst/>
@@ -12473,7 +10964,7 @@
     </p:spTree>
     <p:extLst>
       <p:ext uri="{BB962C8B-B14F-4D97-AF65-F5344CB8AC3E}">
-        <p14:creationId xmlns:p14="http://schemas.microsoft.com/office/powerpoint/2010/main" val="215196614"/>
+        <p14:creationId xmlns:p14="http://schemas.microsoft.com/office/powerpoint/2010/main" val="1163629810"/>
       </p:ext>
     </p:extLst>
   </p:cSld>
@@ -12517,131 +11008,6 @@
             <p:ph type="title"/>
           </p:nvPr>
         </p:nvSpPr>
-        <p:spPr>
-          <a:xfrm>
-            <a:off x="838200" y="365125"/>
-            <a:ext cx="11109960" cy="1325563"/>
-          </a:xfrm>
-        </p:spPr>
-        <p:txBody>
-          <a:bodyPr>
-            <a:normAutofit fontScale="90000"/>
-          </a:bodyPr>
-          <a:lstStyle/>
-          <a:p>
-            <a:r>
-              <a:rPr lang="en-US" dirty="0" smtClean="0"/>
-              <a:t>In most cases, interpolating with the uniform model improves the model performance on test set !</a:t>
-            </a:r>
-            <a:endParaRPr lang="en-US" dirty="0"/>
-          </a:p>
-        </p:txBody>
-      </p:sp>
-      <p:pic>
-        <p:nvPicPr>
-          <p:cNvPr id="5" name="Picture 4"/>
-          <p:cNvPicPr>
-            <a:picLocks noChangeAspect="1"/>
-          </p:cNvPicPr>
-          <p:nvPr/>
-        </p:nvPicPr>
-        <p:blipFill rotWithShape="1">
-          <a:blip r:embed="rId2">
-            <a:extLst>
-              <a:ext uri="{28A0092B-C50C-407E-A947-70E740481C1C}">
-                <a14:useLocalDpi xmlns:a14="http://schemas.microsoft.com/office/drawing/2010/main" val="0"/>
-              </a:ext>
-            </a:extLst>
-          </a:blip>
-          <a:srcRect t="7227" r="6876"/>
-          <a:stretch/>
-        </p:blipFill>
-        <p:spPr>
-          <a:xfrm>
-            <a:off x="1654220" y="4229765"/>
-            <a:ext cx="7338628" cy="2436974"/>
-          </a:xfrm>
-          <a:prstGeom prst="rect">
-            <a:avLst/>
-          </a:prstGeom>
-        </p:spPr>
-      </p:pic>
-      <p:pic>
-        <p:nvPicPr>
-          <p:cNvPr id="7" name="Picture 6"/>
-          <p:cNvPicPr>
-            <a:picLocks noChangeAspect="1"/>
-          </p:cNvPicPr>
-          <p:nvPr/>
-        </p:nvPicPr>
-        <p:blipFill rotWithShape="1">
-          <a:blip r:embed="rId3">
-            <a:extLst>
-              <a:ext uri="{28A0092B-C50C-407E-A947-70E740481C1C}">
-                <a14:useLocalDpi xmlns:a14="http://schemas.microsoft.com/office/drawing/2010/main" val="0"/>
-              </a:ext>
-            </a:extLst>
-          </a:blip>
-          <a:srcRect t="6125" r="6500"/>
-          <a:stretch/>
-        </p:blipFill>
-        <p:spPr>
-          <a:xfrm>
-            <a:off x="1725990" y="1690688"/>
-            <a:ext cx="7266858" cy="2432001"/>
-          </a:xfrm>
-          <a:prstGeom prst="rect">
-            <a:avLst/>
-          </a:prstGeom>
-        </p:spPr>
-      </p:pic>
-    </p:spTree>
-    <p:extLst>
-      <p:ext uri="{BB962C8B-B14F-4D97-AF65-F5344CB8AC3E}">
-        <p14:creationId xmlns:p14="http://schemas.microsoft.com/office/powerpoint/2010/main" val="1163629810"/>
-      </p:ext>
-    </p:extLst>
-  </p:cSld>
-  <p:clrMapOvr>
-    <a:masterClrMapping/>
-  </p:clrMapOvr>
-  <p:timing>
-    <p:tnLst>
-      <p:par>
-        <p:cTn id="1" dur="indefinite" restart="never" nodeType="tmRoot"/>
-      </p:par>
-    </p:tnLst>
-  </p:timing>
-</p:sld>
-</file>
-
-<file path=ppt/slides/slide22.xml><?xml version="1.0" encoding="utf-8"?>
-<p:sld xmlns:a="http://schemas.openxmlformats.org/drawingml/2006/main" xmlns:r="http://schemas.openxmlformats.org/officeDocument/2006/relationships" xmlns:p="http://schemas.openxmlformats.org/presentationml/2006/main">
-  <p:cSld>
-    <p:spTree>
-      <p:nvGrpSpPr>
-        <p:cNvPr id="1" name=""/>
-        <p:cNvGrpSpPr/>
-        <p:nvPr/>
-      </p:nvGrpSpPr>
-      <p:grpSpPr>
-        <a:xfrm>
-          <a:off x="0" y="0"/>
-          <a:ext cx="0" cy="0"/>
-          <a:chOff x="0" y="0"/>
-          <a:chExt cx="0" cy="0"/>
-        </a:xfrm>
-      </p:grpSpPr>
-      <p:sp>
-        <p:nvSpPr>
-          <p:cNvPr id="2" name="Title 1"/>
-          <p:cNvSpPr>
-            <a:spLocks noGrp="1"/>
-          </p:cNvSpPr>
-          <p:nvPr>
-            <p:ph type="title"/>
-          </p:nvPr>
-        </p:nvSpPr>
         <p:spPr/>
         <p:txBody>
           <a:bodyPr/>
@@ -12771,7 +11137,7 @@
 </p:sld>
 </file>
 
-<file path=ppt/slides/slide23.xml><?xml version="1.0" encoding="utf-8"?>
+<file path=ppt/slides/slide22.xml><?xml version="1.0" encoding="utf-8"?>
 <p:sld xmlns:a="http://schemas.openxmlformats.org/drawingml/2006/main" xmlns:r="http://schemas.openxmlformats.org/officeDocument/2006/relationships" xmlns:p="http://schemas.openxmlformats.org/presentationml/2006/main">
   <p:cSld>
     <p:spTree>
@@ -13127,6 +11493,514 @@
   <p:timing>
     <p:tnLst>
       <p:par>
+        <p:cTn id="1" dur="indefinite" restart="never" nodeType="tmRoot"/>
+      </p:par>
+    </p:tnLst>
+  </p:timing>
+</p:sld>
+</file>
+
+<file path=ppt/slides/slide23.xml><?xml version="1.0" encoding="utf-8"?>
+<p:sld xmlns:a="http://schemas.openxmlformats.org/drawingml/2006/main" xmlns:r="http://schemas.openxmlformats.org/officeDocument/2006/relationships" xmlns:p="http://schemas.openxmlformats.org/presentationml/2006/main">
+  <p:cSld>
+    <p:spTree>
+      <p:nvGrpSpPr>
+        <p:cNvPr id="1" name=""/>
+        <p:cNvGrpSpPr/>
+        <p:nvPr/>
+      </p:nvGrpSpPr>
+      <p:grpSpPr>
+        <a:xfrm>
+          <a:off x="0" y="0"/>
+          <a:ext cx="0" cy="0"/>
+          <a:chOff x="0" y="0"/>
+          <a:chExt cx="0" cy="0"/>
+        </a:xfrm>
+      </p:grpSpPr>
+      <p:sp>
+        <p:nvSpPr>
+          <p:cNvPr id="2" name="Title 1"/>
+          <p:cNvSpPr>
+            <a:spLocks noGrp="1"/>
+          </p:cNvSpPr>
+          <p:nvPr>
+            <p:ph type="title"/>
+          </p:nvPr>
+        </p:nvSpPr>
+        <p:spPr>
+          <a:xfrm>
+            <a:off x="838200" y="365125"/>
+            <a:ext cx="10906760" cy="1325563"/>
+          </a:xfrm>
+        </p:spPr>
+        <p:txBody>
+          <a:bodyPr/>
+          <a:lstStyle/>
+          <a:p>
+            <a:r>
+              <a:rPr lang="en-US" b="1" dirty="0" smtClean="0"/>
+              <a:t>How</a:t>
+            </a:r>
+            <a:r>
+              <a:rPr lang="en-US" dirty="0" smtClean="0"/>
+              <a:t> to interpolate: how to weight model contributions?</a:t>
+            </a:r>
+            <a:endParaRPr lang="en-US" dirty="0"/>
+          </a:p>
+        </p:txBody>
+      </p:sp>
+      <p:pic>
+        <p:nvPicPr>
+          <p:cNvPr id="14" name="Picture 13"/>
+          <p:cNvPicPr>
+            <a:picLocks noChangeAspect="1"/>
+          </p:cNvPicPr>
+          <p:nvPr/>
+        </p:nvPicPr>
+        <p:blipFill>
+          <a:blip r:embed="rId2">
+            <a:extLst>
+              <a:ext uri="{28A0092B-C50C-407E-A947-70E740481C1C}">
+                <a14:useLocalDpi xmlns:a14="http://schemas.microsoft.com/office/drawing/2010/main" val="0"/>
+              </a:ext>
+            </a:extLst>
+          </a:blip>
+          <a:stretch>
+            <a:fillRect/>
+          </a:stretch>
+        </p:blipFill>
+        <p:spPr>
+          <a:xfrm>
+            <a:off x="2232660" y="4623952"/>
+            <a:ext cx="2743200" cy="279400"/>
+          </a:xfrm>
+          <a:prstGeom prst="rect">
+            <a:avLst/>
+          </a:prstGeom>
+        </p:spPr>
+      </p:pic>
+      <p:pic>
+        <p:nvPicPr>
+          <p:cNvPr id="16" name="Picture 15"/>
+          <p:cNvPicPr>
+            <a:picLocks noChangeAspect="1"/>
+          </p:cNvPicPr>
+          <p:nvPr/>
+        </p:nvPicPr>
+        <p:blipFill>
+          <a:blip r:embed="rId3">
+            <a:extLst>
+              <a:ext uri="{28A0092B-C50C-407E-A947-70E740481C1C}">
+                <a14:useLocalDpi xmlns:a14="http://schemas.microsoft.com/office/drawing/2010/main" val="0"/>
+              </a:ext>
+            </a:extLst>
+          </a:blip>
+          <a:stretch>
+            <a:fillRect/>
+          </a:stretch>
+        </p:blipFill>
+        <p:spPr>
+          <a:xfrm>
+            <a:off x="2232660" y="3703757"/>
+            <a:ext cx="8991600" cy="647700"/>
+          </a:xfrm>
+          <a:prstGeom prst="rect">
+            <a:avLst/>
+          </a:prstGeom>
+        </p:spPr>
+      </p:pic>
+      <p:sp>
+        <p:nvSpPr>
+          <p:cNvPr id="19" name="TextBox 18"/>
+          <p:cNvSpPr txBox="1"/>
+          <p:nvPr/>
+        </p:nvSpPr>
+        <p:spPr>
+          <a:xfrm>
+            <a:off x="231140" y="1924943"/>
+            <a:ext cx="2001520" cy="369332"/>
+          </a:xfrm>
+          <a:prstGeom prst="rect">
+            <a:avLst/>
+          </a:prstGeom>
+          <a:noFill/>
+        </p:spPr>
+        <p:txBody>
+          <a:bodyPr wrap="square" rtlCol="0">
+            <a:spAutoFit/>
+          </a:bodyPr>
+          <a:lstStyle/>
+          <a:p>
+            <a:r>
+              <a:rPr lang="en-US" u="sng" dirty="0" smtClean="0"/>
+              <a:t>Average weighting</a:t>
+            </a:r>
+            <a:r>
+              <a:rPr lang="en-US" dirty="0" smtClean="0"/>
+              <a:t>:</a:t>
+            </a:r>
+            <a:endParaRPr lang="en-US" dirty="0"/>
+          </a:p>
+        </p:txBody>
+      </p:sp>
+      <p:sp>
+        <p:nvSpPr>
+          <p:cNvPr id="20" name="TextBox 19"/>
+          <p:cNvSpPr txBox="1"/>
+          <p:nvPr/>
+        </p:nvSpPr>
+        <p:spPr>
+          <a:xfrm>
+            <a:off x="231140" y="2881591"/>
+            <a:ext cx="2001520" cy="369332"/>
+          </a:xfrm>
+          <a:prstGeom prst="rect">
+            <a:avLst/>
+          </a:prstGeom>
+          <a:noFill/>
+        </p:spPr>
+        <p:txBody>
+          <a:bodyPr wrap="square" rtlCol="0">
+            <a:spAutoFit/>
+          </a:bodyPr>
+          <a:lstStyle/>
+          <a:p>
+            <a:r>
+              <a:rPr lang="en-US" u="sng" smtClean="0"/>
+              <a:t>Custom weighting</a:t>
+            </a:r>
+            <a:r>
+              <a:rPr lang="en-US" dirty="0" smtClean="0"/>
+              <a:t>:</a:t>
+            </a:r>
+            <a:endParaRPr lang="en-US" dirty="0"/>
+          </a:p>
+        </p:txBody>
+      </p:sp>
+      <p:sp>
+        <p:nvSpPr>
+          <p:cNvPr id="21" name="TextBox 20"/>
+          <p:cNvSpPr txBox="1"/>
+          <p:nvPr/>
+        </p:nvSpPr>
+        <p:spPr>
+          <a:xfrm>
+            <a:off x="231140" y="3836176"/>
+            <a:ext cx="2001520" cy="369332"/>
+          </a:xfrm>
+          <a:prstGeom prst="rect">
+            <a:avLst/>
+          </a:prstGeom>
+          <a:noFill/>
+        </p:spPr>
+        <p:txBody>
+          <a:bodyPr wrap="square" rtlCol="0">
+            <a:spAutoFit/>
+          </a:bodyPr>
+          <a:lstStyle/>
+          <a:p>
+            <a:r>
+              <a:rPr lang="en-US" u="sng" dirty="0" smtClean="0"/>
+              <a:t>Objective function</a:t>
+            </a:r>
+            <a:r>
+              <a:rPr lang="en-US" dirty="0" smtClean="0"/>
+              <a:t>:</a:t>
+            </a:r>
+            <a:endParaRPr lang="en-US" dirty="0"/>
+          </a:p>
+        </p:txBody>
+      </p:sp>
+      <p:pic>
+        <p:nvPicPr>
+          <p:cNvPr id="22" name="Picture 21"/>
+          <p:cNvPicPr>
+            <a:picLocks noChangeAspect="1"/>
+          </p:cNvPicPr>
+          <p:nvPr/>
+        </p:nvPicPr>
+        <p:blipFill>
+          <a:blip r:embed="rId4">
+            <a:extLst>
+              <a:ext uri="{28A0092B-C50C-407E-A947-70E740481C1C}">
+                <a14:useLocalDpi xmlns:a14="http://schemas.microsoft.com/office/drawing/2010/main" val="0"/>
+              </a:ext>
+            </a:extLst>
+          </a:blip>
+          <a:stretch>
+            <a:fillRect/>
+          </a:stretch>
+        </p:blipFill>
+        <p:spPr>
+          <a:xfrm>
+            <a:off x="2232660" y="2843183"/>
+            <a:ext cx="8877300" cy="393700"/>
+          </a:xfrm>
+          <a:prstGeom prst="rect">
+            <a:avLst/>
+          </a:prstGeom>
+        </p:spPr>
+      </p:pic>
+      <p:pic>
+        <p:nvPicPr>
+          <p:cNvPr id="23" name="Picture 22"/>
+          <p:cNvPicPr>
+            <a:picLocks noChangeAspect="1"/>
+          </p:cNvPicPr>
+          <p:nvPr/>
+        </p:nvPicPr>
+        <p:blipFill>
+          <a:blip r:embed="rId5">
+            <a:extLst>
+              <a:ext uri="{28A0092B-C50C-407E-A947-70E740481C1C}">
+                <a14:useLocalDpi xmlns:a14="http://schemas.microsoft.com/office/drawing/2010/main" val="0"/>
+              </a:ext>
+            </a:extLst>
+          </a:blip>
+          <a:stretch>
+            <a:fillRect/>
+          </a:stretch>
+        </p:blipFill>
+        <p:spPr>
+          <a:xfrm>
+            <a:off x="2232660" y="1823107"/>
+            <a:ext cx="8559800" cy="533400"/>
+          </a:xfrm>
+          <a:prstGeom prst="rect">
+            <a:avLst/>
+          </a:prstGeom>
+        </p:spPr>
+      </p:pic>
+    </p:spTree>
+    <p:extLst>
+      <p:ext uri="{BB962C8B-B14F-4D97-AF65-F5344CB8AC3E}">
+        <p14:creationId xmlns:p14="http://schemas.microsoft.com/office/powerpoint/2010/main" val="1382106825"/>
+      </p:ext>
+    </p:extLst>
+  </p:cSld>
+  <p:clrMapOvr>
+    <a:masterClrMapping/>
+  </p:clrMapOvr>
+  <p:timing>
+    <p:tnLst>
+      <p:par>
+        <p:cTn id="1" dur="indefinite" restart="never" nodeType="tmRoot"/>
+      </p:par>
+    </p:tnLst>
+  </p:timing>
+</p:sld>
+</file>
+
+<file path=ppt/slides/slide24.xml><?xml version="1.0" encoding="utf-8"?>
+<p:sld xmlns:a="http://schemas.openxmlformats.org/drawingml/2006/main" xmlns:r="http://schemas.openxmlformats.org/officeDocument/2006/relationships" xmlns:p="http://schemas.openxmlformats.org/presentationml/2006/main">
+  <p:cSld>
+    <p:spTree>
+      <p:nvGrpSpPr>
+        <p:cNvPr id="1" name=""/>
+        <p:cNvGrpSpPr/>
+        <p:nvPr/>
+      </p:nvGrpSpPr>
+      <p:grpSpPr>
+        <a:xfrm>
+          <a:off x="0" y="0"/>
+          <a:ext cx="0" cy="0"/>
+          <a:chOff x="0" y="0"/>
+          <a:chExt cx="0" cy="0"/>
+        </a:xfrm>
+      </p:grpSpPr>
+      <p:sp>
+        <p:nvSpPr>
+          <p:cNvPr id="2" name="Title 1"/>
+          <p:cNvSpPr>
+            <a:spLocks noGrp="1"/>
+          </p:cNvSpPr>
+          <p:nvPr>
+            <p:ph type="title"/>
+          </p:nvPr>
+        </p:nvSpPr>
+        <p:spPr/>
+        <p:txBody>
+          <a:bodyPr/>
+          <a:lstStyle/>
+          <a:p>
+            <a:r>
+              <a:rPr lang="en-US" b="1" dirty="0" smtClean="0"/>
+              <a:t>How</a:t>
+            </a:r>
+            <a:r>
+              <a:rPr lang="en-US" dirty="0" smtClean="0"/>
+              <a:t> to interpolate: how to weight model contributions?</a:t>
+            </a:r>
+            <a:endParaRPr lang="en-US" dirty="0"/>
+          </a:p>
+        </p:txBody>
+      </p:sp>
+      <p:pic>
+        <p:nvPicPr>
+          <p:cNvPr id="6" name="Picture 5"/>
+          <p:cNvPicPr>
+            <a:picLocks noChangeAspect="1"/>
+          </p:cNvPicPr>
+          <p:nvPr/>
+        </p:nvPicPr>
+        <p:blipFill>
+          <a:blip r:embed="rId2">
+            <a:extLst>
+              <a:ext uri="{28A0092B-C50C-407E-A947-70E740481C1C}">
+                <a14:useLocalDpi xmlns:a14="http://schemas.microsoft.com/office/drawing/2010/main" val="0"/>
+              </a:ext>
+            </a:extLst>
+          </a:blip>
+          <a:stretch>
+            <a:fillRect/>
+          </a:stretch>
+        </p:blipFill>
+        <p:spPr>
+          <a:xfrm>
+            <a:off x="2202180" y="3102346"/>
+            <a:ext cx="6515100" cy="2656750"/>
+          </a:xfrm>
+          <a:prstGeom prst="rect">
+            <a:avLst/>
+          </a:prstGeom>
+          <a:ln>
+            <a:solidFill>
+              <a:schemeClr val="tx1"/>
+            </a:solidFill>
+          </a:ln>
+        </p:spPr>
+      </p:pic>
+      <p:pic>
+        <p:nvPicPr>
+          <p:cNvPr id="8" name="Picture 7"/>
+          <p:cNvPicPr>
+            <a:picLocks noChangeAspect="1"/>
+          </p:cNvPicPr>
+          <p:nvPr/>
+        </p:nvPicPr>
+        <p:blipFill>
+          <a:blip r:embed="rId3">
+            <a:extLst>
+              <a:ext uri="{28A0092B-C50C-407E-A947-70E740481C1C}">
+                <a14:useLocalDpi xmlns:a14="http://schemas.microsoft.com/office/drawing/2010/main" val="0"/>
+              </a:ext>
+            </a:extLst>
+          </a:blip>
+          <a:stretch>
+            <a:fillRect/>
+          </a:stretch>
+        </p:blipFill>
+        <p:spPr>
+          <a:xfrm>
+            <a:off x="1430020" y="2199667"/>
+            <a:ext cx="8877300" cy="393700"/>
+          </a:xfrm>
+          <a:prstGeom prst="rect">
+            <a:avLst/>
+          </a:prstGeom>
+        </p:spPr>
+      </p:pic>
+      <p:sp>
+        <p:nvSpPr>
+          <p:cNvPr id="9" name="Rectangle 8"/>
+          <p:cNvSpPr/>
+          <p:nvPr/>
+        </p:nvSpPr>
+        <p:spPr>
+          <a:xfrm>
+            <a:off x="3952240" y="5080000"/>
+            <a:ext cx="3210560" cy="609600"/>
+          </a:xfrm>
+          <a:prstGeom prst="rect">
+            <a:avLst/>
+          </a:prstGeom>
+          <a:noFill/>
+          <a:ln>
+            <a:solidFill>
+              <a:srgbClr val="C00000"/>
+            </a:solidFill>
+          </a:ln>
+        </p:spPr>
+        <p:style>
+          <a:lnRef idx="2">
+            <a:schemeClr val="accent1">
+              <a:shade val="50000"/>
+            </a:schemeClr>
+          </a:lnRef>
+          <a:fillRef idx="1">
+            <a:schemeClr val="accent1"/>
+          </a:fillRef>
+          <a:effectRef idx="0">
+            <a:schemeClr val="accent1"/>
+          </a:effectRef>
+          <a:fontRef idx="minor">
+            <a:schemeClr val="lt1"/>
+          </a:fontRef>
+        </p:style>
+        <p:txBody>
+          <a:bodyPr rtlCol="0" anchor="ctr"/>
+          <a:lstStyle/>
+          <a:p>
+            <a:pPr algn="ctr"/>
+            <a:endParaRPr lang="en-US"/>
+          </a:p>
+        </p:txBody>
+      </p:sp>
+      <p:sp>
+        <p:nvSpPr>
+          <p:cNvPr id="10" name="TextBox 9"/>
+          <p:cNvSpPr txBox="1"/>
+          <p:nvPr/>
+        </p:nvSpPr>
+        <p:spPr>
+          <a:xfrm>
+            <a:off x="2090420" y="5759096"/>
+            <a:ext cx="5143500" cy="307777"/>
+          </a:xfrm>
+          <a:prstGeom prst="rect">
+            <a:avLst/>
+          </a:prstGeom>
+          <a:noFill/>
+        </p:spPr>
+        <p:txBody>
+          <a:bodyPr wrap="square" rtlCol="0">
+            <a:spAutoFit/>
+          </a:bodyPr>
+          <a:lstStyle/>
+          <a:p>
+            <a:r>
+              <a:rPr lang="en-US" sz="1400" dirty="0" err="1" smtClean="0"/>
+              <a:t>Phuc</a:t>
+            </a:r>
+            <a:r>
+              <a:rPr lang="en-US" sz="1400" dirty="0" smtClean="0"/>
+              <a:t> &amp; </a:t>
+            </a:r>
+            <a:r>
+              <a:rPr lang="en-US" sz="1400" dirty="0" err="1" smtClean="0"/>
+              <a:t>Huy</a:t>
+            </a:r>
+            <a:r>
+              <a:rPr lang="en-US" sz="1400" dirty="0" smtClean="0"/>
+              <a:t> 2019 “Gaussian Mixture Model”</a:t>
+            </a:r>
+            <a:endParaRPr lang="en-US" sz="1400" dirty="0"/>
+          </a:p>
+        </p:txBody>
+      </p:sp>
+    </p:spTree>
+    <p:extLst>
+      <p:ext uri="{BB962C8B-B14F-4D97-AF65-F5344CB8AC3E}">
+        <p14:creationId xmlns:p14="http://schemas.microsoft.com/office/powerpoint/2010/main" val="1403493346"/>
+      </p:ext>
+    </p:extLst>
+  </p:cSld>
+  <p:clrMapOvr>
+    <a:masterClrMapping/>
+  </p:clrMapOvr>
+  <p:timing>
+    <p:tnLst>
+      <p:par>
         <p:cTn id="1" dur="indefinite" restart="never" nodeType="tmRoot">
           <p:childTnLst>
             <p:seq concurrent="1" nextAc="seek">
@@ -13136,9 +12010,6 @@
                     <p:cTn id="3" fill="hold">
                       <p:stCondLst>
                         <p:cond delay="indefinite"/>
-                        <p:cond evt="onBegin" delay="0">
-                          <p:tn val="2"/>
-                        </p:cond>
                       </p:stCondLst>
                       <p:childTnLst>
                         <p:par>
@@ -13148,7 +12019,7 @@
                             </p:stCondLst>
                             <p:childTnLst>
                               <p:par>
-                                <p:cTn id="5" presetID="1" presetClass="entr" presetSubtype="0" fill="hold" grpId="0" nodeType="withEffect">
+                                <p:cTn id="5" presetID="1" presetClass="entr" presetSubtype="0" fill="hold" grpId="0" nodeType="clickEffect">
                                   <p:stCondLst>
                                     <p:cond delay="0"/>
                                   </p:stCondLst>
@@ -13156,168 +12027,6 @@
                                     <p:set>
                                       <p:cBhvr>
                                         <p:cTn id="6" dur="1" fill="hold">
-                                          <p:stCondLst>
-                                            <p:cond delay="0"/>
-                                          </p:stCondLst>
-                                        </p:cTn>
-                                        <p:tgtEl>
-                                          <p:spTgt spid="4"/>
-                                        </p:tgtEl>
-                                        <p:attrNameLst>
-                                          <p:attrName>style.visibility</p:attrName>
-                                        </p:attrNameLst>
-                                      </p:cBhvr>
-                                      <p:to>
-                                        <p:strVal val="visible"/>
-                                      </p:to>
-                                    </p:set>
-                                  </p:childTnLst>
-                                </p:cTn>
-                              </p:par>
-                            </p:childTnLst>
-                          </p:cTn>
-                        </p:par>
-                      </p:childTnLst>
-                    </p:cTn>
-                  </p:par>
-                  <p:par>
-                    <p:cTn id="7" fill="hold">
-                      <p:stCondLst>
-                        <p:cond delay="indefinite"/>
-                      </p:stCondLst>
-                      <p:childTnLst>
-                        <p:par>
-                          <p:cTn id="8" fill="hold">
-                            <p:stCondLst>
-                              <p:cond delay="0"/>
-                            </p:stCondLst>
-                            <p:childTnLst>
-                              <p:par>
-                                <p:cTn id="9" presetID="1" presetClass="entr" presetSubtype="0" fill="hold" nodeType="clickEffect">
-                                  <p:stCondLst>
-                                    <p:cond delay="0"/>
-                                  </p:stCondLst>
-                                  <p:childTnLst>
-                                    <p:set>
-                                      <p:cBhvr>
-                                        <p:cTn id="10" dur="1" fill="hold">
-                                          <p:stCondLst>
-                                            <p:cond delay="0"/>
-                                          </p:stCondLst>
-                                        </p:cTn>
-                                        <p:tgtEl>
-                                          <p:spTgt spid="5"/>
-                                        </p:tgtEl>
-                                        <p:attrNameLst>
-                                          <p:attrName>style.visibility</p:attrName>
-                                        </p:attrNameLst>
-                                      </p:cBhvr>
-                                      <p:to>
-                                        <p:strVal val="visible"/>
-                                      </p:to>
-                                    </p:set>
-                                  </p:childTnLst>
-                                </p:cTn>
-                              </p:par>
-                            </p:childTnLst>
-                          </p:cTn>
-                        </p:par>
-                      </p:childTnLst>
-                    </p:cTn>
-                  </p:par>
-                  <p:par>
-                    <p:cTn id="11" fill="hold">
-                      <p:stCondLst>
-                        <p:cond delay="indefinite"/>
-                      </p:stCondLst>
-                      <p:childTnLst>
-                        <p:par>
-                          <p:cTn id="12" fill="hold">
-                            <p:stCondLst>
-                              <p:cond delay="0"/>
-                            </p:stCondLst>
-                            <p:childTnLst>
-                              <p:par>
-                                <p:cTn id="13" presetID="1" presetClass="entr" presetSubtype="0" fill="hold" nodeType="clickEffect">
-                                  <p:stCondLst>
-                                    <p:cond delay="0"/>
-                                  </p:stCondLst>
-                                  <p:childTnLst>
-                                    <p:set>
-                                      <p:cBhvr>
-                                        <p:cTn id="14" dur="1" fill="hold">
-                                          <p:stCondLst>
-                                            <p:cond delay="0"/>
-                                          </p:stCondLst>
-                                        </p:cTn>
-                                        <p:tgtEl>
-                                          <p:spTgt spid="7"/>
-                                        </p:tgtEl>
-                                        <p:attrNameLst>
-                                          <p:attrName>style.visibility</p:attrName>
-                                        </p:attrNameLst>
-                                      </p:cBhvr>
-                                      <p:to>
-                                        <p:strVal val="visible"/>
-                                      </p:to>
-                                    </p:set>
-                                  </p:childTnLst>
-                                </p:cTn>
-                              </p:par>
-                              <p:par>
-                                <p:cTn id="15" presetID="1" presetClass="entr" presetSubtype="0" fill="hold" grpId="0" nodeType="withEffect">
-                                  <p:stCondLst>
-                                    <p:cond delay="0"/>
-                                  </p:stCondLst>
-                                  <p:childTnLst>
-                                    <p:set>
-                                      <p:cBhvr>
-                                        <p:cTn id="16" dur="1" fill="hold">
-                                          <p:stCondLst>
-                                            <p:cond delay="0"/>
-                                          </p:stCondLst>
-                                        </p:cTn>
-                                        <p:tgtEl>
-                                          <p:spTgt spid="8"/>
-                                        </p:tgtEl>
-                                        <p:attrNameLst>
-                                          <p:attrName>style.visibility</p:attrName>
-                                        </p:attrNameLst>
-                                      </p:cBhvr>
-                                      <p:to>
-                                        <p:strVal val="visible"/>
-                                      </p:to>
-                                    </p:set>
-                                  </p:childTnLst>
-                                </p:cTn>
-                              </p:par>
-                            </p:childTnLst>
-                          </p:cTn>
-                        </p:par>
-                      </p:childTnLst>
-                    </p:cTn>
-                  </p:par>
-                  <p:par>
-                    <p:cTn id="17" fill="hold">
-                      <p:stCondLst>
-                        <p:cond delay="indefinite"/>
-                      </p:stCondLst>
-                      <p:childTnLst>
-                        <p:par>
-                          <p:cTn id="18" fill="hold">
-                            <p:stCondLst>
-                              <p:cond delay="0"/>
-                            </p:stCondLst>
-                            <p:childTnLst>
-                              <p:par>
-                                <p:cTn id="19" presetID="1" presetClass="entr" presetSubtype="0" fill="hold" nodeType="clickEffect">
-                                  <p:stCondLst>
-                                    <p:cond delay="0"/>
-                                  </p:stCondLst>
-                                  <p:childTnLst>
-                                    <p:set>
-                                      <p:cBhvr>
-                                        <p:cTn id="20" dur="1" fill="hold">
                                           <p:stCondLst>
                                             <p:cond delay="0"/>
                                           </p:stCondLst>
@@ -13336,39 +12045,21 @@
                                   </p:childTnLst>
                                 </p:cTn>
                               </p:par>
-                            </p:childTnLst>
-                          </p:cTn>
-                        </p:par>
-                      </p:childTnLst>
-                    </p:cTn>
-                  </p:par>
-                  <p:par>
-                    <p:cTn id="21" fill="hold">
-                      <p:stCondLst>
-                        <p:cond delay="indefinite"/>
-                      </p:stCondLst>
-                      <p:childTnLst>
-                        <p:par>
-                          <p:cTn id="22" fill="hold">
-                            <p:stCondLst>
-                              <p:cond delay="0"/>
-                            </p:stCondLst>
-                            <p:childTnLst>
                               <p:par>
-                                <p:cTn id="23" presetID="1" presetClass="entr" presetSubtype="0" fill="hold" nodeType="clickEffect">
+                                <p:cTn id="7" presetID="1" presetClass="entr" presetSubtype="0" fill="hold" grpId="0" nodeType="withEffect">
                                   <p:stCondLst>
                                     <p:cond delay="0"/>
                                   </p:stCondLst>
                                   <p:childTnLst>
                                     <p:set>
                                       <p:cBhvr>
-                                        <p:cTn id="24" dur="1" fill="hold">
+                                        <p:cTn id="8" dur="1" fill="hold">
                                           <p:stCondLst>
                                             <p:cond delay="0"/>
                                           </p:stCondLst>
                                         </p:cTn>
                                         <p:tgtEl>
-                                          <p:spTgt spid="12"/>
+                                          <p:spTgt spid="9"/>
                                         </p:tgtEl>
                                         <p:attrNameLst>
                                           <p:attrName>style.visibility</p:attrName>
@@ -13381,39 +12072,21 @@
                                   </p:childTnLst>
                                 </p:cTn>
                               </p:par>
-                            </p:childTnLst>
-                          </p:cTn>
-                        </p:par>
-                      </p:childTnLst>
-                    </p:cTn>
-                  </p:par>
-                  <p:par>
-                    <p:cTn id="25" fill="hold">
-                      <p:stCondLst>
-                        <p:cond delay="indefinite"/>
-                      </p:stCondLst>
-                      <p:childTnLst>
-                        <p:par>
-                          <p:cTn id="26" fill="hold">
-                            <p:stCondLst>
-                              <p:cond delay="0"/>
-                            </p:stCondLst>
-                            <p:childTnLst>
                               <p:par>
-                                <p:cTn id="27" presetID="1" presetClass="entr" presetSubtype="0" fill="hold" nodeType="clickEffect">
+                                <p:cTn id="9" presetID="1" presetClass="entr" presetSubtype="0" fill="hold" nodeType="withEffect">
                                   <p:stCondLst>
                                     <p:cond delay="0"/>
                                   </p:stCondLst>
                                   <p:childTnLst>
                                     <p:set>
                                       <p:cBhvr>
-                                        <p:cTn id="28" dur="1" fill="hold">
+                                        <p:cTn id="10" dur="1" fill="hold">
                                           <p:stCondLst>
                                             <p:cond delay="0"/>
                                           </p:stCondLst>
                                         </p:cTn>
                                         <p:tgtEl>
-                                          <p:spTgt spid="15"/>
+                                          <p:spTgt spid="6"/>
                                         </p:tgtEl>
                                         <p:attrNameLst>
                                           <p:attrName>style.visibility</p:attrName>
@@ -13454,300 +12127,9 @@
       </p:par>
     </p:tnLst>
     <p:bldLst>
-      <p:bldP spid="4" grpId="0"/>
-      <p:bldP spid="8" grpId="0"/>
+      <p:bldP spid="9" grpId="0" animBg="1"/>
+      <p:bldP spid="10" grpId="0"/>
     </p:bldLst>
-  </p:timing>
-</p:sld>
-</file>
-
-<file path=ppt/slides/slide24.xml><?xml version="1.0" encoding="utf-8"?>
-<p:sld xmlns:a="http://schemas.openxmlformats.org/drawingml/2006/main" xmlns:r="http://schemas.openxmlformats.org/officeDocument/2006/relationships" xmlns:p="http://schemas.openxmlformats.org/presentationml/2006/main">
-  <p:cSld>
-    <p:spTree>
-      <p:nvGrpSpPr>
-        <p:cNvPr id="1" name=""/>
-        <p:cNvGrpSpPr/>
-        <p:nvPr/>
-      </p:nvGrpSpPr>
-      <p:grpSpPr>
-        <a:xfrm>
-          <a:off x="0" y="0"/>
-          <a:ext cx="0" cy="0"/>
-          <a:chOff x="0" y="0"/>
-          <a:chExt cx="0" cy="0"/>
-        </a:xfrm>
-      </p:grpSpPr>
-      <p:sp>
-        <p:nvSpPr>
-          <p:cNvPr id="2" name="Title 1"/>
-          <p:cNvSpPr>
-            <a:spLocks noGrp="1"/>
-          </p:cNvSpPr>
-          <p:nvPr>
-            <p:ph type="title"/>
-          </p:nvPr>
-        </p:nvSpPr>
-        <p:spPr>
-          <a:xfrm>
-            <a:off x="838200" y="365125"/>
-            <a:ext cx="10906760" cy="1325563"/>
-          </a:xfrm>
-        </p:spPr>
-        <p:txBody>
-          <a:bodyPr/>
-          <a:lstStyle/>
-          <a:p>
-            <a:r>
-              <a:rPr lang="en-US" b="1" dirty="0" smtClean="0"/>
-              <a:t>How</a:t>
-            </a:r>
-            <a:r>
-              <a:rPr lang="en-US" dirty="0" smtClean="0"/>
-              <a:t> to interpolate: how to weight model contributions?</a:t>
-            </a:r>
-            <a:endParaRPr lang="en-US" dirty="0"/>
-          </a:p>
-        </p:txBody>
-      </p:sp>
-      <p:pic>
-        <p:nvPicPr>
-          <p:cNvPr id="14" name="Picture 13"/>
-          <p:cNvPicPr>
-            <a:picLocks noChangeAspect="1"/>
-          </p:cNvPicPr>
-          <p:nvPr/>
-        </p:nvPicPr>
-        <p:blipFill>
-          <a:blip r:embed="rId2">
-            <a:extLst>
-              <a:ext uri="{28A0092B-C50C-407E-A947-70E740481C1C}">
-                <a14:useLocalDpi xmlns:a14="http://schemas.microsoft.com/office/drawing/2010/main" val="0"/>
-              </a:ext>
-            </a:extLst>
-          </a:blip>
-          <a:stretch>
-            <a:fillRect/>
-          </a:stretch>
-        </p:blipFill>
-        <p:spPr>
-          <a:xfrm>
-            <a:off x="2232660" y="4623952"/>
-            <a:ext cx="2743200" cy="279400"/>
-          </a:xfrm>
-          <a:prstGeom prst="rect">
-            <a:avLst/>
-          </a:prstGeom>
-        </p:spPr>
-      </p:pic>
-      <p:pic>
-        <p:nvPicPr>
-          <p:cNvPr id="16" name="Picture 15"/>
-          <p:cNvPicPr>
-            <a:picLocks noChangeAspect="1"/>
-          </p:cNvPicPr>
-          <p:nvPr/>
-        </p:nvPicPr>
-        <p:blipFill>
-          <a:blip r:embed="rId3">
-            <a:extLst>
-              <a:ext uri="{28A0092B-C50C-407E-A947-70E740481C1C}">
-                <a14:useLocalDpi xmlns:a14="http://schemas.microsoft.com/office/drawing/2010/main" val="0"/>
-              </a:ext>
-            </a:extLst>
-          </a:blip>
-          <a:stretch>
-            <a:fillRect/>
-          </a:stretch>
-        </p:blipFill>
-        <p:spPr>
-          <a:xfrm>
-            <a:off x="2232660" y="3703757"/>
-            <a:ext cx="8991600" cy="647700"/>
-          </a:xfrm>
-          <a:prstGeom prst="rect">
-            <a:avLst/>
-          </a:prstGeom>
-        </p:spPr>
-      </p:pic>
-      <p:sp>
-        <p:nvSpPr>
-          <p:cNvPr id="19" name="TextBox 18"/>
-          <p:cNvSpPr txBox="1"/>
-          <p:nvPr/>
-        </p:nvSpPr>
-        <p:spPr>
-          <a:xfrm>
-            <a:off x="231140" y="1924943"/>
-            <a:ext cx="2001520" cy="369332"/>
-          </a:xfrm>
-          <a:prstGeom prst="rect">
-            <a:avLst/>
-          </a:prstGeom>
-          <a:noFill/>
-        </p:spPr>
-        <p:txBody>
-          <a:bodyPr wrap="square" rtlCol="0">
-            <a:spAutoFit/>
-          </a:bodyPr>
-          <a:lstStyle/>
-          <a:p>
-            <a:r>
-              <a:rPr lang="en-US" u="sng" dirty="0" smtClean="0"/>
-              <a:t>Average weighting</a:t>
-            </a:r>
-            <a:r>
-              <a:rPr lang="en-US" dirty="0" smtClean="0"/>
-              <a:t>:</a:t>
-            </a:r>
-            <a:endParaRPr lang="en-US" dirty="0"/>
-          </a:p>
-        </p:txBody>
-      </p:sp>
-      <p:sp>
-        <p:nvSpPr>
-          <p:cNvPr id="20" name="TextBox 19"/>
-          <p:cNvSpPr txBox="1"/>
-          <p:nvPr/>
-        </p:nvSpPr>
-        <p:spPr>
-          <a:xfrm>
-            <a:off x="231140" y="2881591"/>
-            <a:ext cx="2001520" cy="369332"/>
-          </a:xfrm>
-          <a:prstGeom prst="rect">
-            <a:avLst/>
-          </a:prstGeom>
-          <a:noFill/>
-        </p:spPr>
-        <p:txBody>
-          <a:bodyPr wrap="square" rtlCol="0">
-            <a:spAutoFit/>
-          </a:bodyPr>
-          <a:lstStyle/>
-          <a:p>
-            <a:r>
-              <a:rPr lang="en-US" u="sng" smtClean="0"/>
-              <a:t>Custom weighting</a:t>
-            </a:r>
-            <a:r>
-              <a:rPr lang="en-US" dirty="0" smtClean="0"/>
-              <a:t>:</a:t>
-            </a:r>
-            <a:endParaRPr lang="en-US" dirty="0"/>
-          </a:p>
-        </p:txBody>
-      </p:sp>
-      <p:sp>
-        <p:nvSpPr>
-          <p:cNvPr id="21" name="TextBox 20"/>
-          <p:cNvSpPr txBox="1"/>
-          <p:nvPr/>
-        </p:nvSpPr>
-        <p:spPr>
-          <a:xfrm>
-            <a:off x="231140" y="3836176"/>
-            <a:ext cx="2001520" cy="369332"/>
-          </a:xfrm>
-          <a:prstGeom prst="rect">
-            <a:avLst/>
-          </a:prstGeom>
-          <a:noFill/>
-        </p:spPr>
-        <p:txBody>
-          <a:bodyPr wrap="square" rtlCol="0">
-            <a:spAutoFit/>
-          </a:bodyPr>
-          <a:lstStyle/>
-          <a:p>
-            <a:r>
-              <a:rPr lang="en-US" u="sng" dirty="0" smtClean="0"/>
-              <a:t>Objective function</a:t>
-            </a:r>
-            <a:r>
-              <a:rPr lang="en-US" dirty="0" smtClean="0"/>
-              <a:t>:</a:t>
-            </a:r>
-            <a:endParaRPr lang="en-US" dirty="0"/>
-          </a:p>
-        </p:txBody>
-      </p:sp>
-      <p:pic>
-        <p:nvPicPr>
-          <p:cNvPr id="22" name="Picture 21"/>
-          <p:cNvPicPr>
-            <a:picLocks noChangeAspect="1"/>
-          </p:cNvPicPr>
-          <p:nvPr/>
-        </p:nvPicPr>
-        <p:blipFill>
-          <a:blip r:embed="rId4">
-            <a:extLst>
-              <a:ext uri="{28A0092B-C50C-407E-A947-70E740481C1C}">
-                <a14:useLocalDpi xmlns:a14="http://schemas.microsoft.com/office/drawing/2010/main" val="0"/>
-              </a:ext>
-            </a:extLst>
-          </a:blip>
-          <a:stretch>
-            <a:fillRect/>
-          </a:stretch>
-        </p:blipFill>
-        <p:spPr>
-          <a:xfrm>
-            <a:off x="2232660" y="2843183"/>
-            <a:ext cx="8877300" cy="393700"/>
-          </a:xfrm>
-          <a:prstGeom prst="rect">
-            <a:avLst/>
-          </a:prstGeom>
-        </p:spPr>
-      </p:pic>
-      <p:pic>
-        <p:nvPicPr>
-          <p:cNvPr id="23" name="Picture 22"/>
-          <p:cNvPicPr>
-            <a:picLocks noChangeAspect="1"/>
-          </p:cNvPicPr>
-          <p:nvPr/>
-        </p:nvPicPr>
-        <p:blipFill>
-          <a:blip r:embed="rId5">
-            <a:extLst>
-              <a:ext uri="{28A0092B-C50C-407E-A947-70E740481C1C}">
-                <a14:useLocalDpi xmlns:a14="http://schemas.microsoft.com/office/drawing/2010/main" val="0"/>
-              </a:ext>
-            </a:extLst>
-          </a:blip>
-          <a:stretch>
-            <a:fillRect/>
-          </a:stretch>
-        </p:blipFill>
-        <p:spPr>
-          <a:xfrm>
-            <a:off x="2232660" y="1823107"/>
-            <a:ext cx="8559800" cy="533400"/>
-          </a:xfrm>
-          <a:prstGeom prst="rect">
-            <a:avLst/>
-          </a:prstGeom>
-        </p:spPr>
-      </p:pic>
-    </p:spTree>
-    <p:extLst>
-      <p:ext uri="{BB962C8B-B14F-4D97-AF65-F5344CB8AC3E}">
-        <p14:creationId xmlns:p14="http://schemas.microsoft.com/office/powerpoint/2010/main" val="1382106825"/>
-      </p:ext>
-    </p:extLst>
-  </p:cSld>
-  <p:clrMapOvr>
-    <a:masterClrMapping/>
-  </p:clrMapOvr>
-  <p:timing>
-    <p:tnLst>
-      <p:par>
-        <p:cTn id="1" dur="indefinite" restart="never" nodeType="tmRoot"/>
-      </p:par>
-    </p:tnLst>
   </p:timing>
 </p:sld>
 </file>
@@ -13785,12 +12167,8 @@
           <a:lstStyle/>
           <a:p>
             <a:r>
-              <a:rPr lang="en-US" b="1" dirty="0" smtClean="0"/>
-              <a:t>How</a:t>
-            </a:r>
-            <a:r>
               <a:rPr lang="en-US" dirty="0" smtClean="0"/>
-              <a:t> to interpolate: how to weight model contributions?</a:t>
+              <a:t>How to maximize objective function?</a:t>
             </a:r>
             <a:endParaRPr lang="en-US" dirty="0"/>
           </a:p>
@@ -13798,7 +12176,7 @@
       </p:sp>
       <p:pic>
         <p:nvPicPr>
-          <p:cNvPr id="6" name="Picture 5"/>
+          <p:cNvPr id="7" name="Picture 6"/>
           <p:cNvPicPr>
             <a:picLocks noChangeAspect="1"/>
           </p:cNvPicPr>
@@ -13818,22 +12196,17 @@
         </p:blipFill>
         <p:spPr>
           <a:xfrm>
-            <a:off x="2202180" y="3102346"/>
-            <a:ext cx="6515100" cy="2656750"/>
+            <a:off x="2839720" y="2146957"/>
+            <a:ext cx="2743200" cy="279400"/>
           </a:xfrm>
           <a:prstGeom prst="rect">
             <a:avLst/>
           </a:prstGeom>
-          <a:ln>
-            <a:solidFill>
-              <a:schemeClr val="tx1"/>
-            </a:solidFill>
-          </a:ln>
         </p:spPr>
       </p:pic>
       <p:pic>
         <p:nvPicPr>
-          <p:cNvPr id="8" name="Picture 7"/>
+          <p:cNvPr id="11" name="Picture 10"/>
           <p:cNvPicPr>
             <a:picLocks noChangeAspect="1"/>
           </p:cNvPicPr>
@@ -13853,8 +12226,8 @@
         </p:blipFill>
         <p:spPr>
           <a:xfrm>
-            <a:off x="1430020" y="2199667"/>
-            <a:ext cx="8877300" cy="393700"/>
+            <a:off x="2839720" y="1366838"/>
+            <a:ext cx="8991600" cy="647700"/>
           </a:xfrm>
           <a:prstGeom prst="rect">
             <a:avLst/>
@@ -13863,60 +12236,48 @@
       </p:pic>
       <p:sp>
         <p:nvSpPr>
-          <p:cNvPr id="9" name="Rectangle 8"/>
-          <p:cNvSpPr/>
+          <p:cNvPr id="12" name="TextBox 11"/>
+          <p:cNvSpPr txBox="1"/>
           <p:nvPr/>
         </p:nvSpPr>
         <p:spPr>
           <a:xfrm>
-            <a:off x="3952240" y="5080000"/>
-            <a:ext cx="3210560" cy="609600"/>
+            <a:off x="838200" y="1499257"/>
+            <a:ext cx="2001520" cy="369332"/>
           </a:xfrm>
           <a:prstGeom prst="rect">
             <a:avLst/>
           </a:prstGeom>
           <a:noFill/>
-          <a:ln>
-            <a:solidFill>
-              <a:srgbClr val="C00000"/>
-            </a:solidFill>
-          </a:ln>
-        </p:spPr>
-        <p:style>
-          <a:lnRef idx="2">
-            <a:schemeClr val="accent1">
-              <a:shade val="50000"/>
-            </a:schemeClr>
-          </a:lnRef>
-          <a:fillRef idx="1">
-            <a:schemeClr val="accent1"/>
-          </a:fillRef>
-          <a:effectRef idx="0">
-            <a:schemeClr val="accent1"/>
-          </a:effectRef>
-          <a:fontRef idx="minor">
-            <a:schemeClr val="lt1"/>
-          </a:fontRef>
-        </p:style>
-        <p:txBody>
-          <a:bodyPr rtlCol="0" anchor="ctr"/>
+        </p:spPr>
+        <p:txBody>
+          <a:bodyPr wrap="square" rtlCol="0">
+            <a:spAutoFit/>
+          </a:bodyPr>
           <a:lstStyle/>
           <a:p>
-            <a:pPr algn="ctr"/>
-            <a:endParaRPr lang="en-US"/>
-          </a:p>
-        </p:txBody>
-      </p:sp>
-      <p:sp>
-        <p:nvSpPr>
-          <p:cNvPr id="10" name="TextBox 9"/>
+            <a:r>
+              <a:rPr lang="en-US" u="sng" dirty="0" smtClean="0"/>
+              <a:t>Objective function</a:t>
+            </a:r>
+            <a:r>
+              <a:rPr lang="en-US" dirty="0" smtClean="0"/>
+              <a:t>:</a:t>
+            </a:r>
+            <a:endParaRPr lang="en-US" dirty="0"/>
+          </a:p>
+        </p:txBody>
+      </p:sp>
+      <p:sp>
+        <p:nvSpPr>
+          <p:cNvPr id="13" name="TextBox 12"/>
           <p:cNvSpPr txBox="1"/>
           <p:nvPr/>
         </p:nvSpPr>
         <p:spPr>
           <a:xfrm>
-            <a:off x="2090420" y="5759096"/>
-            <a:ext cx="5143500" cy="307777"/>
+            <a:off x="838200" y="2633389"/>
+            <a:ext cx="4191000" cy="923330"/>
           </a:xfrm>
           <a:prstGeom prst="rect">
             <a:avLst/>
@@ -13930,20 +12291,91 @@
           <a:lstStyle/>
           <a:p>
             <a:r>
-              <a:rPr lang="en-US" sz="1400" dirty="0" err="1" smtClean="0"/>
-              <a:t>Phuc</a:t>
-            </a:r>
+              <a:rPr lang="en-US" u="sng" dirty="0" smtClean="0"/>
+              <a:t>Approaches:</a:t>
+            </a:r>
+          </a:p>
+          <a:p>
+            <a:pPr marL="342900" indent="-342900">
+              <a:buAutoNum type="arabicPeriod"/>
+            </a:pPr>
+            <a:r>
+              <a:rPr lang="en-US" dirty="0" smtClean="0"/>
+              <a:t>Gradient descent</a:t>
+            </a:r>
+          </a:p>
+          <a:p>
+            <a:pPr marL="342900" indent="-342900">
+              <a:buAutoNum type="arabicPeriod"/>
+            </a:pPr>
+            <a:r>
+              <a:rPr lang="en-US" dirty="0" smtClean="0"/>
+              <a:t> </a:t>
+            </a:r>
+            <a:endParaRPr lang="en-US" dirty="0"/>
+          </a:p>
+        </p:txBody>
+      </p:sp>
+      <p:pic>
+        <p:nvPicPr>
+          <p:cNvPr id="3" name="Picture 2"/>
+          <p:cNvPicPr>
+            <a:picLocks noChangeAspect="1"/>
+          </p:cNvPicPr>
+          <p:nvPr/>
+        </p:nvPicPr>
+        <p:blipFill>
+          <a:blip r:embed="rId4">
+            <a:extLst>
+              <a:ext uri="{28A0092B-C50C-407E-A947-70E740481C1C}">
+                <a14:useLocalDpi xmlns:a14="http://schemas.microsoft.com/office/drawing/2010/main" val="0"/>
+              </a:ext>
+            </a:extLst>
+          </a:blip>
+          <a:stretch>
+            <a:fillRect/>
+          </a:stretch>
+        </p:blipFill>
+        <p:spPr>
+          <a:xfrm>
+            <a:off x="1257300" y="3333199"/>
+            <a:ext cx="4218940" cy="3065666"/>
+          </a:xfrm>
+          <a:prstGeom prst="rect">
+            <a:avLst/>
+          </a:prstGeom>
+          <a:ln>
+            <a:solidFill>
+              <a:schemeClr val="tx1"/>
+            </a:solidFill>
+          </a:ln>
+        </p:spPr>
+      </p:pic>
+      <p:sp>
+        <p:nvSpPr>
+          <p:cNvPr id="14" name="TextBox 13"/>
+          <p:cNvSpPr txBox="1"/>
+          <p:nvPr/>
+        </p:nvSpPr>
+        <p:spPr>
+          <a:xfrm>
+            <a:off x="1257300" y="6398865"/>
+            <a:ext cx="3924300" cy="307777"/>
+          </a:xfrm>
+          <a:prstGeom prst="rect">
+            <a:avLst/>
+          </a:prstGeom>
+          <a:noFill/>
+        </p:spPr>
+        <p:txBody>
+          <a:bodyPr wrap="square" rtlCol="0">
+            <a:spAutoFit/>
+          </a:bodyPr>
+          <a:lstStyle/>
+          <a:p>
             <a:r>
               <a:rPr lang="en-US" sz="1400" dirty="0" smtClean="0"/>
-              <a:t> &amp; </a:t>
-            </a:r>
-            <a:r>
-              <a:rPr lang="en-US" sz="1400" dirty="0" err="1" smtClean="0"/>
-              <a:t>Huy</a:t>
-            </a:r>
-            <a:r>
-              <a:rPr lang="en-US" sz="1400" dirty="0" smtClean="0"/>
-              <a:t> 2019 “Gaussian Mixture Model”</a:t>
+              <a:t>Mai 2019 “Expectation Maximization”</a:t>
             </a:r>
             <a:endParaRPr lang="en-US" sz="1400" dirty="0"/>
           </a:p>
@@ -13952,7 +12384,7 @@
     </p:spTree>
     <p:extLst>
       <p:ext uri="{BB962C8B-B14F-4D97-AF65-F5344CB8AC3E}">
-        <p14:creationId xmlns:p14="http://schemas.microsoft.com/office/powerpoint/2010/main" val="1403493346"/>
+        <p14:creationId xmlns:p14="http://schemas.microsoft.com/office/powerpoint/2010/main" val="1169922288"/>
       </p:ext>
     </p:extLst>
   </p:cSld>
@@ -13962,9 +12394,107 @@
   <p:timing>
     <p:tnLst>
       <p:par>
-        <p:cTn id="1" dur="indefinite" restart="never" nodeType="tmRoot"/>
+        <p:cTn id="1" dur="indefinite" restart="never" nodeType="tmRoot">
+          <p:childTnLst>
+            <p:seq concurrent="1" nextAc="seek">
+              <p:cTn id="2" dur="indefinite" nodeType="mainSeq">
+                <p:childTnLst>
+                  <p:par>
+                    <p:cTn id="3" fill="hold">
+                      <p:stCondLst>
+                        <p:cond delay="indefinite"/>
+                      </p:stCondLst>
+                      <p:childTnLst>
+                        <p:par>
+                          <p:cTn id="4" fill="hold">
+                            <p:stCondLst>
+                              <p:cond delay="0"/>
+                            </p:stCondLst>
+                            <p:childTnLst>
+                              <p:par>
+                                <p:cTn id="5" presetID="1" presetClass="entr" presetSubtype="0" fill="hold" nodeType="clickEffect">
+                                  <p:stCondLst>
+                                    <p:cond delay="0"/>
+                                  </p:stCondLst>
+                                  <p:childTnLst>
+                                    <p:set>
+                                      <p:cBhvr>
+                                        <p:cTn id="6" dur="1" fill="hold">
+                                          <p:stCondLst>
+                                            <p:cond delay="0"/>
+                                          </p:stCondLst>
+                                        </p:cTn>
+                                        <p:tgtEl>
+                                          <p:spTgt spid="3"/>
+                                        </p:tgtEl>
+                                        <p:attrNameLst>
+                                          <p:attrName>style.visibility</p:attrName>
+                                        </p:attrNameLst>
+                                      </p:cBhvr>
+                                      <p:to>
+                                        <p:strVal val="visible"/>
+                                      </p:to>
+                                    </p:set>
+                                  </p:childTnLst>
+                                </p:cTn>
+                              </p:par>
+                              <p:par>
+                                <p:cTn id="7" presetID="1" presetClass="entr" presetSubtype="0" fill="hold" grpId="0" nodeType="withEffect">
+                                  <p:stCondLst>
+                                    <p:cond delay="0"/>
+                                  </p:stCondLst>
+                                  <p:childTnLst>
+                                    <p:set>
+                                      <p:cBhvr>
+                                        <p:cTn id="8" dur="1" fill="hold">
+                                          <p:stCondLst>
+                                            <p:cond delay="0"/>
+                                          </p:stCondLst>
+                                        </p:cTn>
+                                        <p:tgtEl>
+                                          <p:spTgt spid="14"/>
+                                        </p:tgtEl>
+                                        <p:attrNameLst>
+                                          <p:attrName>style.visibility</p:attrName>
+                                        </p:attrNameLst>
+                                      </p:cBhvr>
+                                      <p:to>
+                                        <p:strVal val="visible"/>
+                                      </p:to>
+                                    </p:set>
+                                  </p:childTnLst>
+                                </p:cTn>
+                              </p:par>
+                            </p:childTnLst>
+                          </p:cTn>
+                        </p:par>
+                      </p:childTnLst>
+                    </p:cTn>
+                  </p:par>
+                </p:childTnLst>
+              </p:cTn>
+              <p:prevCondLst>
+                <p:cond evt="onPrev" delay="0">
+                  <p:tgtEl>
+                    <p:sldTgt/>
+                  </p:tgtEl>
+                </p:cond>
+              </p:prevCondLst>
+              <p:nextCondLst>
+                <p:cond evt="onNext" delay="0">
+                  <p:tgtEl>
+                    <p:sldTgt/>
+                  </p:tgtEl>
+                </p:cond>
+              </p:nextCondLst>
+            </p:seq>
+          </p:childTnLst>
+        </p:cTn>
       </p:par>
     </p:tnLst>
+    <p:bldLst>
+      <p:bldP spid="14" grpId="0"/>
+    </p:bldLst>
   </p:timing>
 </p:sld>
 </file>
@@ -14003,7 +12533,7 @@
           <a:p>
             <a:r>
               <a:rPr lang="en-US" dirty="0" smtClean="0"/>
-              <a:t>How to maximize objective function?</a:t>
+              <a:t>How does EM work?</a:t>
             </a:r>
             <a:endParaRPr lang="en-US" dirty="0"/>
           </a:p>
@@ -14011,7 +12541,7 @@
       </p:sp>
       <p:pic>
         <p:nvPicPr>
-          <p:cNvPr id="7" name="Picture 6"/>
+          <p:cNvPr id="3" name="Picture 2"/>
           <p:cNvPicPr>
             <a:picLocks noChangeAspect="1"/>
           </p:cNvPicPr>
@@ -14031,8 +12561,8 @@
         </p:blipFill>
         <p:spPr>
           <a:xfrm>
-            <a:off x="2839720" y="2146957"/>
-            <a:ext cx="2743200" cy="279400"/>
+            <a:off x="838200" y="1814879"/>
+            <a:ext cx="5029200" cy="4279900"/>
           </a:xfrm>
           <a:prstGeom prst="rect">
             <a:avLst/>
@@ -14041,7 +12571,7 @@
       </p:pic>
       <p:pic>
         <p:nvPicPr>
-          <p:cNvPr id="11" name="Picture 10"/>
+          <p:cNvPr id="4" name="Picture 3"/>
           <p:cNvPicPr>
             <a:picLocks noChangeAspect="1"/>
           </p:cNvPicPr>
@@ -14061,99 +12591,17 @@
         </p:blipFill>
         <p:spPr>
           <a:xfrm>
-            <a:off x="2839720" y="1366838"/>
-            <a:ext cx="8991600" cy="647700"/>
+            <a:off x="6388100" y="2169160"/>
+            <a:ext cx="3683000" cy="698500"/>
           </a:xfrm>
           <a:prstGeom prst="rect">
             <a:avLst/>
           </a:prstGeom>
         </p:spPr>
       </p:pic>
-      <p:sp>
-        <p:nvSpPr>
-          <p:cNvPr id="12" name="TextBox 11"/>
-          <p:cNvSpPr txBox="1"/>
-          <p:nvPr/>
-        </p:nvSpPr>
-        <p:spPr>
-          <a:xfrm>
-            <a:off x="838200" y="1499257"/>
-            <a:ext cx="2001520" cy="369332"/>
-          </a:xfrm>
-          <a:prstGeom prst="rect">
-            <a:avLst/>
-          </a:prstGeom>
-          <a:noFill/>
-        </p:spPr>
-        <p:txBody>
-          <a:bodyPr wrap="square" rtlCol="0">
-            <a:spAutoFit/>
-          </a:bodyPr>
-          <a:lstStyle/>
-          <a:p>
-            <a:r>
-              <a:rPr lang="en-US" u="sng" dirty="0" smtClean="0"/>
-              <a:t>Objective function</a:t>
-            </a:r>
-            <a:r>
-              <a:rPr lang="en-US" dirty="0" smtClean="0"/>
-              <a:t>:</a:t>
-            </a:r>
-            <a:endParaRPr lang="en-US" dirty="0"/>
-          </a:p>
-        </p:txBody>
-      </p:sp>
-      <p:sp>
-        <p:nvSpPr>
-          <p:cNvPr id="13" name="TextBox 12"/>
-          <p:cNvSpPr txBox="1"/>
-          <p:nvPr/>
-        </p:nvSpPr>
-        <p:spPr>
-          <a:xfrm>
-            <a:off x="838200" y="2633389"/>
-            <a:ext cx="4191000" cy="923330"/>
-          </a:xfrm>
-          <a:prstGeom prst="rect">
-            <a:avLst/>
-          </a:prstGeom>
-          <a:noFill/>
-        </p:spPr>
-        <p:txBody>
-          <a:bodyPr wrap="square" rtlCol="0">
-            <a:spAutoFit/>
-          </a:bodyPr>
-          <a:lstStyle/>
-          <a:p>
-            <a:r>
-              <a:rPr lang="en-US" u="sng" dirty="0" smtClean="0"/>
-              <a:t>Approaches:</a:t>
-            </a:r>
-          </a:p>
-          <a:p>
-            <a:pPr marL="342900" indent="-342900">
-              <a:buAutoNum type="arabicPeriod"/>
-            </a:pPr>
-            <a:r>
-              <a:rPr lang="en-US" dirty="0" smtClean="0"/>
-              <a:t>Gradient descent</a:t>
-            </a:r>
-          </a:p>
-          <a:p>
-            <a:pPr marL="342900" indent="-342900">
-              <a:buAutoNum type="arabicPeriod"/>
-            </a:pPr>
-            <a:r>
-              <a:rPr lang="en-US" dirty="0" smtClean="0"/>
-              <a:t> </a:t>
-            </a:r>
-            <a:endParaRPr lang="en-US" dirty="0"/>
-          </a:p>
-        </p:txBody>
-      </p:sp>
       <p:pic>
         <p:nvPicPr>
-          <p:cNvPr id="3" name="Picture 2"/>
+          <p:cNvPr id="5" name="Picture 4"/>
           <p:cNvPicPr>
             <a:picLocks noChangeAspect="1"/>
           </p:cNvPicPr>
@@ -14173,53 +12621,18 @@
         </p:blipFill>
         <p:spPr>
           <a:xfrm>
-            <a:off x="1257300" y="3333199"/>
-            <a:ext cx="4218940" cy="3065666"/>
+            <a:off x="6388100" y="3015932"/>
+            <a:ext cx="1066800" cy="330200"/>
           </a:xfrm>
           <a:prstGeom prst="rect">
             <a:avLst/>
           </a:prstGeom>
-          <a:ln>
-            <a:solidFill>
-              <a:schemeClr val="tx1"/>
-            </a:solidFill>
-          </a:ln>
         </p:spPr>
       </p:pic>
-      <p:sp>
-        <p:nvSpPr>
-          <p:cNvPr id="14" name="TextBox 13"/>
-          <p:cNvSpPr txBox="1"/>
-          <p:nvPr/>
-        </p:nvSpPr>
-        <p:spPr>
-          <a:xfrm>
-            <a:off x="1257300" y="6398865"/>
-            <a:ext cx="3924300" cy="307777"/>
-          </a:xfrm>
-          <a:prstGeom prst="rect">
-            <a:avLst/>
-          </a:prstGeom>
-          <a:noFill/>
-        </p:spPr>
-        <p:txBody>
-          <a:bodyPr wrap="square" rtlCol="0">
-            <a:spAutoFit/>
-          </a:bodyPr>
-          <a:lstStyle/>
-          <a:p>
-            <a:r>
-              <a:rPr lang="en-US" sz="1400" dirty="0" smtClean="0"/>
-              <a:t>Mai 2019 “Expectation Maximization”</a:t>
-            </a:r>
-            <a:endParaRPr lang="en-US" sz="1400" dirty="0"/>
-          </a:p>
-        </p:txBody>
-      </p:sp>
     </p:spTree>
     <p:extLst>
       <p:ext uri="{BB962C8B-B14F-4D97-AF65-F5344CB8AC3E}">
-        <p14:creationId xmlns:p14="http://schemas.microsoft.com/office/powerpoint/2010/main" val="1169922288"/>
+        <p14:creationId xmlns:p14="http://schemas.microsoft.com/office/powerpoint/2010/main" val="2063897067"/>
       </p:ext>
     </p:extLst>
   </p:cSld>
@@ -14263,156 +12676,6 @@
             <p:ph type="title"/>
           </p:nvPr>
         </p:nvSpPr>
-        <p:spPr/>
-        <p:txBody>
-          <a:bodyPr/>
-          <a:lstStyle/>
-          <a:p>
-            <a:r>
-              <a:rPr lang="en-US" dirty="0" smtClean="0"/>
-              <a:t>How does EM work?</a:t>
-            </a:r>
-            <a:endParaRPr lang="en-US" dirty="0"/>
-          </a:p>
-        </p:txBody>
-      </p:sp>
-      <p:pic>
-        <p:nvPicPr>
-          <p:cNvPr id="3" name="Picture 2"/>
-          <p:cNvPicPr>
-            <a:picLocks noChangeAspect="1"/>
-          </p:cNvPicPr>
-          <p:nvPr/>
-        </p:nvPicPr>
-        <p:blipFill>
-          <a:blip r:embed="rId2">
-            <a:extLst>
-              <a:ext uri="{28A0092B-C50C-407E-A947-70E740481C1C}">
-                <a14:useLocalDpi xmlns:a14="http://schemas.microsoft.com/office/drawing/2010/main" val="0"/>
-              </a:ext>
-            </a:extLst>
-          </a:blip>
-          <a:stretch>
-            <a:fillRect/>
-          </a:stretch>
-        </p:blipFill>
-        <p:spPr>
-          <a:xfrm>
-            <a:off x="838200" y="1814879"/>
-            <a:ext cx="5029200" cy="4279900"/>
-          </a:xfrm>
-          <a:prstGeom prst="rect">
-            <a:avLst/>
-          </a:prstGeom>
-        </p:spPr>
-      </p:pic>
-      <p:pic>
-        <p:nvPicPr>
-          <p:cNvPr id="4" name="Picture 3"/>
-          <p:cNvPicPr>
-            <a:picLocks noChangeAspect="1"/>
-          </p:cNvPicPr>
-          <p:nvPr/>
-        </p:nvPicPr>
-        <p:blipFill>
-          <a:blip r:embed="rId3">
-            <a:extLst>
-              <a:ext uri="{28A0092B-C50C-407E-A947-70E740481C1C}">
-                <a14:useLocalDpi xmlns:a14="http://schemas.microsoft.com/office/drawing/2010/main" val="0"/>
-              </a:ext>
-            </a:extLst>
-          </a:blip>
-          <a:stretch>
-            <a:fillRect/>
-          </a:stretch>
-        </p:blipFill>
-        <p:spPr>
-          <a:xfrm>
-            <a:off x="6388100" y="2169160"/>
-            <a:ext cx="3683000" cy="698500"/>
-          </a:xfrm>
-          <a:prstGeom prst="rect">
-            <a:avLst/>
-          </a:prstGeom>
-        </p:spPr>
-      </p:pic>
-      <p:pic>
-        <p:nvPicPr>
-          <p:cNvPr id="5" name="Picture 4"/>
-          <p:cNvPicPr>
-            <a:picLocks noChangeAspect="1"/>
-          </p:cNvPicPr>
-          <p:nvPr/>
-        </p:nvPicPr>
-        <p:blipFill>
-          <a:blip r:embed="rId4">
-            <a:extLst>
-              <a:ext uri="{28A0092B-C50C-407E-A947-70E740481C1C}">
-                <a14:useLocalDpi xmlns:a14="http://schemas.microsoft.com/office/drawing/2010/main" val="0"/>
-              </a:ext>
-            </a:extLst>
-          </a:blip>
-          <a:stretch>
-            <a:fillRect/>
-          </a:stretch>
-        </p:blipFill>
-        <p:spPr>
-          <a:xfrm>
-            <a:off x="6388100" y="3015932"/>
-            <a:ext cx="1066800" cy="330200"/>
-          </a:xfrm>
-          <a:prstGeom prst="rect">
-            <a:avLst/>
-          </a:prstGeom>
-        </p:spPr>
-      </p:pic>
-    </p:spTree>
-    <p:extLst>
-      <p:ext uri="{BB962C8B-B14F-4D97-AF65-F5344CB8AC3E}">
-        <p14:creationId xmlns:p14="http://schemas.microsoft.com/office/powerpoint/2010/main" val="2063897067"/>
-      </p:ext>
-    </p:extLst>
-  </p:cSld>
-  <p:clrMapOvr>
-    <a:masterClrMapping/>
-  </p:clrMapOvr>
-  <p:timing>
-    <p:tnLst>
-      <p:par>
-        <p:cTn id="1" dur="indefinite" restart="never" nodeType="tmRoot"/>
-      </p:par>
-    </p:tnLst>
-  </p:timing>
-</p:sld>
-</file>
-
-<file path=ppt/slides/slide28.xml><?xml version="1.0" encoding="utf-8"?>
-<p:sld xmlns:a="http://schemas.openxmlformats.org/drawingml/2006/main" xmlns:r="http://schemas.openxmlformats.org/officeDocument/2006/relationships" xmlns:p="http://schemas.openxmlformats.org/presentationml/2006/main">
-  <p:cSld>
-    <p:spTree>
-      <p:nvGrpSpPr>
-        <p:cNvPr id="1" name=""/>
-        <p:cNvGrpSpPr/>
-        <p:nvPr/>
-      </p:nvGrpSpPr>
-      <p:grpSpPr>
-        <a:xfrm>
-          <a:off x="0" y="0"/>
-          <a:ext cx="0" cy="0"/>
-          <a:chOff x="0" y="0"/>
-          <a:chExt cx="0" cy="0"/>
-        </a:xfrm>
-      </p:grpSpPr>
-      <p:sp>
-        <p:nvSpPr>
-          <p:cNvPr id="2" name="Title 1"/>
-          <p:cNvSpPr>
-            <a:spLocks noGrp="1"/>
-          </p:cNvSpPr>
-          <p:nvPr>
-            <p:ph type="title"/>
-          </p:nvPr>
-        </p:nvSpPr>
         <p:spPr>
           <a:xfrm>
             <a:off x="838200" y="365125"/>
@@ -14511,7 +12774,7 @@
 </p:sld>
 </file>
 
-<file path=ppt/slides/slide29.xml><?xml version="1.0" encoding="utf-8"?>
+<file path=ppt/slides/slide28.xml><?xml version="1.0" encoding="utf-8"?>
 <p:sld xmlns:a="http://schemas.openxmlformats.org/drawingml/2006/main" xmlns:r="http://schemas.openxmlformats.org/officeDocument/2006/relationships" xmlns:p="http://schemas.openxmlformats.org/presentationml/2006/main">
   <p:cSld>
     <p:spTree>
@@ -14636,607 +12899,7 @@
 </p:sld>
 </file>
 
-<file path=ppt/slides/slide3.xml><?xml version="1.0" encoding="utf-8"?>
-<p:sld xmlns:a="http://schemas.openxmlformats.org/drawingml/2006/main" xmlns:r="http://schemas.openxmlformats.org/officeDocument/2006/relationships" xmlns:p="http://schemas.openxmlformats.org/presentationml/2006/main">
-  <p:cSld>
-    <p:spTree>
-      <p:nvGrpSpPr>
-        <p:cNvPr id="1" name=""/>
-        <p:cNvGrpSpPr/>
-        <p:nvPr/>
-      </p:nvGrpSpPr>
-      <p:grpSpPr>
-        <a:xfrm>
-          <a:off x="0" y="0"/>
-          <a:ext cx="0" cy="0"/>
-          <a:chOff x="0" y="0"/>
-          <a:chExt cx="0" cy="0"/>
-        </a:xfrm>
-      </p:grpSpPr>
-      <p:sp>
-        <p:nvSpPr>
-          <p:cNvPr id="2" name="Title 1"/>
-          <p:cNvSpPr>
-            <a:spLocks noGrp="1"/>
-          </p:cNvSpPr>
-          <p:nvPr>
-            <p:ph type="title"/>
-          </p:nvPr>
-        </p:nvSpPr>
-        <p:spPr/>
-        <p:txBody>
-          <a:bodyPr/>
-          <a:lstStyle/>
-          <a:p>
-            <a:r>
-              <a:rPr lang="en-US" dirty="0" smtClean="0"/>
-              <a:t>Laplace smoothing as interpolation</a:t>
-            </a:r>
-            <a:endParaRPr lang="en-US" dirty="0"/>
-          </a:p>
-        </p:txBody>
-      </p:sp>
-      <p:pic>
-        <p:nvPicPr>
-          <p:cNvPr id="6" name="Picture 5"/>
-          <p:cNvPicPr>
-            <a:picLocks noChangeAspect="1"/>
-          </p:cNvPicPr>
-          <p:nvPr/>
-        </p:nvPicPr>
-        <p:blipFill>
-          <a:blip r:embed="rId2">
-            <a:extLst>
-              <a:ext uri="{28A0092B-C50C-407E-A947-70E740481C1C}">
-                <a14:useLocalDpi xmlns:a14="http://schemas.microsoft.com/office/drawing/2010/main" val="0"/>
-              </a:ext>
-            </a:extLst>
-          </a:blip>
-          <a:stretch>
-            <a:fillRect/>
-          </a:stretch>
-        </p:blipFill>
-        <p:spPr>
-          <a:xfrm>
-            <a:off x="2773680" y="1690688"/>
-            <a:ext cx="1930400" cy="533400"/>
-          </a:xfrm>
-          <a:prstGeom prst="rect">
-            <a:avLst/>
-          </a:prstGeom>
-        </p:spPr>
-      </p:pic>
-      <p:pic>
-        <p:nvPicPr>
-          <p:cNvPr id="7" name="Picture 6"/>
-          <p:cNvPicPr>
-            <a:picLocks noChangeAspect="1"/>
-          </p:cNvPicPr>
-          <p:nvPr/>
-        </p:nvPicPr>
-        <p:blipFill>
-          <a:blip r:embed="rId3">
-            <a:extLst>
-              <a:ext uri="{28A0092B-C50C-407E-A947-70E740481C1C}">
-                <a14:useLocalDpi xmlns:a14="http://schemas.microsoft.com/office/drawing/2010/main" val="0"/>
-              </a:ext>
-            </a:extLst>
-          </a:blip>
-          <a:stretch>
-            <a:fillRect/>
-          </a:stretch>
-        </p:blipFill>
-        <p:spPr>
-          <a:xfrm>
-            <a:off x="2773680" y="2395617"/>
-            <a:ext cx="2806700" cy="533400"/>
-          </a:xfrm>
-          <a:prstGeom prst="rect">
-            <a:avLst/>
-          </a:prstGeom>
-        </p:spPr>
-      </p:pic>
-      <p:pic>
-        <p:nvPicPr>
-          <p:cNvPr id="8" name="Picture 7"/>
-          <p:cNvPicPr>
-            <a:picLocks noChangeAspect="1"/>
-          </p:cNvPicPr>
-          <p:nvPr/>
-        </p:nvPicPr>
-        <p:blipFill>
-          <a:blip r:embed="rId4">
-            <a:extLst>
-              <a:ext uri="{28A0092B-C50C-407E-A947-70E740481C1C}">
-                <a14:useLocalDpi xmlns:a14="http://schemas.microsoft.com/office/drawing/2010/main" val="0"/>
-              </a:ext>
-            </a:extLst>
-          </a:blip>
-          <a:stretch>
-            <a:fillRect/>
-          </a:stretch>
-        </p:blipFill>
-        <p:spPr>
-          <a:xfrm>
-            <a:off x="4093210" y="5212953"/>
-            <a:ext cx="2743200" cy="533400"/>
-          </a:xfrm>
-          <a:prstGeom prst="rect">
-            <a:avLst/>
-          </a:prstGeom>
-        </p:spPr>
-      </p:pic>
-      <p:pic>
-        <p:nvPicPr>
-          <p:cNvPr id="10" name="Picture 9"/>
-          <p:cNvPicPr>
-            <a:picLocks noChangeAspect="1"/>
-          </p:cNvPicPr>
-          <p:nvPr/>
-        </p:nvPicPr>
-        <p:blipFill>
-          <a:blip r:embed="rId5">
-            <a:extLst>
-              <a:ext uri="{28A0092B-C50C-407E-A947-70E740481C1C}">
-                <a14:useLocalDpi xmlns:a14="http://schemas.microsoft.com/office/drawing/2010/main" val="0"/>
-              </a:ext>
-            </a:extLst>
-          </a:blip>
-          <a:stretch>
-            <a:fillRect/>
-          </a:stretch>
-        </p:blipFill>
-        <p:spPr>
-          <a:xfrm>
-            <a:off x="4099560" y="3804681"/>
-            <a:ext cx="3771900" cy="533400"/>
-          </a:xfrm>
-          <a:prstGeom prst="rect">
-            <a:avLst/>
-          </a:prstGeom>
-        </p:spPr>
-      </p:pic>
-      <p:pic>
-        <p:nvPicPr>
-          <p:cNvPr id="11" name="Picture 10"/>
-          <p:cNvPicPr>
-            <a:picLocks noChangeAspect="1"/>
-          </p:cNvPicPr>
-          <p:nvPr/>
-        </p:nvPicPr>
-        <p:blipFill>
-          <a:blip r:embed="rId6">
-            <a:extLst>
-              <a:ext uri="{28A0092B-C50C-407E-A947-70E740481C1C}">
-                <a14:useLocalDpi xmlns:a14="http://schemas.microsoft.com/office/drawing/2010/main" val="0"/>
-              </a:ext>
-            </a:extLst>
-          </a:blip>
-          <a:stretch>
-            <a:fillRect/>
-          </a:stretch>
-        </p:blipFill>
-        <p:spPr>
-          <a:xfrm>
-            <a:off x="4099560" y="3099752"/>
-            <a:ext cx="2387600" cy="533400"/>
-          </a:xfrm>
-          <a:prstGeom prst="rect">
-            <a:avLst/>
-          </a:prstGeom>
-        </p:spPr>
-      </p:pic>
-      <p:pic>
-        <p:nvPicPr>
-          <p:cNvPr id="12" name="Picture 11"/>
-          <p:cNvPicPr>
-            <a:picLocks noChangeAspect="1"/>
-          </p:cNvPicPr>
-          <p:nvPr/>
-        </p:nvPicPr>
-        <p:blipFill>
-          <a:blip r:embed="rId7">
-            <a:extLst>
-              <a:ext uri="{28A0092B-C50C-407E-A947-70E740481C1C}">
-                <a14:useLocalDpi xmlns:a14="http://schemas.microsoft.com/office/drawing/2010/main" val="0"/>
-              </a:ext>
-            </a:extLst>
-          </a:blip>
-          <a:stretch>
-            <a:fillRect/>
-          </a:stretch>
-        </p:blipFill>
-        <p:spPr>
-          <a:xfrm>
-            <a:off x="4099560" y="4508817"/>
-            <a:ext cx="5473700" cy="533400"/>
-          </a:xfrm>
-          <a:prstGeom prst="rect">
-            <a:avLst/>
-          </a:prstGeom>
-        </p:spPr>
-      </p:pic>
-      <p:sp>
-        <p:nvSpPr>
-          <p:cNvPr id="13" name="TextBox 12"/>
-          <p:cNvSpPr txBox="1"/>
-          <p:nvPr/>
-        </p:nvSpPr>
-        <p:spPr>
-          <a:xfrm>
-            <a:off x="528320" y="1799084"/>
-            <a:ext cx="2245360" cy="369332"/>
-          </a:xfrm>
-          <a:prstGeom prst="rect">
-            <a:avLst/>
-          </a:prstGeom>
-          <a:noFill/>
-        </p:spPr>
-        <p:txBody>
-          <a:bodyPr wrap="square" rtlCol="0">
-            <a:spAutoFit/>
-          </a:bodyPr>
-          <a:lstStyle/>
-          <a:p>
-            <a:r>
-              <a:rPr lang="en-US" b="1" dirty="0" smtClean="0"/>
-              <a:t>Unigram probability</a:t>
-            </a:r>
-            <a:r>
-              <a:rPr lang="en-US" dirty="0" smtClean="0"/>
-              <a:t>:</a:t>
-            </a:r>
-            <a:endParaRPr lang="en-US" dirty="0"/>
-          </a:p>
-        </p:txBody>
-      </p:sp>
-      <p:sp>
-        <p:nvSpPr>
-          <p:cNvPr id="14" name="TextBox 13"/>
-          <p:cNvSpPr txBox="1"/>
-          <p:nvPr/>
-        </p:nvSpPr>
-        <p:spPr>
-          <a:xfrm>
-            <a:off x="528320" y="2339151"/>
-            <a:ext cx="2245360" cy="646331"/>
-          </a:xfrm>
-          <a:prstGeom prst="rect">
-            <a:avLst/>
-          </a:prstGeom>
-          <a:noFill/>
-        </p:spPr>
-        <p:txBody>
-          <a:bodyPr wrap="square" rtlCol="0">
-            <a:spAutoFit/>
-          </a:bodyPr>
-          <a:lstStyle/>
-          <a:p>
-            <a:r>
-              <a:rPr lang="en-US" b="1" dirty="0" smtClean="0"/>
-              <a:t>Unigram probability</a:t>
-            </a:r>
-          </a:p>
-          <a:p>
-            <a:r>
-              <a:rPr lang="en-US" dirty="0" smtClean="0"/>
-              <a:t>(Laplace smoothing):</a:t>
-            </a:r>
-            <a:endParaRPr lang="en-US" dirty="0"/>
-          </a:p>
-        </p:txBody>
-      </p:sp>
-      <p:sp>
-        <p:nvSpPr>
-          <p:cNvPr id="15" name="TextBox 14"/>
-          <p:cNvSpPr txBox="1"/>
-          <p:nvPr/>
-        </p:nvSpPr>
-        <p:spPr>
-          <a:xfrm>
-            <a:off x="5019040" y="1974631"/>
-            <a:ext cx="2852420" cy="307777"/>
-          </a:xfrm>
-          <a:prstGeom prst="rect">
-            <a:avLst/>
-          </a:prstGeom>
-          <a:noFill/>
-        </p:spPr>
-        <p:txBody>
-          <a:bodyPr wrap="square" rtlCol="0">
-            <a:spAutoFit/>
-          </a:bodyPr>
-          <a:lstStyle/>
-          <a:p>
-            <a:r>
-              <a:rPr lang="en-US" sz="1400" dirty="0" smtClean="0">
-                <a:solidFill>
-                  <a:srgbClr val="C00000"/>
-                </a:solidFill>
-              </a:rPr>
-              <a:t># of unigrams in training text</a:t>
-            </a:r>
-            <a:endParaRPr lang="en-US" sz="1400" dirty="0">
-              <a:solidFill>
-                <a:srgbClr val="C00000"/>
-              </a:solidFill>
-            </a:endParaRPr>
-          </a:p>
-        </p:txBody>
-      </p:sp>
-      <p:sp>
-        <p:nvSpPr>
-          <p:cNvPr id="17" name="TextBox 16"/>
-          <p:cNvSpPr txBox="1"/>
-          <p:nvPr/>
-        </p:nvSpPr>
-        <p:spPr>
-          <a:xfrm>
-            <a:off x="2366010" y="2965608"/>
-            <a:ext cx="2418080" cy="738664"/>
-          </a:xfrm>
-          <a:prstGeom prst="rect">
-            <a:avLst/>
-          </a:prstGeom>
-          <a:noFill/>
-        </p:spPr>
-        <p:txBody>
-          <a:bodyPr wrap="square" rtlCol="0">
-            <a:spAutoFit/>
-          </a:bodyPr>
-          <a:lstStyle/>
-          <a:p>
-            <a:r>
-              <a:rPr lang="en-US" sz="1400" dirty="0" smtClean="0">
-                <a:solidFill>
-                  <a:srgbClr val="C00000"/>
-                </a:solidFill>
-              </a:rPr>
-              <a:t>unigram vocabulary </a:t>
-            </a:r>
-            <a:br>
-              <a:rPr lang="en-US" sz="1400" dirty="0" smtClean="0">
-                <a:solidFill>
-                  <a:srgbClr val="C00000"/>
-                </a:solidFill>
-              </a:rPr>
-            </a:br>
-            <a:r>
-              <a:rPr lang="en-US" sz="1400" dirty="0" smtClean="0">
-                <a:solidFill>
-                  <a:srgbClr val="C00000"/>
-                </a:solidFill>
-              </a:rPr>
-              <a:t>(# of unique unigrams) </a:t>
-            </a:r>
-            <a:br>
-              <a:rPr lang="en-US" sz="1400" dirty="0" smtClean="0">
-                <a:solidFill>
-                  <a:srgbClr val="C00000"/>
-                </a:solidFill>
-              </a:rPr>
-            </a:br>
-            <a:r>
-              <a:rPr lang="en-US" sz="1400" dirty="0" smtClean="0">
-                <a:solidFill>
-                  <a:srgbClr val="C00000"/>
-                </a:solidFill>
-              </a:rPr>
-              <a:t>in training text</a:t>
-            </a:r>
-            <a:endParaRPr lang="en-US" sz="1400" dirty="0">
-              <a:solidFill>
-                <a:srgbClr val="C00000"/>
-              </a:solidFill>
-            </a:endParaRPr>
-          </a:p>
-        </p:txBody>
-      </p:sp>
-      <p:sp>
-        <p:nvSpPr>
-          <p:cNvPr id="18" name="TextBox 17"/>
-          <p:cNvSpPr txBox="1"/>
-          <p:nvPr/>
-        </p:nvSpPr>
-        <p:spPr>
-          <a:xfrm>
-            <a:off x="5681980" y="2878560"/>
-            <a:ext cx="1623060" cy="307777"/>
-          </a:xfrm>
-          <a:prstGeom prst="rect">
-            <a:avLst/>
-          </a:prstGeom>
-          <a:noFill/>
-        </p:spPr>
-        <p:txBody>
-          <a:bodyPr wrap="square" rtlCol="0">
-            <a:spAutoFit/>
-          </a:bodyPr>
-          <a:lstStyle/>
-          <a:p>
-            <a:r>
-              <a:rPr lang="en-US" sz="1400" smtClean="0">
-                <a:solidFill>
-                  <a:srgbClr val="C00000"/>
-                </a:solidFill>
-              </a:rPr>
-              <a:t>unknown unigram </a:t>
-            </a:r>
-            <a:endParaRPr lang="en-US" sz="1400" dirty="0">
-              <a:solidFill>
-                <a:srgbClr val="C00000"/>
-              </a:solidFill>
-            </a:endParaRPr>
-          </a:p>
-        </p:txBody>
-      </p:sp>
-      <p:cxnSp>
-        <p:nvCxnSpPr>
-          <p:cNvPr id="20" name="Straight Arrow Connector 19"/>
-          <p:cNvCxnSpPr>
-            <a:stCxn id="15" idx="1"/>
-          </p:cNvCxnSpPr>
-          <p:nvPr/>
-        </p:nvCxnSpPr>
-        <p:spPr>
-          <a:xfrm flipH="1" flipV="1">
-            <a:off x="4450080" y="2128519"/>
-            <a:ext cx="568960" cy="1"/>
-          </a:xfrm>
-          <a:prstGeom prst="straightConnector1">
-            <a:avLst/>
-          </a:prstGeom>
-          <a:ln>
-            <a:solidFill>
-              <a:srgbClr val="C00000"/>
-            </a:solidFill>
-            <a:tailEnd type="triangle"/>
-          </a:ln>
-        </p:spPr>
-        <p:style>
-          <a:lnRef idx="1">
-            <a:schemeClr val="accent1"/>
-          </a:lnRef>
-          <a:fillRef idx="0">
-            <a:schemeClr val="accent1"/>
-          </a:fillRef>
-          <a:effectRef idx="0">
-            <a:schemeClr val="accent1"/>
-          </a:effectRef>
-          <a:fontRef idx="minor">
-            <a:schemeClr val="tx1"/>
-          </a:fontRef>
-        </p:style>
-      </p:cxnSp>
-      <p:cxnSp>
-        <p:nvCxnSpPr>
-          <p:cNvPr id="21" name="Straight Arrow Connector 20"/>
-          <p:cNvCxnSpPr/>
-          <p:nvPr/>
-        </p:nvCxnSpPr>
-        <p:spPr>
-          <a:xfrm flipV="1">
-            <a:off x="4023360" y="2957249"/>
-            <a:ext cx="924560" cy="155872"/>
-          </a:xfrm>
-          <a:prstGeom prst="straightConnector1">
-            <a:avLst/>
-          </a:prstGeom>
-          <a:ln>
-            <a:solidFill>
-              <a:srgbClr val="C00000"/>
-            </a:solidFill>
-            <a:tailEnd type="triangle"/>
-          </a:ln>
-        </p:spPr>
-        <p:style>
-          <a:lnRef idx="1">
-            <a:schemeClr val="accent1"/>
-          </a:lnRef>
-          <a:fillRef idx="0">
-            <a:schemeClr val="accent1"/>
-          </a:fillRef>
-          <a:effectRef idx="0">
-            <a:schemeClr val="accent1"/>
-          </a:effectRef>
-          <a:fontRef idx="minor">
-            <a:schemeClr val="tx1"/>
-          </a:fontRef>
-        </p:style>
-      </p:cxnSp>
-      <p:cxnSp>
-        <p:nvCxnSpPr>
-          <p:cNvPr id="23" name="Straight Arrow Connector 22"/>
-          <p:cNvCxnSpPr/>
-          <p:nvPr/>
-        </p:nvCxnSpPr>
-        <p:spPr>
-          <a:xfrm flipH="1" flipV="1">
-            <a:off x="5331460" y="2965608"/>
-            <a:ext cx="370840" cy="97810"/>
-          </a:xfrm>
-          <a:prstGeom prst="straightConnector1">
-            <a:avLst/>
-          </a:prstGeom>
-          <a:ln>
-            <a:solidFill>
-              <a:srgbClr val="C00000"/>
-            </a:solidFill>
-            <a:tailEnd type="triangle"/>
-          </a:ln>
-        </p:spPr>
-        <p:style>
-          <a:lnRef idx="1">
-            <a:schemeClr val="accent1"/>
-          </a:lnRef>
-          <a:fillRef idx="0">
-            <a:schemeClr val="accent1"/>
-          </a:fillRef>
-          <a:effectRef idx="0">
-            <a:schemeClr val="accent1"/>
-          </a:effectRef>
-          <a:fontRef idx="minor">
-            <a:schemeClr val="tx1"/>
-          </a:fontRef>
-        </p:style>
-      </p:cxnSp>
-      <p:sp>
-        <p:nvSpPr>
-          <p:cNvPr id="25" name="TextBox 24"/>
-          <p:cNvSpPr txBox="1"/>
-          <p:nvPr/>
-        </p:nvSpPr>
-        <p:spPr>
-          <a:xfrm>
-            <a:off x="528320" y="5930681"/>
-            <a:ext cx="5821680" cy="646331"/>
-          </a:xfrm>
-          <a:prstGeom prst="rect">
-            <a:avLst/>
-          </a:prstGeom>
-          <a:noFill/>
-        </p:spPr>
-        <p:txBody>
-          <a:bodyPr wrap="square" rtlCol="0">
-            <a:spAutoFit/>
-          </a:bodyPr>
-          <a:lstStyle/>
-          <a:p>
-            <a:r>
-              <a:rPr lang="en-US" b="1" dirty="0" smtClean="0"/>
-              <a:t>Why interpolate with the uniform?</a:t>
-            </a:r>
-          </a:p>
-          <a:p>
-            <a:r>
-              <a:rPr lang="en-US" dirty="0" smtClean="0"/>
-              <a:t>Assign small probabilities to unknown words in test set</a:t>
-            </a:r>
-            <a:endParaRPr lang="en-US" dirty="0"/>
-          </a:p>
-        </p:txBody>
-      </p:sp>
-    </p:spTree>
-    <p:extLst>
-      <p:ext uri="{BB962C8B-B14F-4D97-AF65-F5344CB8AC3E}">
-        <p14:creationId xmlns:p14="http://schemas.microsoft.com/office/powerpoint/2010/main" val="554900612"/>
-      </p:ext>
-    </p:extLst>
-  </p:cSld>
-  <p:clrMapOvr>
-    <a:masterClrMapping/>
-  </p:clrMapOvr>
-  <p:timing>
-    <p:tnLst>
-      <p:par>
-        <p:cTn id="1" dur="indefinite" restart="never" nodeType="tmRoot"/>
-      </p:par>
-    </p:tnLst>
-  </p:timing>
-</p:sld>
-</file>
-
-<file path=ppt/slides/slide30.xml><?xml version="1.0" encoding="utf-8"?>
+<file path=ppt/slides/slide29.xml><?xml version="1.0" encoding="utf-8"?>
 <p:sld xmlns:a="http://schemas.openxmlformats.org/drawingml/2006/main" xmlns:r="http://schemas.openxmlformats.org/officeDocument/2006/relationships" xmlns:p="http://schemas.openxmlformats.org/presentationml/2006/main">
   <p:cSld>
     <p:spTree>
@@ -15315,36 +12978,6 @@
           </a:p>
         </p:txBody>
       </p:sp>
-      <p:sp>
-        <p:nvSpPr>
-          <p:cNvPr id="5" name="TextBox 4"/>
-          <p:cNvSpPr txBox="1"/>
-          <p:nvPr/>
-        </p:nvSpPr>
-        <p:spPr>
-          <a:xfrm>
-            <a:off x="838200" y="1506022"/>
-            <a:ext cx="6797040" cy="369332"/>
-          </a:xfrm>
-          <a:prstGeom prst="rect">
-            <a:avLst/>
-          </a:prstGeom>
-          <a:noFill/>
-        </p:spPr>
-        <p:txBody>
-          <a:bodyPr wrap="square" rtlCol="0">
-            <a:spAutoFit/>
-          </a:bodyPr>
-          <a:lstStyle/>
-          <a:p>
-            <a:r>
-              <a:rPr lang="en-US" dirty="0" smtClean="0"/>
-              <a:t>Maximize the lower bound of the objective function</a:t>
-            </a:r>
-            <a:endParaRPr lang="en-US" dirty="0"/>
-          </a:p>
-        </p:txBody>
-      </p:sp>
     </p:spTree>
     <p:extLst>
       <p:ext uri="{BB962C8B-B14F-4D97-AF65-F5344CB8AC3E}">
@@ -15365,7 +12998,607 @@
 </p:sld>
 </file>
 
-<file path=ppt/slides/slide31.xml><?xml version="1.0" encoding="utf-8"?>
+<file path=ppt/slides/slide3.xml><?xml version="1.0" encoding="utf-8"?>
+<p:sld xmlns:a="http://schemas.openxmlformats.org/drawingml/2006/main" xmlns:r="http://schemas.openxmlformats.org/officeDocument/2006/relationships" xmlns:p="http://schemas.openxmlformats.org/presentationml/2006/main">
+  <p:cSld>
+    <p:spTree>
+      <p:nvGrpSpPr>
+        <p:cNvPr id="1" name=""/>
+        <p:cNvGrpSpPr/>
+        <p:nvPr/>
+      </p:nvGrpSpPr>
+      <p:grpSpPr>
+        <a:xfrm>
+          <a:off x="0" y="0"/>
+          <a:ext cx="0" cy="0"/>
+          <a:chOff x="0" y="0"/>
+          <a:chExt cx="0" cy="0"/>
+        </a:xfrm>
+      </p:grpSpPr>
+      <p:sp>
+        <p:nvSpPr>
+          <p:cNvPr id="2" name="Title 1"/>
+          <p:cNvSpPr>
+            <a:spLocks noGrp="1"/>
+          </p:cNvSpPr>
+          <p:nvPr>
+            <p:ph type="title"/>
+          </p:nvPr>
+        </p:nvSpPr>
+        <p:spPr/>
+        <p:txBody>
+          <a:bodyPr/>
+          <a:lstStyle/>
+          <a:p>
+            <a:r>
+              <a:rPr lang="en-US" dirty="0" smtClean="0"/>
+              <a:t>Laplace smoothing as interpolation</a:t>
+            </a:r>
+            <a:endParaRPr lang="en-US" dirty="0"/>
+          </a:p>
+        </p:txBody>
+      </p:sp>
+      <p:sp>
+        <p:nvSpPr>
+          <p:cNvPr id="13" name="TextBox 12"/>
+          <p:cNvSpPr txBox="1"/>
+          <p:nvPr/>
+        </p:nvSpPr>
+        <p:spPr>
+          <a:xfrm>
+            <a:off x="528320" y="1799084"/>
+            <a:ext cx="2245360" cy="369332"/>
+          </a:xfrm>
+          <a:prstGeom prst="rect">
+            <a:avLst/>
+          </a:prstGeom>
+          <a:noFill/>
+        </p:spPr>
+        <p:txBody>
+          <a:bodyPr wrap="square" rtlCol="0">
+            <a:spAutoFit/>
+          </a:bodyPr>
+          <a:lstStyle/>
+          <a:p>
+            <a:r>
+              <a:rPr lang="en-US" b="1" dirty="0" smtClean="0"/>
+              <a:t>Unigram probability</a:t>
+            </a:r>
+            <a:r>
+              <a:rPr lang="en-US" dirty="0" smtClean="0"/>
+              <a:t>:</a:t>
+            </a:r>
+            <a:endParaRPr lang="en-US" dirty="0"/>
+          </a:p>
+        </p:txBody>
+      </p:sp>
+      <p:sp>
+        <p:nvSpPr>
+          <p:cNvPr id="14" name="TextBox 13"/>
+          <p:cNvSpPr txBox="1"/>
+          <p:nvPr/>
+        </p:nvSpPr>
+        <p:spPr>
+          <a:xfrm>
+            <a:off x="528320" y="2339151"/>
+            <a:ext cx="2245360" cy="646331"/>
+          </a:xfrm>
+          <a:prstGeom prst="rect">
+            <a:avLst/>
+          </a:prstGeom>
+          <a:noFill/>
+        </p:spPr>
+        <p:txBody>
+          <a:bodyPr wrap="square" rtlCol="0">
+            <a:spAutoFit/>
+          </a:bodyPr>
+          <a:lstStyle/>
+          <a:p>
+            <a:r>
+              <a:rPr lang="en-US" b="1" dirty="0" smtClean="0"/>
+              <a:t>Unigram probability</a:t>
+            </a:r>
+          </a:p>
+          <a:p>
+            <a:r>
+              <a:rPr lang="en-US" dirty="0" smtClean="0"/>
+              <a:t>(Laplace smoothing):</a:t>
+            </a:r>
+            <a:endParaRPr lang="en-US" dirty="0"/>
+          </a:p>
+        </p:txBody>
+      </p:sp>
+      <p:sp>
+        <p:nvSpPr>
+          <p:cNvPr id="15" name="TextBox 14"/>
+          <p:cNvSpPr txBox="1"/>
+          <p:nvPr/>
+        </p:nvSpPr>
+        <p:spPr>
+          <a:xfrm>
+            <a:off x="5321300" y="1995043"/>
+            <a:ext cx="2852420" cy="307777"/>
+          </a:xfrm>
+          <a:prstGeom prst="rect">
+            <a:avLst/>
+          </a:prstGeom>
+          <a:noFill/>
+        </p:spPr>
+        <p:txBody>
+          <a:bodyPr wrap="square" rtlCol="0">
+            <a:spAutoFit/>
+          </a:bodyPr>
+          <a:lstStyle/>
+          <a:p>
+            <a:r>
+              <a:rPr lang="en-US" sz="1400" dirty="0" smtClean="0">
+                <a:solidFill>
+                  <a:srgbClr val="C00000"/>
+                </a:solidFill>
+              </a:rPr>
+              <a:t># of words in training text</a:t>
+            </a:r>
+            <a:endParaRPr lang="en-US" sz="1400" dirty="0">
+              <a:solidFill>
+                <a:srgbClr val="C00000"/>
+              </a:solidFill>
+            </a:endParaRPr>
+          </a:p>
+        </p:txBody>
+      </p:sp>
+      <p:sp>
+        <p:nvSpPr>
+          <p:cNvPr id="17" name="TextBox 16"/>
+          <p:cNvSpPr txBox="1"/>
+          <p:nvPr/>
+        </p:nvSpPr>
+        <p:spPr>
+          <a:xfrm>
+            <a:off x="2843530" y="3128978"/>
+            <a:ext cx="2418080" cy="738664"/>
+          </a:xfrm>
+          <a:prstGeom prst="rect">
+            <a:avLst/>
+          </a:prstGeom>
+          <a:noFill/>
+        </p:spPr>
+        <p:txBody>
+          <a:bodyPr wrap="square" rtlCol="0">
+            <a:spAutoFit/>
+          </a:bodyPr>
+          <a:lstStyle/>
+          <a:p>
+            <a:r>
+              <a:rPr lang="en-US" sz="1400" dirty="0" smtClean="0">
+                <a:solidFill>
+                  <a:srgbClr val="C00000"/>
+                </a:solidFill>
+              </a:rPr>
+              <a:t>unigram vocabulary </a:t>
+            </a:r>
+            <a:br>
+              <a:rPr lang="en-US" sz="1400" dirty="0" smtClean="0">
+                <a:solidFill>
+                  <a:srgbClr val="C00000"/>
+                </a:solidFill>
+              </a:rPr>
+            </a:br>
+            <a:r>
+              <a:rPr lang="en-US" sz="1400" dirty="0" smtClean="0">
+                <a:solidFill>
+                  <a:srgbClr val="C00000"/>
+                </a:solidFill>
+              </a:rPr>
+              <a:t>(# of unique unigrams) </a:t>
+            </a:r>
+            <a:br>
+              <a:rPr lang="en-US" sz="1400" dirty="0" smtClean="0">
+                <a:solidFill>
+                  <a:srgbClr val="C00000"/>
+                </a:solidFill>
+              </a:rPr>
+            </a:br>
+            <a:r>
+              <a:rPr lang="en-US" sz="1400" dirty="0" smtClean="0">
+                <a:solidFill>
+                  <a:srgbClr val="C00000"/>
+                </a:solidFill>
+              </a:rPr>
+              <a:t>in training text</a:t>
+            </a:r>
+            <a:endParaRPr lang="en-US" sz="1400" dirty="0">
+              <a:solidFill>
+                <a:srgbClr val="C00000"/>
+              </a:solidFill>
+            </a:endParaRPr>
+          </a:p>
+        </p:txBody>
+      </p:sp>
+      <p:sp>
+        <p:nvSpPr>
+          <p:cNvPr id="18" name="TextBox 17"/>
+          <p:cNvSpPr txBox="1"/>
+          <p:nvPr/>
+        </p:nvSpPr>
+        <p:spPr>
+          <a:xfrm>
+            <a:off x="6003290" y="3070680"/>
+            <a:ext cx="1623060" cy="307777"/>
+          </a:xfrm>
+          <a:prstGeom prst="rect">
+            <a:avLst/>
+          </a:prstGeom>
+          <a:noFill/>
+        </p:spPr>
+        <p:txBody>
+          <a:bodyPr wrap="square" rtlCol="0">
+            <a:spAutoFit/>
+          </a:bodyPr>
+          <a:lstStyle/>
+          <a:p>
+            <a:r>
+              <a:rPr lang="en-US" sz="1400" dirty="0" smtClean="0">
+                <a:solidFill>
+                  <a:srgbClr val="C00000"/>
+                </a:solidFill>
+              </a:rPr>
+              <a:t>unknown unigram </a:t>
+            </a:r>
+            <a:endParaRPr lang="en-US" sz="1400" dirty="0">
+              <a:solidFill>
+                <a:srgbClr val="C00000"/>
+              </a:solidFill>
+            </a:endParaRPr>
+          </a:p>
+        </p:txBody>
+      </p:sp>
+      <p:cxnSp>
+        <p:nvCxnSpPr>
+          <p:cNvPr id="20" name="Straight Arrow Connector 19"/>
+          <p:cNvCxnSpPr>
+            <a:stCxn id="15" idx="1"/>
+          </p:cNvCxnSpPr>
+          <p:nvPr/>
+        </p:nvCxnSpPr>
+        <p:spPr>
+          <a:xfrm flipH="1" flipV="1">
+            <a:off x="4752340" y="2148931"/>
+            <a:ext cx="568960" cy="1"/>
+          </a:xfrm>
+          <a:prstGeom prst="straightConnector1">
+            <a:avLst/>
+          </a:prstGeom>
+          <a:ln>
+            <a:solidFill>
+              <a:srgbClr val="C00000"/>
+            </a:solidFill>
+            <a:tailEnd type="triangle"/>
+          </a:ln>
+        </p:spPr>
+        <p:style>
+          <a:lnRef idx="1">
+            <a:schemeClr val="accent1"/>
+          </a:lnRef>
+          <a:fillRef idx="0">
+            <a:schemeClr val="accent1"/>
+          </a:fillRef>
+          <a:effectRef idx="0">
+            <a:schemeClr val="accent1"/>
+          </a:effectRef>
+          <a:fontRef idx="minor">
+            <a:schemeClr val="tx1"/>
+          </a:fontRef>
+        </p:style>
+      </p:cxnSp>
+      <p:cxnSp>
+        <p:nvCxnSpPr>
+          <p:cNvPr id="21" name="Straight Arrow Connector 20"/>
+          <p:cNvCxnSpPr/>
+          <p:nvPr/>
+        </p:nvCxnSpPr>
+        <p:spPr>
+          <a:xfrm flipV="1">
+            <a:off x="4396740" y="3119316"/>
+            <a:ext cx="924560" cy="155872"/>
+          </a:xfrm>
+          <a:prstGeom prst="straightConnector1">
+            <a:avLst/>
+          </a:prstGeom>
+          <a:ln>
+            <a:solidFill>
+              <a:srgbClr val="C00000"/>
+            </a:solidFill>
+            <a:tailEnd type="triangle"/>
+          </a:ln>
+        </p:spPr>
+        <p:style>
+          <a:lnRef idx="1">
+            <a:schemeClr val="accent1"/>
+          </a:lnRef>
+          <a:fillRef idx="0">
+            <a:schemeClr val="accent1"/>
+          </a:fillRef>
+          <a:effectRef idx="0">
+            <a:schemeClr val="accent1"/>
+          </a:effectRef>
+          <a:fontRef idx="minor">
+            <a:schemeClr val="tx1"/>
+          </a:fontRef>
+        </p:style>
+      </p:cxnSp>
+      <p:cxnSp>
+        <p:nvCxnSpPr>
+          <p:cNvPr id="23" name="Straight Arrow Connector 22"/>
+          <p:cNvCxnSpPr/>
+          <p:nvPr/>
+        </p:nvCxnSpPr>
+        <p:spPr>
+          <a:xfrm flipH="1" flipV="1">
+            <a:off x="5665470" y="3120802"/>
+            <a:ext cx="370840" cy="97810"/>
+          </a:xfrm>
+          <a:prstGeom prst="straightConnector1">
+            <a:avLst/>
+          </a:prstGeom>
+          <a:ln>
+            <a:solidFill>
+              <a:srgbClr val="C00000"/>
+            </a:solidFill>
+            <a:tailEnd type="triangle"/>
+          </a:ln>
+        </p:spPr>
+        <p:style>
+          <a:lnRef idx="1">
+            <a:schemeClr val="accent1"/>
+          </a:lnRef>
+          <a:fillRef idx="0">
+            <a:schemeClr val="accent1"/>
+          </a:fillRef>
+          <a:effectRef idx="0">
+            <a:schemeClr val="accent1"/>
+          </a:effectRef>
+          <a:fontRef idx="minor">
+            <a:schemeClr val="tx1"/>
+          </a:fontRef>
+        </p:style>
+      </p:cxnSp>
+      <p:sp>
+        <p:nvSpPr>
+          <p:cNvPr id="25" name="TextBox 24"/>
+          <p:cNvSpPr txBox="1"/>
+          <p:nvPr/>
+        </p:nvSpPr>
+        <p:spPr>
+          <a:xfrm>
+            <a:off x="528320" y="6142706"/>
+            <a:ext cx="5821680" cy="646331"/>
+          </a:xfrm>
+          <a:prstGeom prst="rect">
+            <a:avLst/>
+          </a:prstGeom>
+          <a:noFill/>
+        </p:spPr>
+        <p:txBody>
+          <a:bodyPr wrap="square" rtlCol="0">
+            <a:spAutoFit/>
+          </a:bodyPr>
+          <a:lstStyle/>
+          <a:p>
+            <a:r>
+              <a:rPr lang="en-US" b="1" dirty="0" smtClean="0"/>
+              <a:t>Why interpolate with the uniform?</a:t>
+            </a:r>
+          </a:p>
+          <a:p>
+            <a:r>
+              <a:rPr lang="en-US" dirty="0" smtClean="0"/>
+              <a:t>Assign small probabilities to unknown words in test set</a:t>
+            </a:r>
+            <a:endParaRPr lang="en-US" dirty="0"/>
+          </a:p>
+        </p:txBody>
+      </p:sp>
+      <p:pic>
+        <p:nvPicPr>
+          <p:cNvPr id="27" name="Picture 26"/>
+          <p:cNvPicPr>
+            <a:picLocks noChangeAspect="1"/>
+          </p:cNvPicPr>
+          <p:nvPr/>
+        </p:nvPicPr>
+        <p:blipFill>
+          <a:blip r:embed="rId2">
+            <a:extLst>
+              <a:ext uri="{28A0092B-C50C-407E-A947-70E740481C1C}">
+                <a14:useLocalDpi xmlns:a14="http://schemas.microsoft.com/office/drawing/2010/main" val="0"/>
+              </a:ext>
+            </a:extLst>
+          </a:blip>
+          <a:stretch>
+            <a:fillRect/>
+          </a:stretch>
+        </p:blipFill>
+        <p:spPr>
+          <a:xfrm>
+            <a:off x="4236720" y="5621772"/>
+            <a:ext cx="3086100" cy="584200"/>
+          </a:xfrm>
+          <a:prstGeom prst="rect">
+            <a:avLst/>
+          </a:prstGeom>
+        </p:spPr>
+      </p:pic>
+      <p:pic>
+        <p:nvPicPr>
+          <p:cNvPr id="28" name="Picture 27"/>
+          <p:cNvPicPr>
+            <a:picLocks noChangeAspect="1"/>
+          </p:cNvPicPr>
+          <p:nvPr/>
+        </p:nvPicPr>
+        <p:blipFill>
+          <a:blip r:embed="rId3">
+            <a:extLst>
+              <a:ext uri="{28A0092B-C50C-407E-A947-70E740481C1C}">
+                <a14:useLocalDpi xmlns:a14="http://schemas.microsoft.com/office/drawing/2010/main" val="0"/>
+              </a:ext>
+            </a:extLst>
+          </a:blip>
+          <a:stretch>
+            <a:fillRect/>
+          </a:stretch>
+        </p:blipFill>
+        <p:spPr>
+          <a:xfrm>
+            <a:off x="4236720" y="4962844"/>
+            <a:ext cx="5816600" cy="584200"/>
+          </a:xfrm>
+          <a:prstGeom prst="rect">
+            <a:avLst/>
+          </a:prstGeom>
+        </p:spPr>
+      </p:pic>
+      <p:pic>
+        <p:nvPicPr>
+          <p:cNvPr id="29" name="Picture 28"/>
+          <p:cNvPicPr>
+            <a:picLocks noChangeAspect="1"/>
+          </p:cNvPicPr>
+          <p:nvPr/>
+        </p:nvPicPr>
+        <p:blipFill>
+          <a:blip r:embed="rId4">
+            <a:extLst>
+              <a:ext uri="{28A0092B-C50C-407E-A947-70E740481C1C}">
+                <a14:useLocalDpi xmlns:a14="http://schemas.microsoft.com/office/drawing/2010/main" val="0"/>
+              </a:ext>
+            </a:extLst>
+          </a:blip>
+          <a:stretch>
+            <a:fillRect/>
+          </a:stretch>
+        </p:blipFill>
+        <p:spPr>
+          <a:xfrm>
+            <a:off x="4236720" y="4307998"/>
+            <a:ext cx="4114800" cy="584200"/>
+          </a:xfrm>
+          <a:prstGeom prst="rect">
+            <a:avLst/>
+          </a:prstGeom>
+        </p:spPr>
+      </p:pic>
+      <p:pic>
+        <p:nvPicPr>
+          <p:cNvPr id="30" name="Picture 29"/>
+          <p:cNvPicPr>
+            <a:picLocks noChangeAspect="1"/>
+          </p:cNvPicPr>
+          <p:nvPr/>
+        </p:nvPicPr>
+        <p:blipFill>
+          <a:blip r:embed="rId5">
+            <a:extLst>
+              <a:ext uri="{28A0092B-C50C-407E-A947-70E740481C1C}">
+                <a14:useLocalDpi xmlns:a14="http://schemas.microsoft.com/office/drawing/2010/main" val="0"/>
+              </a:ext>
+            </a:extLst>
+          </a:blip>
+          <a:stretch>
+            <a:fillRect/>
+          </a:stretch>
+        </p:blipFill>
+        <p:spPr>
+          <a:xfrm>
+            <a:off x="4236720" y="3617255"/>
+            <a:ext cx="2628900" cy="584200"/>
+          </a:xfrm>
+          <a:prstGeom prst="rect">
+            <a:avLst/>
+          </a:prstGeom>
+        </p:spPr>
+      </p:pic>
+      <p:pic>
+        <p:nvPicPr>
+          <p:cNvPr id="31" name="Picture 30"/>
+          <p:cNvPicPr>
+            <a:picLocks noChangeAspect="1"/>
+          </p:cNvPicPr>
+          <p:nvPr/>
+        </p:nvPicPr>
+        <p:blipFill>
+          <a:blip r:embed="rId6">
+            <a:extLst>
+              <a:ext uri="{28A0092B-C50C-407E-A947-70E740481C1C}">
+                <a14:useLocalDpi xmlns:a14="http://schemas.microsoft.com/office/drawing/2010/main" val="0"/>
+              </a:ext>
+            </a:extLst>
+          </a:blip>
+          <a:stretch>
+            <a:fillRect/>
+          </a:stretch>
+        </p:blipFill>
+        <p:spPr>
+          <a:xfrm>
+            <a:off x="2620010" y="2503065"/>
+            <a:ext cx="3416300" cy="584200"/>
+          </a:xfrm>
+          <a:prstGeom prst="rect">
+            <a:avLst/>
+          </a:prstGeom>
+        </p:spPr>
+      </p:pic>
+      <p:pic>
+        <p:nvPicPr>
+          <p:cNvPr id="32" name="Picture 31"/>
+          <p:cNvPicPr>
+            <a:picLocks noChangeAspect="1"/>
+          </p:cNvPicPr>
+          <p:nvPr/>
+        </p:nvPicPr>
+        <p:blipFill>
+          <a:blip r:embed="rId7">
+            <a:extLst>
+              <a:ext uri="{28A0092B-C50C-407E-A947-70E740481C1C}">
+                <a14:useLocalDpi xmlns:a14="http://schemas.microsoft.com/office/drawing/2010/main" val="0"/>
+              </a:ext>
+            </a:extLst>
+          </a:blip>
+          <a:stretch>
+            <a:fillRect/>
+          </a:stretch>
+        </p:blipFill>
+        <p:spPr>
+          <a:xfrm>
+            <a:off x="2620010" y="1673261"/>
+            <a:ext cx="2552700" cy="584200"/>
+          </a:xfrm>
+          <a:prstGeom prst="rect">
+            <a:avLst/>
+          </a:prstGeom>
+        </p:spPr>
+      </p:pic>
+    </p:spTree>
+    <p:extLst>
+      <p:ext uri="{BB962C8B-B14F-4D97-AF65-F5344CB8AC3E}">
+        <p14:creationId xmlns:p14="http://schemas.microsoft.com/office/powerpoint/2010/main" val="554900612"/>
+      </p:ext>
+    </p:extLst>
+  </p:cSld>
+  <p:clrMapOvr>
+    <a:masterClrMapping/>
+  </p:clrMapOvr>
+  <p:timing>
+    <p:tnLst>
+      <p:par>
+        <p:cTn id="1" dur="indefinite" restart="never" nodeType="tmRoot"/>
+      </p:par>
+    </p:tnLst>
+  </p:timing>
+</p:sld>
+</file>
+
+<file path=ppt/slides/slide30.xml><?xml version="1.0" encoding="utf-8"?>
 <p:sld xmlns:a="http://schemas.openxmlformats.org/drawingml/2006/main" xmlns:r="http://schemas.openxmlformats.org/officeDocument/2006/relationships" xmlns:p="http://schemas.openxmlformats.org/presentationml/2006/main">
   <p:cSld>
     <p:spTree>
@@ -15531,7 +13764,7 @@
 </p:sld>
 </file>
 
-<file path=ppt/slides/slide32.xml><?xml version="1.0" encoding="utf-8"?>
+<file path=ppt/slides/slide31.xml><?xml version="1.0" encoding="utf-8"?>
 <p:sld xmlns:a="http://schemas.openxmlformats.org/drawingml/2006/main" xmlns:r="http://schemas.openxmlformats.org/officeDocument/2006/relationships" xmlns:p="http://schemas.openxmlformats.org/presentationml/2006/main">
   <p:cSld>
     <p:spTree>
@@ -15706,7 +13939,7 @@
 </p:sld>
 </file>
 
-<file path=ppt/slides/slide33.xml><?xml version="1.0" encoding="utf-8"?>
+<file path=ppt/slides/slide32.xml><?xml version="1.0" encoding="utf-8"?>
 <p:sld xmlns:a="http://schemas.openxmlformats.org/drawingml/2006/main" xmlns:r="http://schemas.openxmlformats.org/officeDocument/2006/relationships" xmlns:p="http://schemas.openxmlformats.org/presentationml/2006/main">
   <p:cSld>
     <p:spTree>
@@ -15804,7 +14037,7 @@
 </p:sld>
 </file>
 
-<file path=ppt/slides/slide34.xml><?xml version="1.0" encoding="utf-8"?>
+<file path=ppt/slides/slide33.xml><?xml version="1.0" encoding="utf-8"?>
 <p:sld xmlns:a="http://schemas.openxmlformats.org/drawingml/2006/main" xmlns:r="http://schemas.openxmlformats.org/officeDocument/2006/relationships" xmlns:p="http://schemas.openxmlformats.org/presentationml/2006/main">
   <p:cSld>
     <p:spTree>
@@ -16014,6 +14247,162 @@
 </p:sld>
 </file>
 
+<file path=ppt/slides/slide34.xml><?xml version="1.0" encoding="utf-8"?>
+<p:sld xmlns:a="http://schemas.openxmlformats.org/drawingml/2006/main" xmlns:r="http://schemas.openxmlformats.org/officeDocument/2006/relationships" xmlns:p="http://schemas.openxmlformats.org/presentationml/2006/main">
+  <p:cSld>
+    <p:spTree>
+      <p:nvGrpSpPr>
+        <p:cNvPr id="1" name=""/>
+        <p:cNvGrpSpPr/>
+        <p:nvPr/>
+      </p:nvGrpSpPr>
+      <p:grpSpPr>
+        <a:xfrm>
+          <a:off x="0" y="0"/>
+          <a:ext cx="0" cy="0"/>
+          <a:chOff x="0" y="0"/>
+          <a:chExt cx="0" cy="0"/>
+        </a:xfrm>
+      </p:grpSpPr>
+      <p:sp>
+        <p:nvSpPr>
+          <p:cNvPr id="2" name="Title 1"/>
+          <p:cNvSpPr>
+            <a:spLocks noGrp="1"/>
+          </p:cNvSpPr>
+          <p:nvPr>
+            <p:ph type="title"/>
+          </p:nvPr>
+        </p:nvSpPr>
+        <p:spPr/>
+        <p:txBody>
+          <a:bodyPr/>
+          <a:lstStyle/>
+          <a:p>
+            <a:r>
+              <a:rPr lang="en-US" dirty="0" smtClean="0"/>
+              <a:t>Outline</a:t>
+            </a:r>
+            <a:endParaRPr lang="en-US" dirty="0"/>
+          </a:p>
+        </p:txBody>
+      </p:sp>
+      <p:sp>
+        <p:nvSpPr>
+          <p:cNvPr id="3" name="Content Placeholder 2"/>
+          <p:cNvSpPr>
+            <a:spLocks noGrp="1"/>
+          </p:cNvSpPr>
+          <p:nvPr>
+            <p:ph idx="1"/>
+          </p:nvPr>
+        </p:nvSpPr>
+        <p:spPr/>
+        <p:txBody>
+          <a:bodyPr/>
+          <a:lstStyle/>
+          <a:p>
+            <a:pPr marL="514350" indent="-514350">
+              <a:buFont typeface="+mj-lt"/>
+              <a:buAutoNum type="arabicPeriod"/>
+            </a:pPr>
+            <a:r>
+              <a:rPr lang="en-US" dirty="0" smtClean="0"/>
+              <a:t>Laplace smoothing as model interpolation</a:t>
+            </a:r>
+          </a:p>
+          <a:p>
+            <a:pPr marL="514350" indent="-514350">
+              <a:buFont typeface="+mj-lt"/>
+              <a:buAutoNum type="arabicPeriod"/>
+            </a:pPr>
+            <a:r>
+              <a:rPr lang="en-US" dirty="0" smtClean="0"/>
+              <a:t>Interpolation of individual n-gram models</a:t>
+            </a:r>
+          </a:p>
+          <a:p>
+            <a:pPr marL="514350" indent="-514350">
+              <a:buFont typeface="+mj-lt"/>
+              <a:buAutoNum type="arabicPeriod"/>
+            </a:pPr>
+            <a:r>
+              <a:rPr lang="en-US" dirty="0" smtClean="0"/>
+              <a:t>Interpolation among several n-gram models</a:t>
+            </a:r>
+          </a:p>
+          <a:p>
+            <a:pPr lvl="1"/>
+            <a:r>
+              <a:rPr lang="en-US" dirty="0" smtClean="0"/>
+              <a:t>What: which models to interpolate?</a:t>
+            </a:r>
+          </a:p>
+          <a:p>
+            <a:pPr lvl="1"/>
+            <a:r>
+              <a:rPr lang="en-US" dirty="0" smtClean="0"/>
+              <a:t>How: how much to weigh each model during interpolation?</a:t>
+            </a:r>
+          </a:p>
+          <a:p>
+            <a:pPr marL="514350" indent="-514350">
+              <a:buFont typeface="+mj-lt"/>
+              <a:buAutoNum type="arabicPeriod"/>
+            </a:pPr>
+            <a:r>
+              <a:rPr lang="en-US" b="1" dirty="0" smtClean="0"/>
+              <a:t>Going further:</a:t>
+            </a:r>
+          </a:p>
+          <a:p>
+            <a:pPr lvl="1"/>
+            <a:r>
+              <a:rPr lang="en-US" dirty="0" smtClean="0"/>
+              <a:t>Current state of </a:t>
+            </a:r>
+            <a:r>
+              <a:rPr lang="en-US" dirty="0" err="1" smtClean="0"/>
+              <a:t>ngram</a:t>
+            </a:r>
+            <a:r>
+              <a:rPr lang="en-US" dirty="0" smtClean="0"/>
+              <a:t> language models</a:t>
+            </a:r>
+          </a:p>
+          <a:p>
+            <a:pPr lvl="1"/>
+            <a:r>
+              <a:rPr lang="en-US" dirty="0" smtClean="0"/>
+              <a:t>Current state of language models</a:t>
+            </a:r>
+          </a:p>
+          <a:p>
+            <a:pPr lvl="1"/>
+            <a:endParaRPr lang="en-US" dirty="0" smtClean="0"/>
+          </a:p>
+        </p:txBody>
+      </p:sp>
+    </p:spTree>
+    <p:extLst>
+      <p:ext uri="{BB962C8B-B14F-4D97-AF65-F5344CB8AC3E}">
+        <p14:creationId xmlns:p14="http://schemas.microsoft.com/office/powerpoint/2010/main" val="958229601"/>
+      </p:ext>
+    </p:extLst>
+  </p:cSld>
+  <p:clrMapOvr>
+    <a:masterClrMapping/>
+  </p:clrMapOvr>
+  <p:timing>
+    <p:tnLst>
+      <p:par>
+        <p:cTn id="1" dur="indefinite" restart="never" nodeType="tmRoot"/>
+      </p:par>
+    </p:tnLst>
+  </p:timing>
+</p:sld>
+</file>
+
 <file path=ppt/slides/slide35.xml><?xml version="1.0" encoding="utf-8"?>
 <p:sld xmlns:a="http://schemas.openxmlformats.org/drawingml/2006/main" xmlns:r="http://schemas.openxmlformats.org/officeDocument/2006/relationships" xmlns:p="http://schemas.openxmlformats.org/presentationml/2006/main">
   <p:cSld>
@@ -16048,84 +14437,6 @@
           <a:p>
             <a:r>
               <a:rPr lang="en-US" dirty="0" smtClean="0"/>
-              <a:t>Outline</a:t>
-            </a:r>
-            <a:endParaRPr lang="en-US" dirty="0"/>
-          </a:p>
-        </p:txBody>
-      </p:sp>
-      <p:sp>
-        <p:nvSpPr>
-          <p:cNvPr id="3" name="Content Placeholder 2"/>
-          <p:cNvSpPr>
-            <a:spLocks noGrp="1"/>
-          </p:cNvSpPr>
-          <p:nvPr>
-            <p:ph idx="1"/>
-          </p:nvPr>
-        </p:nvSpPr>
-        <p:spPr/>
-        <p:txBody>
-          <a:bodyPr/>
-          <a:lstStyle/>
-          <a:p>
-            <a:pPr marL="514350" indent="-514350">
-              <a:buFont typeface="+mj-lt"/>
-              <a:buAutoNum type="arabicPeriod"/>
-            </a:pPr>
-            <a:r>
-              <a:rPr lang="en-US" dirty="0" smtClean="0"/>
-              <a:t>Laplace smoothing as model interpolation</a:t>
-            </a:r>
-          </a:p>
-          <a:p>
-            <a:pPr marL="514350" indent="-514350">
-              <a:buFont typeface="+mj-lt"/>
-              <a:buAutoNum type="arabicPeriod"/>
-            </a:pPr>
-            <a:r>
-              <a:rPr lang="en-US" dirty="0" smtClean="0"/>
-              <a:t>Interpolation of individual n-gram models</a:t>
-            </a:r>
-          </a:p>
-          <a:p>
-            <a:pPr marL="514350" indent="-514350">
-              <a:buFont typeface="+mj-lt"/>
-              <a:buAutoNum type="arabicPeriod"/>
-            </a:pPr>
-            <a:r>
-              <a:rPr lang="en-US" dirty="0" smtClean="0"/>
-              <a:t>Interpolation among several n-gram models</a:t>
-            </a:r>
-          </a:p>
-          <a:p>
-            <a:pPr lvl="1"/>
-            <a:r>
-              <a:rPr lang="en-US" dirty="0" smtClean="0"/>
-              <a:t>What: which models to interpolate?</a:t>
-            </a:r>
-          </a:p>
-          <a:p>
-            <a:pPr lvl="1"/>
-            <a:r>
-              <a:rPr lang="en-US" dirty="0" smtClean="0"/>
-              <a:t>How: how much to weigh each model during interpolation?</a:t>
-            </a:r>
-          </a:p>
-          <a:p>
-            <a:pPr marL="514350" indent="-514350">
-              <a:buFont typeface="+mj-lt"/>
-              <a:buAutoNum type="arabicPeriod"/>
-            </a:pPr>
-            <a:r>
-              <a:rPr lang="en-US" b="1" dirty="0" smtClean="0"/>
-              <a:t>Going further:</a:t>
-            </a:r>
-          </a:p>
-          <a:p>
-            <a:pPr lvl="1"/>
-            <a:r>
-              <a:rPr lang="en-US" dirty="0" smtClean="0"/>
               <a:t>Current state of </a:t>
             </a:r>
             <a:r>
@@ -16134,26 +14445,390 @@
             </a:r>
             <a:r>
               <a:rPr lang="en-US" dirty="0" smtClean="0"/>
-              <a:t> language models</a:t>
-            </a:r>
-          </a:p>
-          <a:p>
-            <a:pPr lvl="1"/>
+              <a:t> models</a:t>
+            </a:r>
+            <a:endParaRPr lang="en-US" dirty="0"/>
+          </a:p>
+        </p:txBody>
+      </p:sp>
+      <p:sp>
+        <p:nvSpPr>
+          <p:cNvPr id="6" name="TextBox 5"/>
+          <p:cNvSpPr txBox="1"/>
+          <p:nvPr/>
+        </p:nvSpPr>
+        <p:spPr>
+          <a:xfrm>
+            <a:off x="924560" y="1459855"/>
+            <a:ext cx="7955280" cy="461665"/>
+          </a:xfrm>
+          <a:prstGeom prst="rect">
+            <a:avLst/>
+          </a:prstGeom>
+          <a:noFill/>
+        </p:spPr>
+        <p:txBody>
+          <a:bodyPr wrap="square" rtlCol="0">
+            <a:spAutoFit/>
+          </a:bodyPr>
+          <a:lstStyle/>
+          <a:p>
+            <a:r>
+              <a:rPr lang="en-US" sz="2400" u="sng" dirty="0" smtClean="0"/>
+              <a:t>Alternative to interpolation of </a:t>
+            </a:r>
+            <a:r>
+              <a:rPr lang="en-US" sz="2400" u="sng" dirty="0" err="1" smtClean="0"/>
+              <a:t>ngram</a:t>
+            </a:r>
+            <a:r>
+              <a:rPr lang="en-US" sz="2400" u="sng" dirty="0" smtClean="0"/>
+              <a:t> models</a:t>
+            </a:r>
+            <a:r>
+              <a:rPr lang="en-US" sz="2400" dirty="0" smtClean="0"/>
+              <a:t>: </a:t>
+            </a:r>
+            <a:r>
+              <a:rPr lang="en-US" sz="2400" b="1" dirty="0" err="1" smtClean="0"/>
+              <a:t>backoff</a:t>
+            </a:r>
+            <a:r>
+              <a:rPr lang="en-US" sz="2400" dirty="0" smtClean="0"/>
+              <a:t> </a:t>
+            </a:r>
+            <a:r>
+              <a:rPr lang="en-US" sz="2400" b="1" dirty="0" smtClean="0"/>
+              <a:t>models</a:t>
+            </a:r>
+            <a:endParaRPr lang="en-US" sz="2400" b="1" dirty="0"/>
+          </a:p>
+        </p:txBody>
+      </p:sp>
+      <p:pic>
+        <p:nvPicPr>
+          <p:cNvPr id="7" name="Picture 6"/>
+          <p:cNvPicPr>
+            <a:picLocks noChangeAspect="1"/>
+          </p:cNvPicPr>
+          <p:nvPr/>
+        </p:nvPicPr>
+        <p:blipFill>
+          <a:blip r:embed="rId2">
+            <a:extLst>
+              <a:ext uri="{28A0092B-C50C-407E-A947-70E740481C1C}">
+                <a14:useLocalDpi xmlns:a14="http://schemas.microsoft.com/office/drawing/2010/main" val="0"/>
+              </a:ext>
+            </a:extLst>
+          </a:blip>
+          <a:stretch>
+            <a:fillRect/>
+          </a:stretch>
+        </p:blipFill>
+        <p:spPr>
+          <a:xfrm>
+            <a:off x="924560" y="1921520"/>
+            <a:ext cx="5657687" cy="1854200"/>
+          </a:xfrm>
+          <a:prstGeom prst="rect">
+            <a:avLst/>
+          </a:prstGeom>
+        </p:spPr>
+      </p:pic>
+      <p:sp>
+        <p:nvSpPr>
+          <p:cNvPr id="8" name="Rectangle 7"/>
+          <p:cNvSpPr/>
+          <p:nvPr/>
+        </p:nvSpPr>
+        <p:spPr>
+          <a:xfrm>
+            <a:off x="838200" y="3652609"/>
+            <a:ext cx="6096000" cy="246221"/>
+          </a:xfrm>
+          <a:prstGeom prst="rect">
+            <a:avLst/>
+          </a:prstGeom>
+        </p:spPr>
+        <p:txBody>
+          <a:bodyPr>
+            <a:spAutoFit/>
+          </a:bodyPr>
+          <a:lstStyle/>
+          <a:p>
+            <a:r>
+              <a:rPr lang="en-US" sz="1000" dirty="0" smtClean="0">
+                <a:hlinkClick r:id="rId3"/>
+              </a:rPr>
+              <a:t>https://www.cs.cornell.edu/courses/cs4740/2014sp/lectures/smoothing+backoff.pdf</a:t>
+            </a:r>
+            <a:endParaRPr lang="en-US" sz="1000" dirty="0"/>
+          </a:p>
+        </p:txBody>
+      </p:sp>
+      <p:sp>
+        <p:nvSpPr>
+          <p:cNvPr id="9" name="Rectangle 8"/>
+          <p:cNvSpPr/>
+          <p:nvPr/>
+        </p:nvSpPr>
+        <p:spPr>
+          <a:xfrm>
+            <a:off x="838200" y="4006552"/>
+            <a:ext cx="2992120" cy="1754326"/>
+          </a:xfrm>
+          <a:prstGeom prst="rect">
+            <a:avLst/>
+          </a:prstGeom>
+        </p:spPr>
+        <p:txBody>
+          <a:bodyPr wrap="square">
+            <a:spAutoFit/>
+          </a:bodyPr>
+          <a:lstStyle/>
+          <a:p>
+            <a:r>
+              <a:rPr lang="en-US" u="sng" dirty="0" smtClean="0"/>
+              <a:t>Selection of </a:t>
+            </a:r>
+            <a:r>
+              <a:rPr lang="en-US" u="sng" dirty="0" err="1" smtClean="0"/>
+              <a:t>ngram</a:t>
+            </a:r>
+            <a:r>
+              <a:rPr lang="en-US" u="sng" dirty="0" smtClean="0"/>
+              <a:t> models:</a:t>
+            </a:r>
+          </a:p>
+          <a:p>
+            <a:pPr marL="285750" indent="-285750">
+              <a:buFont typeface="Arial" charset="0"/>
+              <a:buChar char="•"/>
+            </a:pPr>
             <a:r>
               <a:rPr lang="en-US" dirty="0" smtClean="0"/>
-              <a:t>Current state of language models</a:t>
-            </a:r>
-          </a:p>
-          <a:p>
-            <a:pPr lvl="1"/>
+              <a:t>Good-Turing smoothing</a:t>
+            </a:r>
+          </a:p>
+          <a:p>
+            <a:pPr marL="285750" indent="-285750">
+              <a:buFont typeface="Arial" charset="0"/>
+              <a:buChar char="•"/>
+            </a:pPr>
+            <a:r>
+              <a:rPr lang="en-US" dirty="0" err="1" smtClean="0"/>
+              <a:t>Jelinek</a:t>
+            </a:r>
+            <a:r>
+              <a:rPr lang="en-US" dirty="0" smtClean="0"/>
+              <a:t>-Mercer smoothing</a:t>
+            </a:r>
+          </a:p>
+          <a:p>
+            <a:pPr marL="285750" indent="-285750">
+              <a:buFont typeface="Arial" charset="0"/>
+              <a:buChar char="•"/>
+            </a:pPr>
+            <a:r>
+              <a:rPr lang="en-US" dirty="0" smtClean="0"/>
+              <a:t>Church-Gale smoothing</a:t>
+            </a:r>
+          </a:p>
+          <a:p>
+            <a:pPr marL="285750" indent="-285750">
+              <a:buFont typeface="Arial" charset="0"/>
+              <a:buChar char="•"/>
+            </a:pPr>
+            <a:r>
+              <a:rPr lang="en-US" dirty="0" smtClean="0"/>
+              <a:t>Witten-Bell smoothing</a:t>
+            </a:r>
+          </a:p>
+          <a:p>
+            <a:endParaRPr lang="en-US" dirty="0"/>
+          </a:p>
+        </p:txBody>
+      </p:sp>
+      <p:sp>
+        <p:nvSpPr>
+          <p:cNvPr id="10" name="Rectangle 9"/>
+          <p:cNvSpPr/>
+          <p:nvPr/>
+        </p:nvSpPr>
+        <p:spPr>
+          <a:xfrm>
+            <a:off x="3753403" y="4006552"/>
+            <a:ext cx="2992120" cy="1477328"/>
+          </a:xfrm>
+          <a:prstGeom prst="rect">
+            <a:avLst/>
+          </a:prstGeom>
+        </p:spPr>
+        <p:txBody>
+          <a:bodyPr wrap="square">
+            <a:spAutoFit/>
+          </a:bodyPr>
+          <a:lstStyle/>
+          <a:p>
+            <a:endParaRPr lang="en-US" u="sng" dirty="0" smtClean="0"/>
+          </a:p>
+          <a:p>
+            <a:pPr marL="285750" indent="-285750">
+              <a:buFont typeface="Arial" charset="0"/>
+              <a:buChar char="•"/>
+            </a:pPr>
+            <a:r>
+              <a:rPr lang="en-US" dirty="0" smtClean="0"/>
+              <a:t>Katz </a:t>
+            </a:r>
+            <a:r>
+              <a:rPr lang="en-US" dirty="0" err="1" smtClean="0"/>
+              <a:t>backoff</a:t>
+            </a:r>
             <a:endParaRPr lang="en-US" dirty="0" smtClean="0"/>
+          </a:p>
+          <a:p>
+            <a:pPr marL="285750" indent="-285750">
+              <a:buFont typeface="Arial" charset="0"/>
+              <a:buChar char="•"/>
+            </a:pPr>
+            <a:r>
+              <a:rPr lang="en-US" dirty="0" smtClean="0"/>
+              <a:t>Good-Turing </a:t>
+            </a:r>
+            <a:r>
+              <a:rPr lang="en-US" dirty="0" err="1" smtClean="0"/>
+              <a:t>backoff</a:t>
+            </a:r>
+            <a:endParaRPr lang="en-US" dirty="0" smtClean="0"/>
+          </a:p>
+          <a:p>
+            <a:pPr marL="285750" indent="-285750">
+              <a:buFont typeface="Arial" charset="0"/>
+              <a:buChar char="•"/>
+            </a:pPr>
+            <a:r>
+              <a:rPr lang="en-US" dirty="0" smtClean="0"/>
+              <a:t>Stupid </a:t>
+            </a:r>
+            <a:r>
+              <a:rPr lang="en-US" dirty="0" err="1" smtClean="0"/>
+              <a:t>backoff</a:t>
+            </a:r>
+            <a:endParaRPr lang="en-US" dirty="0" smtClean="0"/>
+          </a:p>
+          <a:p>
+            <a:endParaRPr lang="en-US" dirty="0"/>
+          </a:p>
+        </p:txBody>
+      </p:sp>
+      <p:sp>
+        <p:nvSpPr>
+          <p:cNvPr id="11" name="Rectangle 10"/>
+          <p:cNvSpPr/>
+          <p:nvPr/>
+        </p:nvSpPr>
+        <p:spPr>
+          <a:xfrm>
+            <a:off x="6334042" y="4006552"/>
+            <a:ext cx="5019758" cy="2031325"/>
+          </a:xfrm>
+          <a:prstGeom prst="rect">
+            <a:avLst/>
+          </a:prstGeom>
+        </p:spPr>
+        <p:txBody>
+          <a:bodyPr wrap="square">
+            <a:spAutoFit/>
+          </a:bodyPr>
+          <a:lstStyle/>
+          <a:p>
+            <a:endParaRPr lang="en-US" u="sng" dirty="0" smtClean="0"/>
+          </a:p>
+          <a:p>
+            <a:pPr marL="285750" indent="-285750">
+              <a:buFont typeface="Arial" charset="0"/>
+              <a:buChar char="•"/>
+            </a:pPr>
+            <a:r>
+              <a:rPr lang="en-US" dirty="0" err="1" smtClean="0"/>
+              <a:t>Kneser</a:t>
+            </a:r>
+            <a:r>
+              <a:rPr lang="en-US" dirty="0" smtClean="0"/>
+              <a:t>-Ney smoothing</a:t>
+            </a:r>
+          </a:p>
+          <a:p>
+            <a:pPr marL="285750" indent="-285750">
+              <a:buFont typeface="Arial" charset="0"/>
+              <a:buChar char="•"/>
+            </a:pPr>
+            <a:r>
+              <a:rPr lang="en-US" dirty="0" smtClean="0"/>
+              <a:t>Interpolated </a:t>
+            </a:r>
+            <a:r>
+              <a:rPr lang="en-US" dirty="0" err="1" smtClean="0"/>
+              <a:t>Kneser</a:t>
+            </a:r>
+            <a:r>
+              <a:rPr lang="en-US" dirty="0" smtClean="0"/>
+              <a:t>-Ney smoothing</a:t>
+            </a:r>
+          </a:p>
+          <a:p>
+            <a:pPr marL="285750" indent="-285750">
+              <a:buFont typeface="Arial" charset="0"/>
+              <a:buChar char="•"/>
+            </a:pPr>
+            <a:r>
+              <a:rPr lang="en-US" dirty="0" smtClean="0"/>
+              <a:t>Modified </a:t>
+            </a:r>
+            <a:r>
+              <a:rPr lang="en-US" dirty="0" err="1" smtClean="0"/>
+              <a:t>Kneser</a:t>
+            </a:r>
+            <a:r>
+              <a:rPr lang="en-US" dirty="0" smtClean="0"/>
+              <a:t>-Ney smoothing</a:t>
+            </a:r>
+          </a:p>
+          <a:p>
+            <a:pPr marL="285750" indent="-285750">
+              <a:buFont typeface="Arial" charset="0"/>
+              <a:buChar char="•"/>
+            </a:pPr>
+            <a:r>
+              <a:rPr lang="en-US" dirty="0" smtClean="0"/>
+              <a:t>Modified interpolated </a:t>
+            </a:r>
+            <a:r>
+              <a:rPr lang="en-US" dirty="0" err="1" smtClean="0"/>
+              <a:t>Kneser</a:t>
+            </a:r>
+            <a:r>
+              <a:rPr lang="en-US" dirty="0" smtClean="0"/>
+              <a:t>-Ney smoothing</a:t>
+            </a:r>
+          </a:p>
+          <a:p>
+            <a:pPr marL="285750" indent="-285750">
+              <a:buFont typeface="Arial" charset="0"/>
+              <a:buChar char="•"/>
+            </a:pPr>
+            <a:endParaRPr lang="en-US" dirty="0" smtClean="0"/>
+          </a:p>
+          <a:p>
+            <a:endParaRPr lang="en-US" dirty="0"/>
           </a:p>
         </p:txBody>
       </p:sp>
     </p:spTree>
     <p:extLst>
       <p:ext uri="{BB962C8B-B14F-4D97-AF65-F5344CB8AC3E}">
-        <p14:creationId xmlns:p14="http://schemas.microsoft.com/office/powerpoint/2010/main" val="958229601"/>
+        <p14:creationId xmlns:p14="http://schemas.microsoft.com/office/powerpoint/2010/main" val="1268667178"/>
       </p:ext>
     </p:extLst>
   </p:cSld>
@@ -16204,77 +14879,143 @@
           <a:p>
             <a:r>
               <a:rPr lang="en-US" dirty="0" smtClean="0"/>
-              <a:t>Current state of </a:t>
+              <a:t>Current state of language models</a:t>
+            </a:r>
+            <a:endParaRPr lang="en-US" dirty="0"/>
+          </a:p>
+        </p:txBody>
+      </p:sp>
+      <p:sp>
+        <p:nvSpPr>
+          <p:cNvPr id="8" name="Content Placeholder 7"/>
+          <p:cNvSpPr>
+            <a:spLocks noGrp="1"/>
+          </p:cNvSpPr>
+          <p:nvPr>
+            <p:ph idx="1"/>
+          </p:nvPr>
+        </p:nvSpPr>
+        <p:spPr>
+          <a:xfrm>
+            <a:off x="838200" y="1825625"/>
+            <a:ext cx="6459220" cy="4351338"/>
+          </a:xfrm>
+        </p:spPr>
+        <p:txBody>
+          <a:bodyPr/>
+          <a:lstStyle/>
+          <a:p>
+            <a:pPr marL="0" marR="0" lvl="0" indent="0" defTabSz="914400" eaLnBrk="1" fontAlgn="auto" latinLnBrk="0" hangingPunct="1">
+              <a:lnSpc>
+                <a:spcPct val="100000"/>
+              </a:lnSpc>
+              <a:spcBef>
+                <a:spcPts val="0"/>
+              </a:spcBef>
+              <a:spcAft>
+                <a:spcPts val="0"/>
+              </a:spcAft>
+              <a:buClrTx/>
+              <a:buSzTx/>
+              <a:buFontTx/>
+              <a:buNone/>
+              <a:tabLst/>
+              <a:defRPr/>
+            </a:pPr>
+            <a:r>
+              <a:rPr lang="en-US" u="sng" dirty="0" smtClean="0"/>
+              <a:t>Disadvantage of </a:t>
+            </a:r>
+            <a:r>
+              <a:rPr lang="en-US" u="sng" dirty="0" err="1" smtClean="0"/>
+              <a:t>ngram</a:t>
+            </a:r>
+            <a:r>
+              <a:rPr lang="en-US" u="sng" dirty="0" smtClean="0"/>
+              <a:t> language models</a:t>
+            </a:r>
+          </a:p>
+          <a:p>
+            <a:pPr>
+              <a:lnSpc>
+                <a:spcPct val="100000"/>
+              </a:lnSpc>
+              <a:spcBef>
+                <a:spcPts val="0"/>
+              </a:spcBef>
+            </a:pPr>
+            <a:r>
+              <a:rPr lang="en-US" dirty="0" smtClean="0"/>
+              <a:t>They are big</a:t>
+            </a:r>
+          </a:p>
+          <a:p>
+            <a:pPr>
+              <a:lnSpc>
+                <a:spcPct val="100000"/>
+              </a:lnSpc>
+              <a:spcBef>
+                <a:spcPts val="0"/>
+              </a:spcBef>
+            </a:pPr>
+            <a:r>
+              <a:rPr lang="en-US" dirty="0" smtClean="0"/>
+              <a:t>They are dumb</a:t>
+            </a:r>
+          </a:p>
+          <a:p>
+            <a:pPr>
+              <a:lnSpc>
+                <a:spcPct val="100000"/>
+              </a:lnSpc>
+              <a:spcBef>
+                <a:spcPts val="0"/>
+              </a:spcBef>
+            </a:pPr>
+            <a:endParaRPr lang="en-US" dirty="0"/>
+          </a:p>
+          <a:p>
+            <a:pPr marL="0" indent="0">
+              <a:lnSpc>
+                <a:spcPct val="100000"/>
+              </a:lnSpc>
+              <a:spcBef>
+                <a:spcPts val="0"/>
+              </a:spcBef>
+              <a:buNone/>
+            </a:pPr>
+            <a:r>
+              <a:rPr lang="en-US" u="sng" dirty="0" smtClean="0"/>
+              <a:t>Current SOTA (state-of-the-art) models</a:t>
+            </a:r>
+          </a:p>
+          <a:p>
+            <a:pPr>
+              <a:lnSpc>
+                <a:spcPct val="100000"/>
+              </a:lnSpc>
+              <a:spcBef>
+                <a:spcPts val="0"/>
+              </a:spcBef>
+            </a:pPr>
+            <a:r>
+              <a:rPr lang="en-US" dirty="0" smtClean="0"/>
+              <a:t>Word </a:t>
             </a:r>
             <a:r>
               <a:rPr lang="en-US" dirty="0" err="1" smtClean="0"/>
-              <a:t>ngram</a:t>
+              <a:t>embeddings</a:t>
             </a:r>
             <a:r>
               <a:rPr lang="en-US" dirty="0" smtClean="0"/>
-              <a:t> models</a:t>
-            </a:r>
-            <a:endParaRPr lang="en-US" dirty="0"/>
-          </a:p>
-        </p:txBody>
-      </p:sp>
-      <p:sp>
-        <p:nvSpPr>
-          <p:cNvPr id="6" name="TextBox 5"/>
-          <p:cNvSpPr txBox="1"/>
-          <p:nvPr/>
-        </p:nvSpPr>
-        <p:spPr>
-          <a:xfrm>
-            <a:off x="924560" y="1459855"/>
-            <a:ext cx="7955280" cy="461665"/>
-          </a:xfrm>
-          <a:prstGeom prst="rect">
-            <a:avLst/>
-          </a:prstGeom>
-          <a:noFill/>
-        </p:spPr>
-        <p:txBody>
-          <a:bodyPr wrap="square" rtlCol="0">
-            <a:spAutoFit/>
-          </a:bodyPr>
-          <a:lstStyle/>
-          <a:p>
-            <a:r>
-              <a:rPr lang="en-US" sz="2400" u="sng" dirty="0" smtClean="0"/>
-              <a:t>Alternative to interpolation of </a:t>
-            </a:r>
-            <a:r>
-              <a:rPr lang="en-US" sz="2400" u="sng" dirty="0" err="1" smtClean="0"/>
-              <a:t>ngram</a:t>
-            </a:r>
-            <a:r>
-              <a:rPr lang="en-US" sz="2400" u="sng" dirty="0" smtClean="0"/>
-              <a:t> models</a:t>
-            </a:r>
-            <a:r>
-              <a:rPr lang="en-US" sz="2400" dirty="0" smtClean="0"/>
-              <a:t>: </a:t>
-            </a:r>
-            <a:r>
-              <a:rPr lang="en-US" sz="2400" b="1" dirty="0" err="1" smtClean="0"/>
-              <a:t>backoff</a:t>
-            </a:r>
-            <a:r>
-              <a:rPr lang="en-US" sz="2400" dirty="0" smtClean="0"/>
-              <a:t> </a:t>
-            </a:r>
-            <a:r>
-              <a:rPr lang="en-US" sz="2400" b="1" dirty="0" smtClean="0"/>
-              <a:t>models</a:t>
-            </a:r>
-            <a:endParaRPr lang="en-US" sz="2400" b="1" dirty="0"/>
+              <a:t> learned by neural networks (RNNs, transformers)</a:t>
+            </a:r>
           </a:p>
         </p:txBody>
       </p:sp>
       <p:pic>
         <p:nvPicPr>
-          <p:cNvPr id="7" name="Picture 6"/>
+          <p:cNvPr id="4" name="Picture 3"/>
           <p:cNvPicPr>
             <a:picLocks noChangeAspect="1"/>
           </p:cNvPicPr>
@@ -16294,8 +15035,8 @@
         </p:blipFill>
         <p:spPr>
           <a:xfrm>
-            <a:off x="924560" y="1921520"/>
-            <a:ext cx="5657687" cy="1854200"/>
+            <a:off x="7297420" y="3016666"/>
+            <a:ext cx="2724092" cy="3393440"/>
           </a:xfrm>
           <a:prstGeom prst="rect">
             <a:avLst/>
@@ -16304,290 +15045,108 @@
       </p:pic>
       <p:sp>
         <p:nvSpPr>
-          <p:cNvPr id="8" name="Rectangle 7"/>
+          <p:cNvPr id="5" name="Rounded Rectangular Callout 4"/>
           <p:cNvSpPr/>
           <p:nvPr/>
         </p:nvSpPr>
         <p:spPr>
           <a:xfrm>
-            <a:off x="838200" y="3652609"/>
-            <a:ext cx="6096000" cy="246221"/>
+            <a:off x="8534400" y="2181810"/>
+            <a:ext cx="3352800" cy="754429"/>
+          </a:xfrm>
+          <a:prstGeom prst="wedgeRoundRectCallout">
+            <a:avLst>
+              <a:gd name="adj1" fmla="val -36893"/>
+              <a:gd name="adj2" fmla="val 71456"/>
+              <a:gd name="adj3" fmla="val 16667"/>
+            </a:avLst>
+          </a:prstGeom>
+          <a:noFill/>
+          <a:ln>
+            <a:solidFill>
+              <a:schemeClr val="tx1"/>
+            </a:solidFill>
+          </a:ln>
+        </p:spPr>
+        <p:style>
+          <a:lnRef idx="2">
+            <a:schemeClr val="accent1">
+              <a:shade val="50000"/>
+            </a:schemeClr>
+          </a:lnRef>
+          <a:fillRef idx="1">
+            <a:schemeClr val="accent1"/>
+          </a:fillRef>
+          <a:effectRef idx="0">
+            <a:schemeClr val="accent1"/>
+          </a:effectRef>
+          <a:fontRef idx="minor">
+            <a:schemeClr val="lt1"/>
+          </a:fontRef>
+        </p:style>
+        <p:txBody>
+          <a:bodyPr rtlCol="0" anchor="ctr"/>
+          <a:lstStyle/>
+          <a:p>
+            <a:pPr algn="ctr"/>
+            <a:endParaRPr lang="en-US"/>
+          </a:p>
+        </p:txBody>
+      </p:sp>
+      <p:sp>
+        <p:nvSpPr>
+          <p:cNvPr id="6" name="TextBox 5"/>
+          <p:cNvSpPr txBox="1"/>
+          <p:nvPr/>
+        </p:nvSpPr>
+        <p:spPr>
+          <a:xfrm>
+            <a:off x="8773160" y="2262237"/>
+            <a:ext cx="2875280" cy="646331"/>
           </a:xfrm>
           <a:prstGeom prst="rect">
             <a:avLst/>
           </a:prstGeom>
-        </p:spPr>
-        <p:txBody>
-          <a:bodyPr>
+          <a:noFill/>
+        </p:spPr>
+        <p:txBody>
+          <a:bodyPr wrap="square" rtlCol="0">
             <a:spAutoFit/>
           </a:bodyPr>
           <a:lstStyle/>
           <a:p>
             <a:r>
-              <a:rPr lang="en-US" sz="1000" dirty="0" smtClean="0">
-                <a:hlinkClick r:id="rId3"/>
-              </a:rPr>
-              <a:t>https://www.cs.cornell.edu/courses/cs4740/2014sp/lectures/smoothing+backoff.pdf</a:t>
-            </a:r>
-            <a:endParaRPr lang="en-US" sz="1000" dirty="0"/>
-          </a:p>
-        </p:txBody>
-      </p:sp>
-      <p:sp>
-        <p:nvSpPr>
-          <p:cNvPr id="9" name="Rectangle 8"/>
-          <p:cNvSpPr/>
-          <p:nvPr/>
-        </p:nvSpPr>
-        <p:spPr>
-          <a:xfrm>
-            <a:off x="838200" y="4006552"/>
-            <a:ext cx="2992120" cy="1754326"/>
-          </a:xfrm>
-          <a:prstGeom prst="rect">
-            <a:avLst/>
-          </a:prstGeom>
-        </p:spPr>
-        <p:txBody>
-          <a:bodyPr wrap="square">
-            <a:spAutoFit/>
-          </a:bodyPr>
-          <a:lstStyle/>
-          <a:p>
-            <a:r>
-              <a:rPr lang="en-US" u="sng" dirty="0" smtClean="0"/>
-              <a:t>Selections of </a:t>
-            </a:r>
-            <a:r>
-              <a:rPr lang="en-US" u="sng" dirty="0" err="1" smtClean="0"/>
-              <a:t>ngram</a:t>
-            </a:r>
-            <a:r>
-              <a:rPr lang="en-US" u="sng" dirty="0" smtClean="0"/>
-              <a:t> models:</a:t>
-            </a:r>
-          </a:p>
-          <a:p>
-            <a:pPr marL="285750" indent="-285750">
-              <a:buFont typeface="Arial" charset="0"/>
-              <a:buChar char="•"/>
-            </a:pPr>
-            <a:r>
               <a:rPr lang="en-US" dirty="0" smtClean="0"/>
-              <a:t>Good-Turing smoothing</a:t>
-            </a:r>
-          </a:p>
-          <a:p>
-            <a:pPr marL="285750" indent="-285750">
-              <a:buFont typeface="Arial" charset="0"/>
-              <a:buChar char="•"/>
-            </a:pPr>
-            <a:r>
-              <a:rPr lang="en-US" dirty="0" err="1" smtClean="0"/>
-              <a:t>Jelinek</a:t>
+              <a:t>I know ”</a:t>
+            </a:r>
+            <a:r>
+              <a:rPr lang="en-US" dirty="0" smtClean="0">
+                <a:solidFill>
+                  <a:schemeClr val="accent6">
+                    <a:lumMod val="50000"/>
+                  </a:schemeClr>
+                </a:solidFill>
+              </a:rPr>
+              <a:t>Hulk Smash</a:t>
             </a:r>
             <a:r>
               <a:rPr lang="en-US" dirty="0" smtClean="0"/>
-              <a:t>-Mercer smoothing</a:t>
-            </a:r>
-          </a:p>
-          <a:p>
-            <a:pPr marL="285750" indent="-285750">
-              <a:buFont typeface="Arial" charset="0"/>
-              <a:buChar char="•"/>
-            </a:pPr>
+              <a:t>”, but what is “</a:t>
+            </a:r>
+            <a:r>
+              <a:rPr lang="en-US" dirty="0" smtClean="0">
+                <a:solidFill>
+                  <a:schemeClr val="accent2">
+                    <a:lumMod val="50000"/>
+                  </a:schemeClr>
+                </a:solidFill>
+              </a:rPr>
+              <a:t>Hulk Crash</a:t>
+            </a:r>
             <a:r>
               <a:rPr lang="en-US" dirty="0" smtClean="0"/>
-              <a:t>Church-Gale smoothing</a:t>
-            </a:r>
-          </a:p>
-          <a:p>
-            <a:pPr marL="285750" indent="-285750">
-              <a:buFont typeface="Arial" charset="0"/>
-              <a:buChar char="•"/>
-            </a:pPr>
-            <a:r>
-              <a:rPr lang="en-US" dirty="0" smtClean="0"/>
-              <a:t>Witten-Bell smoothing</a:t>
-            </a:r>
-          </a:p>
-          <a:p>
-            <a:endParaRPr lang="en-US" dirty="0"/>
-          </a:p>
-        </p:txBody>
-      </p:sp>
-      <p:sp>
-        <p:nvSpPr>
-          <p:cNvPr id="10" name="Rectangle 9"/>
-          <p:cNvSpPr/>
-          <p:nvPr/>
-        </p:nvSpPr>
-        <p:spPr>
-          <a:xfrm>
-            <a:off x="3753403" y="4006552"/>
-            <a:ext cx="2992120" cy="1477328"/>
-          </a:xfrm>
-          <a:prstGeom prst="rect">
-            <a:avLst/>
-          </a:prstGeom>
-        </p:spPr>
-        <p:txBody>
-          <a:bodyPr wrap="square">
-            <a:spAutoFit/>
-          </a:bodyPr>
-          <a:lstStyle/>
-          <a:p>
-            <a:endParaRPr lang="en-US" u="sng" dirty="0" smtClean="0"/>
-          </a:p>
-          <a:p>
-            <a:pPr marL="285750" indent="-285750">
-              <a:buFont typeface="Arial" charset="0"/>
-              <a:buChar char="•"/>
-            </a:pPr>
-            <a:r>
-              <a:rPr lang="en-US" dirty="0" smtClean="0"/>
-              <a:t>Katz </a:t>
-            </a:r>
-            <a:r>
-              <a:rPr lang="en-US" dirty="0" err="1" smtClean="0"/>
-              <a:t>backoff</a:t>
-            </a:r>
-            <a:endParaRPr lang="en-US" dirty="0" smtClean="0"/>
-          </a:p>
-          <a:p>
-            <a:pPr marL="285750" indent="-285750">
-              <a:buFont typeface="Arial" charset="0"/>
-              <a:buChar char="•"/>
-            </a:pPr>
-            <a:r>
-              <a:rPr lang="en-US" dirty="0" smtClean="0"/>
-              <a:t>Good-Turing </a:t>
-            </a:r>
-            <a:r>
-              <a:rPr lang="en-US" dirty="0" err="1" smtClean="0"/>
-              <a:t>backoff</a:t>
-            </a:r>
-            <a:endParaRPr lang="en-US" dirty="0" smtClean="0"/>
-          </a:p>
-          <a:p>
-            <a:pPr marL="285750" indent="-285750">
-              <a:buFont typeface="Arial" charset="0"/>
-              <a:buChar char="•"/>
-            </a:pPr>
-            <a:r>
-              <a:rPr lang="en-US" dirty="0" smtClean="0"/>
-              <a:t>Stupid </a:t>
-            </a:r>
-            <a:r>
-              <a:rPr lang="en-US" dirty="0" err="1" smtClean="0"/>
-              <a:t>backoff</a:t>
-            </a:r>
-            <a:endParaRPr lang="en-US" dirty="0" smtClean="0"/>
-          </a:p>
-          <a:p>
-            <a:endParaRPr lang="en-US" dirty="0"/>
-          </a:p>
-        </p:txBody>
-      </p:sp>
-      <p:sp>
-        <p:nvSpPr>
-          <p:cNvPr id="11" name="Rectangle 10"/>
-          <p:cNvSpPr/>
-          <p:nvPr/>
-        </p:nvSpPr>
-        <p:spPr>
-          <a:xfrm>
-            <a:off x="6334042" y="4006552"/>
-            <a:ext cx="5019758" cy="2031325"/>
-          </a:xfrm>
-          <a:prstGeom prst="rect">
-            <a:avLst/>
-          </a:prstGeom>
-        </p:spPr>
-        <p:txBody>
-          <a:bodyPr wrap="square">
-            <a:spAutoFit/>
-          </a:bodyPr>
-          <a:lstStyle/>
-          <a:p>
-            <a:endParaRPr lang="en-US" u="sng" dirty="0" smtClean="0"/>
-          </a:p>
-          <a:p>
-            <a:pPr marL="285750" indent="-285750">
-              <a:buFont typeface="Arial" charset="0"/>
-              <a:buChar char="•"/>
-            </a:pPr>
-            <a:r>
-              <a:rPr lang="en-US" dirty="0" err="1" smtClean="0"/>
-              <a:t>Kneser</a:t>
-            </a:r>
-            <a:r>
-              <a:rPr lang="en-US" dirty="0" smtClean="0"/>
-              <a:t>-Ney smoothing</a:t>
-            </a:r>
-          </a:p>
-          <a:p>
-            <a:pPr marL="285750" indent="-285750">
-              <a:buFont typeface="Arial" charset="0"/>
-              <a:buChar char="•"/>
-            </a:pPr>
-            <a:r>
-              <a:rPr lang="en-US" dirty="0" smtClean="0"/>
-              <a:t>Interpolated </a:t>
-            </a:r>
-            <a:r>
-              <a:rPr lang="en-US" dirty="0" err="1" smtClean="0"/>
-              <a:t>Kneser</a:t>
-            </a:r>
-            <a:r>
-              <a:rPr lang="en-US" dirty="0" smtClean="0"/>
-              <a:t>-Ney smoothing</a:t>
-            </a:r>
-          </a:p>
-          <a:p>
-            <a:pPr marL="285750" indent="-285750">
-              <a:buFont typeface="Arial" charset="0"/>
-              <a:buChar char="•"/>
-            </a:pPr>
-            <a:r>
-              <a:rPr lang="en-US" dirty="0" smtClean="0"/>
-              <a:t>Modified </a:t>
-            </a:r>
-            <a:r>
-              <a:rPr lang="en-US" dirty="0" err="1" smtClean="0"/>
-              <a:t>Kneser</a:t>
-            </a:r>
-            <a:r>
-              <a:rPr lang="en-US" dirty="0" smtClean="0"/>
-              <a:t>-Ney smoothing</a:t>
-            </a:r>
-          </a:p>
-          <a:p>
-            <a:pPr marL="285750" indent="-285750">
-              <a:buFont typeface="Arial" charset="0"/>
-              <a:buChar char="•"/>
-            </a:pPr>
-            <a:r>
-              <a:rPr lang="en-US" dirty="0" smtClean="0"/>
-              <a:t>Modified interpolated </a:t>
-            </a:r>
-            <a:r>
-              <a:rPr lang="en-US" dirty="0" err="1" smtClean="0"/>
-              <a:t>Kneser</a:t>
-            </a:r>
-            <a:r>
-              <a:rPr lang="en-US" dirty="0" smtClean="0"/>
-              <a:t>-Ney smoothing</a:t>
-            </a:r>
-          </a:p>
-          <a:p>
-            <a:pPr marL="285750" indent="-285750">
-              <a:buFont typeface="Arial" charset="0"/>
-              <a:buChar char="•"/>
-            </a:pPr>
-            <a:endParaRPr lang="en-US" dirty="0" smtClean="0"/>
-          </a:p>
-          <a:p>
+              <a:t>” ?</a:t>
+            </a:r>
             <a:endParaRPr lang="en-US" dirty="0"/>
           </a:p>
         </p:txBody>
@@ -16595,7 +15154,7 @@
     </p:spTree>
     <p:extLst>
       <p:ext uri="{BB962C8B-B14F-4D97-AF65-F5344CB8AC3E}">
-        <p14:creationId xmlns:p14="http://schemas.microsoft.com/office/powerpoint/2010/main" val="1268667178"/>
+        <p14:creationId xmlns:p14="http://schemas.microsoft.com/office/powerpoint/2010/main" val="310366067"/>
       </p:ext>
     </p:extLst>
   </p:cSld>
@@ -16646,332 +15205,6 @@
           <a:p>
             <a:r>
               <a:rPr lang="en-US" dirty="0" smtClean="0"/>
-              <a:t>Current state of language models</a:t>
-            </a:r>
-            <a:endParaRPr lang="en-US" dirty="0"/>
-          </a:p>
-        </p:txBody>
-      </p:sp>
-      <p:sp>
-        <p:nvSpPr>
-          <p:cNvPr id="8" name="Content Placeholder 7"/>
-          <p:cNvSpPr>
-            <a:spLocks noGrp="1"/>
-          </p:cNvSpPr>
-          <p:nvPr>
-            <p:ph idx="1"/>
-          </p:nvPr>
-        </p:nvSpPr>
-        <p:spPr>
-          <a:xfrm>
-            <a:off x="838200" y="1825625"/>
-            <a:ext cx="6459220" cy="4351338"/>
-          </a:xfrm>
-        </p:spPr>
-        <p:txBody>
-          <a:bodyPr/>
-          <a:lstStyle/>
-          <a:p>
-            <a:pPr marL="0" marR="0" lvl="0" indent="0" defTabSz="914400" eaLnBrk="1" fontAlgn="auto" latinLnBrk="0" hangingPunct="1">
-              <a:lnSpc>
-                <a:spcPct val="100000"/>
-              </a:lnSpc>
-              <a:spcBef>
-                <a:spcPts val="0"/>
-              </a:spcBef>
-              <a:spcAft>
-                <a:spcPts val="0"/>
-              </a:spcAft>
-              <a:buClrTx/>
-              <a:buSzTx/>
-              <a:buFontTx/>
-              <a:buNone/>
-              <a:tabLst/>
-              <a:defRPr/>
-            </a:pPr>
-            <a:r>
-              <a:rPr lang="en-US" u="sng" dirty="0" smtClean="0"/>
-              <a:t>Disadvantage of </a:t>
-            </a:r>
-            <a:r>
-              <a:rPr lang="en-US" u="sng" dirty="0" err="1" smtClean="0"/>
-              <a:t>ngram</a:t>
-            </a:r>
-            <a:r>
-              <a:rPr lang="en-US" u="sng" dirty="0" smtClean="0"/>
-              <a:t> language models</a:t>
-            </a:r>
-          </a:p>
-          <a:p>
-            <a:pPr>
-              <a:lnSpc>
-                <a:spcPct val="100000"/>
-              </a:lnSpc>
-              <a:spcBef>
-                <a:spcPts val="0"/>
-              </a:spcBef>
-            </a:pPr>
-            <a:r>
-              <a:rPr lang="en-US" dirty="0" smtClean="0"/>
-              <a:t>They are big</a:t>
-            </a:r>
-          </a:p>
-          <a:p>
-            <a:pPr>
-              <a:lnSpc>
-                <a:spcPct val="100000"/>
-              </a:lnSpc>
-              <a:spcBef>
-                <a:spcPts val="0"/>
-              </a:spcBef>
-            </a:pPr>
-            <a:r>
-              <a:rPr lang="en-US" dirty="0" smtClean="0"/>
-              <a:t>They are dumb</a:t>
-            </a:r>
-          </a:p>
-          <a:p>
-            <a:pPr>
-              <a:lnSpc>
-                <a:spcPct val="100000"/>
-              </a:lnSpc>
-              <a:spcBef>
-                <a:spcPts val="0"/>
-              </a:spcBef>
-            </a:pPr>
-            <a:endParaRPr lang="en-US" dirty="0"/>
-          </a:p>
-          <a:p>
-            <a:pPr marL="0" indent="0">
-              <a:lnSpc>
-                <a:spcPct val="100000"/>
-              </a:lnSpc>
-              <a:spcBef>
-                <a:spcPts val="0"/>
-              </a:spcBef>
-              <a:buNone/>
-            </a:pPr>
-            <a:r>
-              <a:rPr lang="en-US" u="sng" dirty="0" smtClean="0"/>
-              <a:t>Current SOTA (state-of-the-art) models</a:t>
-            </a:r>
-          </a:p>
-          <a:p>
-            <a:pPr>
-              <a:lnSpc>
-                <a:spcPct val="100000"/>
-              </a:lnSpc>
-              <a:spcBef>
-                <a:spcPts val="0"/>
-              </a:spcBef>
-            </a:pPr>
-            <a:r>
-              <a:rPr lang="en-US" dirty="0" smtClean="0"/>
-              <a:t>Word </a:t>
-            </a:r>
-            <a:r>
-              <a:rPr lang="en-US" dirty="0" err="1" smtClean="0"/>
-              <a:t>embeddings</a:t>
-            </a:r>
-            <a:r>
-              <a:rPr lang="en-US" dirty="0" smtClean="0"/>
-              <a:t> learned by neural networks (RNNs, transformers)</a:t>
-            </a:r>
-          </a:p>
-        </p:txBody>
-      </p:sp>
-      <p:pic>
-        <p:nvPicPr>
-          <p:cNvPr id="4" name="Picture 3"/>
-          <p:cNvPicPr>
-            <a:picLocks noChangeAspect="1"/>
-          </p:cNvPicPr>
-          <p:nvPr/>
-        </p:nvPicPr>
-        <p:blipFill>
-          <a:blip r:embed="rId2">
-            <a:extLst>
-              <a:ext uri="{28A0092B-C50C-407E-A947-70E740481C1C}">
-                <a14:useLocalDpi xmlns:a14="http://schemas.microsoft.com/office/drawing/2010/main" val="0"/>
-              </a:ext>
-            </a:extLst>
-          </a:blip>
-          <a:stretch>
-            <a:fillRect/>
-          </a:stretch>
-        </p:blipFill>
-        <p:spPr>
-          <a:xfrm>
-            <a:off x="7297420" y="3016666"/>
-            <a:ext cx="2724092" cy="3393440"/>
-          </a:xfrm>
-          <a:prstGeom prst="rect">
-            <a:avLst/>
-          </a:prstGeom>
-        </p:spPr>
-      </p:pic>
-      <p:sp>
-        <p:nvSpPr>
-          <p:cNvPr id="5" name="Rounded Rectangular Callout 4"/>
-          <p:cNvSpPr/>
-          <p:nvPr/>
-        </p:nvSpPr>
-        <p:spPr>
-          <a:xfrm>
-            <a:off x="8534400" y="2181810"/>
-            <a:ext cx="3352800" cy="754429"/>
-          </a:xfrm>
-          <a:prstGeom prst="wedgeRoundRectCallout">
-            <a:avLst>
-              <a:gd name="adj1" fmla="val -36893"/>
-              <a:gd name="adj2" fmla="val 71456"/>
-              <a:gd name="adj3" fmla="val 16667"/>
-            </a:avLst>
-          </a:prstGeom>
-          <a:noFill/>
-          <a:ln>
-            <a:solidFill>
-              <a:schemeClr val="tx1"/>
-            </a:solidFill>
-          </a:ln>
-        </p:spPr>
-        <p:style>
-          <a:lnRef idx="2">
-            <a:schemeClr val="accent1">
-              <a:shade val="50000"/>
-            </a:schemeClr>
-          </a:lnRef>
-          <a:fillRef idx="1">
-            <a:schemeClr val="accent1"/>
-          </a:fillRef>
-          <a:effectRef idx="0">
-            <a:schemeClr val="accent1"/>
-          </a:effectRef>
-          <a:fontRef idx="minor">
-            <a:schemeClr val="lt1"/>
-          </a:fontRef>
-        </p:style>
-        <p:txBody>
-          <a:bodyPr rtlCol="0" anchor="ctr"/>
-          <a:lstStyle/>
-          <a:p>
-            <a:pPr algn="ctr"/>
-            <a:endParaRPr lang="en-US"/>
-          </a:p>
-        </p:txBody>
-      </p:sp>
-      <p:sp>
-        <p:nvSpPr>
-          <p:cNvPr id="6" name="TextBox 5"/>
-          <p:cNvSpPr txBox="1"/>
-          <p:nvPr/>
-        </p:nvSpPr>
-        <p:spPr>
-          <a:xfrm>
-            <a:off x="8773160" y="2262237"/>
-            <a:ext cx="2875280" cy="646331"/>
-          </a:xfrm>
-          <a:prstGeom prst="rect">
-            <a:avLst/>
-          </a:prstGeom>
-          <a:noFill/>
-        </p:spPr>
-        <p:txBody>
-          <a:bodyPr wrap="square" rtlCol="0">
-            <a:spAutoFit/>
-          </a:bodyPr>
-          <a:lstStyle/>
-          <a:p>
-            <a:r>
-              <a:rPr lang="en-US" dirty="0" smtClean="0"/>
-              <a:t>I know ”</a:t>
-            </a:r>
-            <a:r>
-              <a:rPr lang="en-US" dirty="0" smtClean="0">
-                <a:solidFill>
-                  <a:schemeClr val="accent6">
-                    <a:lumMod val="50000"/>
-                  </a:schemeClr>
-                </a:solidFill>
-              </a:rPr>
-              <a:t>Hulk Smash</a:t>
-            </a:r>
-            <a:r>
-              <a:rPr lang="en-US" dirty="0" smtClean="0"/>
-              <a:t>”, but what is “</a:t>
-            </a:r>
-            <a:r>
-              <a:rPr lang="en-US" dirty="0" smtClean="0">
-                <a:solidFill>
-                  <a:schemeClr val="accent2">
-                    <a:lumMod val="50000"/>
-                  </a:schemeClr>
-                </a:solidFill>
-              </a:rPr>
-              <a:t>Hulk Crash</a:t>
-            </a:r>
-            <a:r>
-              <a:rPr lang="en-US" dirty="0" smtClean="0"/>
-              <a:t>” ?</a:t>
-            </a:r>
-            <a:endParaRPr lang="en-US" dirty="0"/>
-          </a:p>
-        </p:txBody>
-      </p:sp>
-    </p:spTree>
-    <p:extLst>
-      <p:ext uri="{BB962C8B-B14F-4D97-AF65-F5344CB8AC3E}">
-        <p14:creationId xmlns:p14="http://schemas.microsoft.com/office/powerpoint/2010/main" val="310366067"/>
-      </p:ext>
-    </p:extLst>
-  </p:cSld>
-  <p:clrMapOvr>
-    <a:masterClrMapping/>
-  </p:clrMapOvr>
-  <p:timing>
-    <p:tnLst>
-      <p:par>
-        <p:cTn id="1" dur="indefinite" restart="never" nodeType="tmRoot"/>
-      </p:par>
-    </p:tnLst>
-  </p:timing>
-</p:sld>
-</file>
-
-<file path=ppt/slides/slide38.xml><?xml version="1.0" encoding="utf-8"?>
-<p:sld xmlns:a="http://schemas.openxmlformats.org/drawingml/2006/main" xmlns:r="http://schemas.openxmlformats.org/officeDocument/2006/relationships" xmlns:p="http://schemas.openxmlformats.org/presentationml/2006/main">
-  <p:cSld>
-    <p:spTree>
-      <p:nvGrpSpPr>
-        <p:cNvPr id="1" name=""/>
-        <p:cNvGrpSpPr/>
-        <p:nvPr/>
-      </p:nvGrpSpPr>
-      <p:grpSpPr>
-        <a:xfrm>
-          <a:off x="0" y="0"/>
-          <a:ext cx="0" cy="0"/>
-          <a:chOff x="0" y="0"/>
-          <a:chExt cx="0" cy="0"/>
-        </a:xfrm>
-      </p:grpSpPr>
-      <p:sp>
-        <p:nvSpPr>
-          <p:cNvPr id="2" name="Title 1"/>
-          <p:cNvSpPr>
-            <a:spLocks noGrp="1"/>
-          </p:cNvSpPr>
-          <p:nvPr>
-            <p:ph type="title"/>
-          </p:nvPr>
-        </p:nvSpPr>
-        <p:spPr/>
-        <p:txBody>
-          <a:bodyPr/>
-          <a:lstStyle/>
-          <a:p>
-            <a:r>
-              <a:rPr lang="en-US" dirty="0" smtClean="0"/>
               <a:t>Summary</a:t>
             </a:r>
             <a:endParaRPr lang="en-US" dirty="0"/>
@@ -17059,7 +15292,11 @@
             </a:r>
             <a:r>
               <a:rPr lang="en-US" dirty="0" err="1" smtClean="0"/>
-              <a:t>ngrams</a:t>
+              <a:t>ngram</a:t>
+            </a:r>
+            <a:r>
+              <a:rPr lang="en-US" dirty="0" smtClean="0"/>
+              <a:t> models</a:t>
             </a:r>
             <a:endParaRPr lang="en-US" dirty="0"/>
           </a:p>
@@ -17163,38 +15400,8 @@
         </p:blipFill>
         <p:spPr>
           <a:xfrm>
-            <a:off x="3669030" y="2853214"/>
+            <a:off x="3690620" y="3029634"/>
             <a:ext cx="4191000" cy="660400"/>
-          </a:xfrm>
-          <a:prstGeom prst="rect">
-            <a:avLst/>
-          </a:prstGeom>
-        </p:spPr>
-      </p:pic>
-      <p:pic>
-        <p:nvPicPr>
-          <p:cNvPr id="8" name="Picture 7"/>
-          <p:cNvPicPr>
-            <a:picLocks noChangeAspect="1"/>
-          </p:cNvPicPr>
-          <p:nvPr/>
-        </p:nvPicPr>
-        <p:blipFill>
-          <a:blip r:embed="rId3">
-            <a:extLst>
-              <a:ext uri="{28A0092B-C50C-407E-A947-70E740481C1C}">
-                <a14:useLocalDpi xmlns:a14="http://schemas.microsoft.com/office/drawing/2010/main" val="0"/>
-              </a:ext>
-            </a:extLst>
-          </a:blip>
-          <a:stretch>
-            <a:fillRect/>
-          </a:stretch>
-        </p:blipFill>
-        <p:spPr>
-          <a:xfrm>
-            <a:off x="949960" y="1990408"/>
-            <a:ext cx="7353300" cy="647700"/>
           </a:xfrm>
           <a:prstGeom prst="rect">
             <a:avLst/>
@@ -17210,7 +15417,7 @@
           <p:nvPr/>
         </p:nvPicPr>
         <p:blipFill>
-          <a:blip r:embed="rId4">
+          <a:blip r:embed="rId3">
             <a:extLst>
               <a:ext uri="{28A0092B-C50C-407E-A947-70E740481C1C}">
                 <a14:useLocalDpi xmlns:a14="http://schemas.microsoft.com/office/drawing/2010/main" val="0"/>
@@ -17417,6 +15624,66 @@
           </a:fontRef>
         </p:style>
       </p:cxnSp>
+      <p:pic>
+        <p:nvPicPr>
+          <p:cNvPr id="19" name="Picture 18"/>
+          <p:cNvPicPr>
+            <a:picLocks noChangeAspect="1"/>
+          </p:cNvPicPr>
+          <p:nvPr/>
+        </p:nvPicPr>
+        <p:blipFill>
+          <a:blip r:embed="rId4">
+            <a:extLst>
+              <a:ext uri="{28A0092B-C50C-407E-A947-70E740481C1C}">
+                <a14:useLocalDpi xmlns:a14="http://schemas.microsoft.com/office/drawing/2010/main" val="0"/>
+              </a:ext>
+            </a:extLst>
+          </a:blip>
+          <a:stretch>
+            <a:fillRect/>
+          </a:stretch>
+        </p:blipFill>
+        <p:spPr>
+          <a:xfrm>
+            <a:off x="3669030" y="2297821"/>
+            <a:ext cx="4673600" cy="698500"/>
+          </a:xfrm>
+          <a:prstGeom prst="rect">
+            <a:avLst/>
+          </a:prstGeom>
+        </p:spPr>
+      </p:pic>
+      <p:pic>
+        <p:nvPicPr>
+          <p:cNvPr id="20" name="Picture 19"/>
+          <p:cNvPicPr>
+            <a:picLocks noChangeAspect="1"/>
+          </p:cNvPicPr>
+          <p:nvPr/>
+        </p:nvPicPr>
+        <p:blipFill>
+          <a:blip r:embed="rId5">
+            <a:extLst>
+              <a:ext uri="{28A0092B-C50C-407E-A947-70E740481C1C}">
+                <a14:useLocalDpi xmlns:a14="http://schemas.microsoft.com/office/drawing/2010/main" val="0"/>
+              </a:ext>
+            </a:extLst>
+          </a:blip>
+          <a:stretch>
+            <a:fillRect/>
+          </a:stretch>
+        </p:blipFill>
+        <p:spPr>
+          <a:xfrm>
+            <a:off x="935990" y="1599321"/>
+            <a:ext cx="5524500" cy="698500"/>
+          </a:xfrm>
+          <a:prstGeom prst="rect">
+            <a:avLst/>
+          </a:prstGeom>
+        </p:spPr>
+      </p:pic>
     </p:spTree>
     <p:extLst>
       <p:ext uri="{BB962C8B-B14F-4D97-AF65-F5344CB8AC3E}">
@@ -18696,106 +16963,6 @@
       </p:pic>
       <p:sp>
         <p:nvSpPr>
-          <p:cNvPr id="5" name="TextBox 4"/>
-          <p:cNvSpPr txBox="1"/>
-          <p:nvPr/>
-        </p:nvSpPr>
-        <p:spPr>
-          <a:xfrm>
-            <a:off x="345687" y="6033469"/>
-            <a:ext cx="4560849" cy="646331"/>
-          </a:xfrm>
-          <a:prstGeom prst="rect">
-            <a:avLst/>
-          </a:prstGeom>
-          <a:noFill/>
-        </p:spPr>
-        <p:txBody>
-          <a:bodyPr wrap="square" rtlCol="0">
-            <a:spAutoFit/>
-          </a:bodyPr>
-          <a:lstStyle/>
-          <a:p>
-            <a:r>
-              <a:rPr lang="en-US" dirty="0" smtClean="0">
-                <a:solidFill>
-                  <a:srgbClr val="C00000"/>
-                </a:solidFill>
-              </a:rPr>
-              <a:t>Unigram model on </a:t>
-            </a:r>
-            <a:r>
-              <a:rPr lang="en-US" dirty="0" err="1" smtClean="0">
-                <a:solidFill>
-                  <a:srgbClr val="C00000"/>
-                </a:solidFill>
-              </a:rPr>
-              <a:t>trainW</a:t>
-            </a:r>
-            <a:r>
-              <a:rPr lang="en-US" dirty="0" smtClean="0">
-                <a:solidFill>
-                  <a:srgbClr val="C00000"/>
-                </a:solidFill>
-              </a:rPr>
-              <a:t> = uniform model</a:t>
-            </a:r>
-          </a:p>
-          <a:p>
-            <a:r>
-              <a:rPr lang="en-US" dirty="0" smtClean="0">
-                <a:solidFill>
-                  <a:srgbClr val="C00000"/>
-                </a:solidFill>
-              </a:rPr>
-              <a:t>P(word) = 1 / 370104</a:t>
-            </a:r>
-            <a:endParaRPr lang="en-US" dirty="0">
-              <a:solidFill>
-                <a:srgbClr val="C00000"/>
-              </a:solidFill>
-            </a:endParaRPr>
-          </a:p>
-        </p:txBody>
-      </p:sp>
-      <p:cxnSp>
-        <p:nvCxnSpPr>
-          <p:cNvPr id="7" name="Straight Arrow Connector 6"/>
-          <p:cNvCxnSpPr/>
-          <p:nvPr/>
-        </p:nvCxnSpPr>
-        <p:spPr>
-          <a:xfrm flipH="1">
-            <a:off x="1059366" y="4694663"/>
-            <a:ext cx="1092820" cy="1338806"/>
-          </a:xfrm>
-          <a:prstGeom prst="straightConnector1">
-            <a:avLst/>
-          </a:prstGeom>
-          <a:ln>
-            <a:solidFill>
-              <a:srgbClr val="C00000"/>
-            </a:solidFill>
-            <a:tailEnd type="triangle"/>
-          </a:ln>
-        </p:spPr>
-        <p:style>
-          <a:lnRef idx="1">
-            <a:schemeClr val="accent1"/>
-          </a:lnRef>
-          <a:fillRef idx="0">
-            <a:schemeClr val="accent1"/>
-          </a:fillRef>
-          <a:effectRef idx="0">
-            <a:schemeClr val="accent1"/>
-          </a:effectRef>
-          <a:fontRef idx="minor">
-            <a:schemeClr val="tx1"/>
-          </a:fontRef>
-        </p:style>
-      </p:cxnSp>
-      <p:sp>
-        <p:nvSpPr>
           <p:cNvPr id="10" name="TextBox 9"/>
           <p:cNvSpPr txBox="1"/>
           <p:nvPr/>
@@ -19100,14 +17267,14 @@
       </p:sp>
       <p:sp>
         <p:nvSpPr>
-          <p:cNvPr id="12" name="TextBox 11"/>
+          <p:cNvPr id="19" name="TextBox 18"/>
           <p:cNvSpPr txBox="1"/>
           <p:nvPr/>
         </p:nvSpPr>
         <p:spPr>
           <a:xfrm>
-            <a:off x="1468244" y="1459855"/>
-            <a:ext cx="2769220" cy="369332"/>
+            <a:off x="5116551" y="5756470"/>
+            <a:ext cx="3852744" cy="923330"/>
           </a:xfrm>
           <a:prstGeom prst="rect">
             <a:avLst/>
@@ -19126,203 +17293,7 @@
                   <a:srgbClr val="C00000"/>
                 </a:solidFill>
               </a:rPr>
-              <a:t>Bigram model: P(</a:t>
-            </a:r>
-            <a:r>
-              <a:rPr lang="en-US" dirty="0" err="1" smtClean="0">
-                <a:solidFill>
-                  <a:srgbClr val="C00000"/>
-                </a:solidFill>
-              </a:rPr>
-              <a:t>aa|a</a:t>
-            </a:r>
-            <a:r>
-              <a:rPr lang="en-US" dirty="0" smtClean="0">
-                <a:solidFill>
-                  <a:srgbClr val="C00000"/>
-                </a:solidFill>
-              </a:rPr>
-              <a:t>) = 1</a:t>
-            </a:r>
-            <a:endParaRPr lang="en-US" dirty="0">
-              <a:solidFill>
-                <a:srgbClr val="C00000"/>
-              </a:solidFill>
-            </a:endParaRPr>
-          </a:p>
-        </p:txBody>
-      </p:sp>
-      <p:cxnSp>
-        <p:nvCxnSpPr>
-          <p:cNvPr id="13" name="Straight Arrow Connector 12"/>
-          <p:cNvCxnSpPr/>
-          <p:nvPr/>
-        </p:nvCxnSpPr>
-        <p:spPr>
-          <a:xfrm flipH="1" flipV="1">
-            <a:off x="2330605" y="1829187"/>
-            <a:ext cx="522249" cy="956231"/>
-          </a:xfrm>
-          <a:prstGeom prst="straightConnector1">
-            <a:avLst/>
-          </a:prstGeom>
-          <a:ln>
-            <a:solidFill>
-              <a:srgbClr val="C00000"/>
-            </a:solidFill>
-            <a:tailEnd type="triangle"/>
-          </a:ln>
-        </p:spPr>
-        <p:style>
-          <a:lnRef idx="1">
-            <a:schemeClr val="accent1"/>
-          </a:lnRef>
-          <a:fillRef idx="0">
-            <a:schemeClr val="accent1"/>
-          </a:fillRef>
-          <a:effectRef idx="0">
-            <a:schemeClr val="accent1"/>
-          </a:effectRef>
-          <a:fontRef idx="minor">
-            <a:schemeClr val="tx1"/>
-          </a:fontRef>
-        </p:style>
-      </p:cxnSp>
-      <p:sp>
-        <p:nvSpPr>
-          <p:cNvPr id="16" name="TextBox 15"/>
-          <p:cNvSpPr txBox="1"/>
-          <p:nvPr/>
-        </p:nvSpPr>
-        <p:spPr>
-          <a:xfrm>
-            <a:off x="5116551" y="1459855"/>
-            <a:ext cx="4127810" cy="369332"/>
-          </a:xfrm>
-          <a:prstGeom prst="rect">
-            <a:avLst/>
-          </a:prstGeom>
-          <a:noFill/>
-        </p:spPr>
-        <p:txBody>
-          <a:bodyPr wrap="square" rtlCol="0">
-            <a:spAutoFit/>
-          </a:bodyPr>
-          <a:lstStyle/>
-          <a:p>
-            <a:r>
-              <a:rPr lang="en-US" dirty="0" smtClean="0">
-                <a:solidFill>
-                  <a:srgbClr val="C00000"/>
-                </a:solidFill>
-              </a:rPr>
-              <a:t>5-gram model: P(</a:t>
-            </a:r>
-            <a:r>
-              <a:rPr lang="en-US" dirty="0" err="1" smtClean="0">
-                <a:solidFill>
-                  <a:srgbClr val="C00000"/>
-                </a:solidFill>
-              </a:rPr>
-              <a:t>aahed|a,aa,aaa,aah</a:t>
-            </a:r>
-            <a:r>
-              <a:rPr lang="en-US" dirty="0" smtClean="0">
-                <a:solidFill>
-                  <a:srgbClr val="C00000"/>
-                </a:solidFill>
-              </a:rPr>
-              <a:t>) = 1</a:t>
-            </a:r>
-            <a:endParaRPr lang="en-US" dirty="0">
-              <a:solidFill>
-                <a:srgbClr val="C00000"/>
-              </a:solidFill>
-            </a:endParaRPr>
-          </a:p>
-        </p:txBody>
-      </p:sp>
-      <p:cxnSp>
-        <p:nvCxnSpPr>
-          <p:cNvPr id="17" name="Straight Arrow Connector 16"/>
-          <p:cNvCxnSpPr/>
-          <p:nvPr/>
-        </p:nvCxnSpPr>
-        <p:spPr>
-          <a:xfrm flipV="1">
-            <a:off x="4822904" y="1829187"/>
-            <a:ext cx="1273096" cy="916373"/>
-          </a:xfrm>
-          <a:prstGeom prst="straightConnector1">
-            <a:avLst/>
-          </a:prstGeom>
-          <a:ln>
-            <a:solidFill>
-              <a:srgbClr val="C00000"/>
-            </a:solidFill>
-            <a:tailEnd type="triangle"/>
-          </a:ln>
-        </p:spPr>
-        <p:style>
-          <a:lnRef idx="1">
-            <a:schemeClr val="accent1"/>
-          </a:lnRef>
-          <a:fillRef idx="0">
-            <a:schemeClr val="accent1"/>
-          </a:fillRef>
-          <a:effectRef idx="0">
-            <a:schemeClr val="accent1"/>
-          </a:effectRef>
-          <a:fontRef idx="minor">
-            <a:schemeClr val="tx1"/>
-          </a:fontRef>
-        </p:style>
-      </p:cxnSp>
-      <p:sp>
-        <p:nvSpPr>
-          <p:cNvPr id="19" name="TextBox 18"/>
-          <p:cNvSpPr txBox="1"/>
-          <p:nvPr/>
-        </p:nvSpPr>
-        <p:spPr>
-          <a:xfrm>
-            <a:off x="5116551" y="5756470"/>
-            <a:ext cx="3852744" cy="923330"/>
-          </a:xfrm>
-          <a:prstGeom prst="rect">
-            <a:avLst/>
-          </a:prstGeom>
-          <a:noFill/>
-        </p:spPr>
-        <p:txBody>
-          <a:bodyPr wrap="square" rtlCol="0">
-            <a:spAutoFit/>
-          </a:bodyPr>
-          <a:lstStyle/>
-          <a:p>
-            <a:r>
-              <a:rPr lang="en-US" dirty="0" smtClean="0">
-                <a:solidFill>
-                  <a:srgbClr val="C00000"/>
-                </a:solidFill>
-              </a:rPr>
-              <a:t>The more interpolation with uniform (lower fraction of </a:t>
-            </a:r>
-            <a:r>
-              <a:rPr lang="en-US" dirty="0" err="1" smtClean="0">
-                <a:solidFill>
-                  <a:srgbClr val="C00000"/>
-                </a:solidFill>
-              </a:rPr>
-              <a:t>ngram</a:t>
-            </a:r>
-            <a:r>
-              <a:rPr lang="en-US" dirty="0" smtClean="0">
-                <a:solidFill>
-                  <a:srgbClr val="C00000"/>
-                </a:solidFill>
-              </a:rPr>
-              <a:t> model), the worse the model gets</a:t>
+              <a:t>The more interpolation with uniform, the worse the model gets on the training set</a:t>
             </a:r>
             <a:endParaRPr lang="en-US" dirty="0">
               <a:solidFill>
@@ -19412,7 +17383,7 @@
                                           </p:stCondLst>
                                         </p:cTn>
                                         <p:tgtEl>
-                                          <p:spTgt spid="7"/>
+                                          <p:spTgt spid="20"/>
                                         </p:tgtEl>
                                         <p:attrNameLst>
                                           <p:attrName>style.visibility</p:attrName>
@@ -19434,222 +17405,6 @@
                                     <p:set>
                                       <p:cBhvr>
                                         <p:cTn id="8" dur="1" fill="hold">
-                                          <p:stCondLst>
-                                            <p:cond delay="0"/>
-                                          </p:stCondLst>
-                                        </p:cTn>
-                                        <p:tgtEl>
-                                          <p:spTgt spid="5"/>
-                                        </p:tgtEl>
-                                        <p:attrNameLst>
-                                          <p:attrName>style.visibility</p:attrName>
-                                        </p:attrNameLst>
-                                      </p:cBhvr>
-                                      <p:to>
-                                        <p:strVal val="visible"/>
-                                      </p:to>
-                                    </p:set>
-                                  </p:childTnLst>
-                                </p:cTn>
-                              </p:par>
-                            </p:childTnLst>
-                          </p:cTn>
-                        </p:par>
-                      </p:childTnLst>
-                    </p:cTn>
-                  </p:par>
-                  <p:par>
-                    <p:cTn id="9" fill="hold">
-                      <p:stCondLst>
-                        <p:cond delay="indefinite"/>
-                      </p:stCondLst>
-                      <p:childTnLst>
-                        <p:par>
-                          <p:cTn id="10" fill="hold">
-                            <p:stCondLst>
-                              <p:cond delay="0"/>
-                            </p:stCondLst>
-                            <p:childTnLst>
-                              <p:par>
-                                <p:cTn id="11" presetID="1" presetClass="entr" presetSubtype="0" fill="hold" grpId="0" nodeType="clickEffect">
-                                  <p:stCondLst>
-                                    <p:cond delay="0"/>
-                                  </p:stCondLst>
-                                  <p:childTnLst>
-                                    <p:set>
-                                      <p:cBhvr>
-                                        <p:cTn id="12" dur="1" fill="hold">
-                                          <p:stCondLst>
-                                            <p:cond delay="0"/>
-                                          </p:stCondLst>
-                                        </p:cTn>
-                                        <p:tgtEl>
-                                          <p:spTgt spid="12"/>
-                                        </p:tgtEl>
-                                        <p:attrNameLst>
-                                          <p:attrName>style.visibility</p:attrName>
-                                        </p:attrNameLst>
-                                      </p:cBhvr>
-                                      <p:to>
-                                        <p:strVal val="visible"/>
-                                      </p:to>
-                                    </p:set>
-                                  </p:childTnLst>
-                                </p:cTn>
-                              </p:par>
-                              <p:par>
-                                <p:cTn id="13" presetID="1" presetClass="entr" presetSubtype="0" fill="hold" nodeType="withEffect">
-                                  <p:stCondLst>
-                                    <p:cond delay="0"/>
-                                  </p:stCondLst>
-                                  <p:childTnLst>
-                                    <p:set>
-                                      <p:cBhvr>
-                                        <p:cTn id="14" dur="1" fill="hold">
-                                          <p:stCondLst>
-                                            <p:cond delay="0"/>
-                                          </p:stCondLst>
-                                        </p:cTn>
-                                        <p:tgtEl>
-                                          <p:spTgt spid="13"/>
-                                        </p:tgtEl>
-                                        <p:attrNameLst>
-                                          <p:attrName>style.visibility</p:attrName>
-                                        </p:attrNameLst>
-                                      </p:cBhvr>
-                                      <p:to>
-                                        <p:strVal val="visible"/>
-                                      </p:to>
-                                    </p:set>
-                                  </p:childTnLst>
-                                </p:cTn>
-                              </p:par>
-                            </p:childTnLst>
-                          </p:cTn>
-                        </p:par>
-                      </p:childTnLst>
-                    </p:cTn>
-                  </p:par>
-                  <p:par>
-                    <p:cTn id="15" fill="hold">
-                      <p:stCondLst>
-                        <p:cond delay="indefinite"/>
-                      </p:stCondLst>
-                      <p:childTnLst>
-                        <p:par>
-                          <p:cTn id="16" fill="hold">
-                            <p:stCondLst>
-                              <p:cond delay="0"/>
-                            </p:stCondLst>
-                            <p:childTnLst>
-                              <p:par>
-                                <p:cTn id="17" presetID="1" presetClass="entr" presetSubtype="0" fill="hold" nodeType="clickEffect">
-                                  <p:stCondLst>
-                                    <p:cond delay="0"/>
-                                  </p:stCondLst>
-                                  <p:childTnLst>
-                                    <p:set>
-                                      <p:cBhvr>
-                                        <p:cTn id="18" dur="1" fill="hold">
-                                          <p:stCondLst>
-                                            <p:cond delay="0"/>
-                                          </p:stCondLst>
-                                        </p:cTn>
-                                        <p:tgtEl>
-                                          <p:spTgt spid="17"/>
-                                        </p:tgtEl>
-                                        <p:attrNameLst>
-                                          <p:attrName>style.visibility</p:attrName>
-                                        </p:attrNameLst>
-                                      </p:cBhvr>
-                                      <p:to>
-                                        <p:strVal val="visible"/>
-                                      </p:to>
-                                    </p:set>
-                                  </p:childTnLst>
-                                </p:cTn>
-                              </p:par>
-                              <p:par>
-                                <p:cTn id="19" presetID="1" presetClass="entr" presetSubtype="0" fill="hold" grpId="0" nodeType="withEffect">
-                                  <p:stCondLst>
-                                    <p:cond delay="0"/>
-                                  </p:stCondLst>
-                                  <p:childTnLst>
-                                    <p:set>
-                                      <p:cBhvr>
-                                        <p:cTn id="20" dur="1" fill="hold">
-                                          <p:stCondLst>
-                                            <p:cond delay="0"/>
-                                          </p:stCondLst>
-                                        </p:cTn>
-                                        <p:tgtEl>
-                                          <p:spTgt spid="16"/>
-                                        </p:tgtEl>
-                                        <p:attrNameLst>
-                                          <p:attrName>style.visibility</p:attrName>
-                                        </p:attrNameLst>
-                                      </p:cBhvr>
-                                      <p:to>
-                                        <p:strVal val="visible"/>
-                                      </p:to>
-                                    </p:set>
-                                  </p:childTnLst>
-                                </p:cTn>
-                              </p:par>
-                            </p:childTnLst>
-                          </p:cTn>
-                        </p:par>
-                      </p:childTnLst>
-                    </p:cTn>
-                  </p:par>
-                  <p:par>
-                    <p:cTn id="21" fill="hold">
-                      <p:stCondLst>
-                        <p:cond delay="indefinite"/>
-                      </p:stCondLst>
-                      <p:childTnLst>
-                        <p:par>
-                          <p:cTn id="22" fill="hold">
-                            <p:stCondLst>
-                              <p:cond delay="0"/>
-                            </p:stCondLst>
-                            <p:childTnLst>
-                              <p:par>
-                                <p:cTn id="23" presetID="1" presetClass="entr" presetSubtype="0" fill="hold" nodeType="clickEffect">
-                                  <p:stCondLst>
-                                    <p:cond delay="0"/>
-                                  </p:stCondLst>
-                                  <p:childTnLst>
-                                    <p:set>
-                                      <p:cBhvr>
-                                        <p:cTn id="24" dur="1" fill="hold">
-                                          <p:stCondLst>
-                                            <p:cond delay="0"/>
-                                          </p:stCondLst>
-                                        </p:cTn>
-                                        <p:tgtEl>
-                                          <p:spTgt spid="20"/>
-                                        </p:tgtEl>
-                                        <p:attrNameLst>
-                                          <p:attrName>style.visibility</p:attrName>
-                                        </p:attrNameLst>
-                                      </p:cBhvr>
-                                      <p:to>
-                                        <p:strVal val="visible"/>
-                                      </p:to>
-                                    </p:set>
-                                  </p:childTnLst>
-                                </p:cTn>
-                              </p:par>
-                              <p:par>
-                                <p:cTn id="25" presetID="1" presetClass="entr" presetSubtype="0" fill="hold" grpId="0" nodeType="withEffect">
-                                  <p:stCondLst>
-                                    <p:cond delay="0"/>
-                                  </p:stCondLst>
-                                  <p:childTnLst>
-                                    <p:set>
-                                      <p:cBhvr>
-                                        <p:cTn id="26" dur="1" fill="hold">
                                           <p:stCondLst>
                                             <p:cond delay="0"/>
                                           </p:stCondLst>
@@ -19696,9 +17451,6 @@
       </p:par>
     </p:tnLst>
     <p:bldLst>
-      <p:bldP spid="5" grpId="0"/>
-      <p:bldP spid="12" grpId="0"/>
-      <p:bldP spid="16" grpId="0"/>
       <p:bldP spid="19" grpId="0"/>
     </p:bldLst>
   </p:timing>
